--- a/resource/seminar/Week1.pptx
+++ b/resource/seminar/Week1.pptx
@@ -5,22 +5,55 @@
     <p:sldMasterId id="2147483648" r:id="rId1"/>
   </p:sldMasterIdLst>
   <p:notesMasterIdLst>
-    <p:notesMasterId r:id="rId16"/>
+    <p:notesMasterId r:id="rId49"/>
   </p:notesMasterIdLst>
   <p:sldIdLst>
     <p:sldId id="258" r:id="rId3"/>
     <p:sldId id="256" r:id="rId4"/>
-    <p:sldId id="269" r:id="rId5"/>
+    <p:sldId id="313" r:id="rId5"/>
     <p:sldId id="257" r:id="rId6"/>
-    <p:sldId id="259" r:id="rId7"/>
-    <p:sldId id="260" r:id="rId8"/>
-    <p:sldId id="262" r:id="rId9"/>
-    <p:sldId id="264" r:id="rId10"/>
-    <p:sldId id="265" r:id="rId11"/>
-    <p:sldId id="266" r:id="rId12"/>
-    <p:sldId id="267" r:id="rId13"/>
-    <p:sldId id="268" r:id="rId14"/>
-    <p:sldId id="270" r:id="rId15"/>
+    <p:sldId id="271" r:id="rId7"/>
+    <p:sldId id="272" r:id="rId8"/>
+    <p:sldId id="269" r:id="rId9"/>
+    <p:sldId id="259" r:id="rId10"/>
+    <p:sldId id="260" r:id="rId11"/>
+    <p:sldId id="262" r:id="rId12"/>
+    <p:sldId id="264" r:id="rId13"/>
+    <p:sldId id="265" r:id="rId14"/>
+    <p:sldId id="266" r:id="rId15"/>
+    <p:sldId id="267" r:id="rId16"/>
+    <p:sldId id="270" r:id="rId17"/>
+    <p:sldId id="273" r:id="rId18"/>
+    <p:sldId id="268" r:id="rId19"/>
+    <p:sldId id="302" r:id="rId20"/>
+    <p:sldId id="275" r:id="rId21"/>
+    <p:sldId id="312" r:id="rId22"/>
+    <p:sldId id="276" r:id="rId23"/>
+    <p:sldId id="278" r:id="rId24"/>
+    <p:sldId id="277" r:id="rId25"/>
+    <p:sldId id="279" r:id="rId26"/>
+    <p:sldId id="280" r:id="rId27"/>
+    <p:sldId id="281" r:id="rId28"/>
+    <p:sldId id="282" r:id="rId29"/>
+    <p:sldId id="283" r:id="rId30"/>
+    <p:sldId id="284" r:id="rId31"/>
+    <p:sldId id="285" r:id="rId32"/>
+    <p:sldId id="292" r:id="rId33"/>
+    <p:sldId id="293" r:id="rId34"/>
+    <p:sldId id="303" r:id="rId35"/>
+    <p:sldId id="294" r:id="rId36"/>
+    <p:sldId id="295" r:id="rId37"/>
+    <p:sldId id="297" r:id="rId38"/>
+    <p:sldId id="298" r:id="rId39"/>
+    <p:sldId id="299" r:id="rId40"/>
+    <p:sldId id="300" r:id="rId41"/>
+    <p:sldId id="304" r:id="rId42"/>
+    <p:sldId id="305" r:id="rId43"/>
+    <p:sldId id="306" r:id="rId44"/>
+    <p:sldId id="307" r:id="rId45"/>
+    <p:sldId id="309" r:id="rId46"/>
+    <p:sldId id="308" r:id="rId47"/>
+    <p:sldId id="311" r:id="rId48"/>
   </p:sldIdLst>
   <p:sldSz cx="12192000" cy="6858000"/>
   <p:notesSz cx="6858000" cy="9144000"/>
@@ -3395,260 +3428,80 @@
               <a:rPr lang="zh-CN" altLang="en-US">
                 <a:latin typeface="华文中宋" panose="02010600040101010101" charset="-122"/>
                 <a:ea typeface="华文中宋" panose="02010600040101010101" charset="-122"/>
+              </a:rPr>
+              <a:t>为什么需要小班课</a:t>
+            </a:r>
+            <a:endParaRPr lang="zh-CN" altLang="en-US">
+              <a:latin typeface="华文中宋" panose="02010600040101010101" charset="-122"/>
+              <a:ea typeface="华文中宋" panose="02010600040101010101" charset="-122"/>
+            </a:endParaRPr>
+          </a:p>
+        </p:txBody>
+      </p:sp>
+      <p:sp>
+        <p:nvSpPr>
+          <p:cNvPr id="3" name="内容占位符 2"/>
+          <p:cNvSpPr>
+            <a:spLocks noGrp="1"/>
+          </p:cNvSpPr>
+          <p:nvPr>
+            <p:ph idx="1"/>
+          </p:nvPr>
+        </p:nvSpPr>
+        <p:spPr/>
+        <p:txBody>
+          <a:bodyPr/>
+          <a:p>
+            <a:pPr marL="0" indent="0">
+              <a:buNone/>
+            </a:pPr>
+            <a:r>
+              <a:rPr lang="zh-CN" altLang="en-US">
+                <a:latin typeface="华文中宋" panose="02010600040101010101" charset="-122"/>
+                <a:ea typeface="华文中宋" panose="02010600040101010101" charset="-122"/>
+              </a:rPr>
+              <a:t>回顾课程内容，梳理主干知识，加深理解记忆</a:t>
+            </a:r>
+            <a:endParaRPr lang="zh-CN" altLang="en-US">
+              <a:latin typeface="华文中宋" panose="02010600040101010101" charset="-122"/>
+              <a:ea typeface="华文中宋" panose="02010600040101010101" charset="-122"/>
+            </a:endParaRPr>
+          </a:p>
+          <a:p>
+            <a:pPr marL="0" indent="0">
+              <a:buNone/>
+            </a:pPr>
+            <a:r>
+              <a:rPr lang="zh-CN" altLang="en-US">
+                <a:latin typeface="华文中宋" panose="02010600040101010101" charset="-122"/>
+                <a:ea typeface="华文中宋" panose="02010600040101010101" charset="-122"/>
                 <a:sym typeface="+mn-ea"/>
               </a:rPr>
-              <a:t>同学回课</a:t>
-            </a:r>
-            <a:endParaRPr lang="zh-CN" altLang="en-US">
-              <a:latin typeface="华文中宋" panose="02010600040101010101" charset="-122"/>
-              <a:ea typeface="华文中宋" panose="02010600040101010101" charset="-122"/>
-            </a:endParaRPr>
-          </a:p>
-        </p:txBody>
-      </p:sp>
-      <p:sp>
-        <p:nvSpPr>
-          <p:cNvPr id="3" name="内容占位符 2"/>
-          <p:cNvSpPr>
-            <a:spLocks noGrp="1"/>
-          </p:cNvSpPr>
-          <p:nvPr>
-            <p:ph idx="1"/>
-          </p:nvPr>
-        </p:nvSpPr>
-        <p:spPr>
-          <a:xfrm>
-            <a:off x="838200" y="1825625"/>
-            <a:ext cx="10813415" cy="4351655"/>
-          </a:xfrm>
-        </p:spPr>
-        <p:txBody>
-          <a:bodyPr/>
-          <a:p>
-            <a:pPr marL="0" indent="0">
-              <a:buNone/>
-            </a:pPr>
-            <a:r>
-              <a:rPr lang="zh-CN" altLang="en-US">
-                <a:latin typeface="华文中宋" panose="02010600040101010101" charset="-122"/>
-                <a:ea typeface="华文中宋" panose="02010600040101010101" charset="-122"/>
-              </a:rPr>
-              <a:t>由两位同学分别回顾前一周内大班所讲授的两次课程内容</a:t>
-            </a:r>
-            <a:endParaRPr lang="zh-CN" altLang="en-US">
-              <a:latin typeface="华文中宋" panose="02010600040101010101" charset="-122"/>
-              <a:ea typeface="华文中宋" panose="02010600040101010101" charset="-122"/>
-            </a:endParaRPr>
-          </a:p>
-          <a:p>
-            <a:pPr marL="0" indent="0">
-              <a:buNone/>
-            </a:pPr>
-            <a:r>
-              <a:rPr lang="zh-CN" altLang="en-US">
-                <a:latin typeface="华文中宋" panose="02010600040101010101" charset="-122"/>
-                <a:ea typeface="华文中宋" panose="02010600040101010101" charset="-122"/>
-              </a:rPr>
-              <a:t>每人每学期两次，分别在期中前和期中后</a:t>
-            </a:r>
-            <a:endParaRPr lang="zh-CN" altLang="en-US">
-              <a:latin typeface="华文中宋" panose="02010600040101010101" charset="-122"/>
-              <a:ea typeface="华文中宋" panose="02010600040101010101" charset="-122"/>
-            </a:endParaRPr>
-          </a:p>
-          <a:p>
-            <a:pPr marL="0" indent="0">
-              <a:buNone/>
-            </a:pPr>
-            <a:r>
-              <a:rPr lang="en-US" altLang="zh-CN">
-                <a:latin typeface="华文中宋" panose="02010600040101010101" charset="-122"/>
-                <a:ea typeface="华文中宋" panose="02010600040101010101" charset="-122"/>
-              </a:rPr>
-              <a:t>9.17</a:t>
-            </a:r>
-            <a:r>
-              <a:rPr lang="zh-CN" altLang="en-US">
-                <a:latin typeface="华文中宋" panose="02010600040101010101" charset="-122"/>
-                <a:ea typeface="华文中宋" panose="02010600040101010101" charset="-122"/>
-              </a:rPr>
-              <a:t>（周三）回顾</a:t>
-            </a:r>
-            <a:r>
-              <a:rPr lang="en-US" altLang="zh-CN">
-                <a:latin typeface="华文中宋" panose="02010600040101010101" charset="-122"/>
-                <a:ea typeface="华文中宋" panose="02010600040101010101" charset="-122"/>
-              </a:rPr>
-              <a:t>9.11</a:t>
-            </a:r>
-            <a:r>
-              <a:rPr lang="zh-CN" altLang="en-US">
-                <a:latin typeface="华文中宋" panose="02010600040101010101" charset="-122"/>
-                <a:ea typeface="华文中宋" panose="02010600040101010101" charset="-122"/>
-              </a:rPr>
-              <a:t>（</a:t>
-            </a:r>
-            <a:r>
-              <a:rPr lang="zh-CN" altLang="en-US">
-                <a:latin typeface="华文中宋" panose="02010600040101010101" charset="-122"/>
-                <a:ea typeface="华文中宋" panose="02010600040101010101" charset="-122"/>
-                <a:sym typeface="+mn-ea"/>
-              </a:rPr>
-              <a:t>周</a:t>
-            </a:r>
-            <a:r>
-              <a:rPr lang="zh-CN" altLang="en-US">
-                <a:latin typeface="华文中宋" panose="02010600040101010101" charset="-122"/>
-                <a:ea typeface="华文中宋" panose="02010600040101010101" charset="-122"/>
-              </a:rPr>
-              <a:t>四）及</a:t>
-            </a:r>
-            <a:r>
-              <a:rPr lang="en-US" altLang="zh-CN">
-                <a:latin typeface="华文中宋" panose="02010600040101010101" charset="-122"/>
-                <a:ea typeface="华文中宋" panose="02010600040101010101" charset="-122"/>
-              </a:rPr>
-              <a:t>9.15</a:t>
-            </a:r>
-            <a:r>
-              <a:rPr lang="zh-CN" altLang="en-US">
-                <a:latin typeface="华文中宋" panose="02010600040101010101" charset="-122"/>
-                <a:ea typeface="华文中宋" panose="02010600040101010101" charset="-122"/>
-              </a:rPr>
-              <a:t>（</a:t>
-            </a:r>
-            <a:r>
-              <a:rPr lang="zh-CN" altLang="en-US">
-                <a:latin typeface="华文中宋" panose="02010600040101010101" charset="-122"/>
-                <a:ea typeface="华文中宋" panose="02010600040101010101" charset="-122"/>
-                <a:sym typeface="+mn-ea"/>
-              </a:rPr>
-              <a:t>周</a:t>
-            </a:r>
-            <a:r>
-              <a:rPr lang="zh-CN" altLang="en-US">
-                <a:latin typeface="华文中宋" panose="02010600040101010101" charset="-122"/>
-                <a:ea typeface="华文中宋" panose="02010600040101010101" charset="-122"/>
-              </a:rPr>
-              <a:t>一）内容</a:t>
-            </a:r>
-            <a:endParaRPr lang="zh-CN" altLang="en-US">
-              <a:latin typeface="华文中宋" panose="02010600040101010101" charset="-122"/>
-              <a:ea typeface="华文中宋" panose="02010600040101010101" charset="-122"/>
-            </a:endParaRPr>
-          </a:p>
-          <a:p>
-            <a:pPr marL="0" indent="0">
-              <a:buNone/>
-            </a:pPr>
-            <a:r>
-              <a:rPr lang="zh-CN" altLang="en-US">
-                <a:latin typeface="华文中宋" panose="02010600040101010101" charset="-122"/>
-                <a:ea typeface="华文中宋" panose="02010600040101010101" charset="-122"/>
-              </a:rPr>
-              <a:t>包括但不限于：知识点梳理、重难点总结、心得体会、习题</a:t>
-            </a:r>
-            <a:endParaRPr lang="zh-CN" altLang="en-US">
-              <a:latin typeface="华文中宋" panose="02010600040101010101" charset="-122"/>
-              <a:ea typeface="华文中宋" panose="02010600040101010101" charset="-122"/>
-            </a:endParaRPr>
-          </a:p>
-          <a:p>
-            <a:pPr marL="0" indent="0">
-              <a:buNone/>
-            </a:pPr>
-            <a:r>
-              <a:rPr lang="zh-CN" altLang="en-US">
-                <a:latin typeface="华文中宋" panose="02010600040101010101" charset="-122"/>
-                <a:ea typeface="华文中宋" panose="02010600040101010101" charset="-122"/>
-              </a:rPr>
-              <a:t>尽量准备</a:t>
-            </a:r>
-            <a:r>
-              <a:rPr lang="en-US" altLang="zh-CN">
-                <a:latin typeface="华文中宋" panose="02010600040101010101" charset="-122"/>
-                <a:ea typeface="华文中宋" panose="02010600040101010101" charset="-122"/>
-              </a:rPr>
-              <a:t>PPT</a:t>
-            </a:r>
-            <a:r>
-              <a:rPr lang="zh-CN" altLang="en-US">
-                <a:latin typeface="华文中宋" panose="02010600040101010101" charset="-122"/>
-                <a:ea typeface="华文中宋" panose="02010600040101010101" charset="-122"/>
-              </a:rPr>
-              <a:t>或</a:t>
-            </a:r>
-            <a:r>
-              <a:rPr lang="en-US" altLang="zh-CN">
-                <a:latin typeface="华文中宋" panose="02010600040101010101" charset="-122"/>
-                <a:ea typeface="华文中宋" panose="02010600040101010101" charset="-122"/>
-              </a:rPr>
-              <a:t>PDF</a:t>
-            </a:r>
-            <a:r>
-              <a:rPr lang="zh-CN" altLang="en-US">
-                <a:latin typeface="华文中宋" panose="02010600040101010101" charset="-122"/>
-                <a:ea typeface="华文中宋" panose="02010600040101010101" charset="-122"/>
-              </a:rPr>
-              <a:t>讲稿</a:t>
-            </a:r>
-            <a:endParaRPr lang="zh-CN" altLang="en-US">
-              <a:latin typeface="华文中宋" panose="02010600040101010101" charset="-122"/>
-              <a:ea typeface="华文中宋" panose="02010600040101010101" charset="-122"/>
-            </a:endParaRPr>
-          </a:p>
-          <a:p>
-            <a:pPr marL="0" indent="0">
-              <a:buNone/>
-            </a:pPr>
-            <a:r>
-              <a:rPr lang="zh-CN" altLang="en-US">
-                <a:latin typeface="华文中宋" panose="02010600040101010101" charset="-122"/>
-                <a:ea typeface="华文中宋" panose="02010600040101010101" charset="-122"/>
-              </a:rPr>
-              <a:t>可以使用上课</a:t>
-            </a:r>
-            <a:r>
-              <a:rPr lang="en-US" altLang="zh-CN">
-                <a:latin typeface="华文中宋" panose="02010600040101010101" charset="-122"/>
-                <a:ea typeface="华文中宋" panose="02010600040101010101" charset="-122"/>
-              </a:rPr>
-              <a:t>PPT</a:t>
-            </a:r>
-            <a:r>
-              <a:rPr lang="zh-CN" altLang="en-US">
-                <a:latin typeface="华文中宋" panose="02010600040101010101" charset="-122"/>
-                <a:ea typeface="华文中宋" panose="02010600040101010101" charset="-122"/>
-              </a:rPr>
-              <a:t>截图、教材截图等进行辅助说明</a:t>
-            </a:r>
-            <a:endParaRPr lang="zh-CN" altLang="en-US">
-              <a:latin typeface="华文中宋" panose="02010600040101010101" charset="-122"/>
-              <a:ea typeface="华文中宋" panose="02010600040101010101" charset="-122"/>
-            </a:endParaRPr>
-          </a:p>
-          <a:p>
-            <a:pPr marL="0" indent="0">
-              <a:buNone/>
-            </a:pPr>
-            <a:endParaRPr lang="zh-CN" altLang="en-US">
-              <a:latin typeface="华文中宋" panose="02010600040101010101" charset="-122"/>
-              <a:ea typeface="华文中宋" panose="02010600040101010101" charset="-122"/>
-            </a:endParaRPr>
-          </a:p>
-          <a:p>
-            <a:pPr marL="0" indent="0">
-              <a:buNone/>
-            </a:pPr>
-            <a:endParaRPr lang="zh-CN" altLang="en-US">
-              <a:latin typeface="华文中宋" panose="02010600040101010101" charset="-122"/>
-              <a:ea typeface="华文中宋" panose="02010600040101010101" charset="-122"/>
-            </a:endParaRPr>
-          </a:p>
-          <a:p>
-            <a:pPr marL="0" indent="0">
-              <a:buNone/>
-            </a:pPr>
+              <a:t>强调重点，</a:t>
+            </a:r>
+            <a:r>
+              <a:rPr lang="zh-CN" altLang="en-US">
+                <a:latin typeface="华文中宋" panose="02010600040101010101" charset="-122"/>
+                <a:ea typeface="华文中宋" panose="02010600040101010101" charset="-122"/>
+              </a:rPr>
+              <a:t>关注部分细节，加强对知识掌握</a:t>
+            </a:r>
+            <a:endParaRPr lang="zh-CN" altLang="en-US">
+              <a:latin typeface="华文中宋" panose="02010600040101010101" charset="-122"/>
+              <a:ea typeface="华文中宋" panose="02010600040101010101" charset="-122"/>
+            </a:endParaRPr>
+          </a:p>
+          <a:p>
+            <a:pPr marL="0" indent="0">
+              <a:buNone/>
+            </a:pPr>
+            <a:r>
+              <a:rPr lang="zh-CN" altLang="en-US">
+                <a:latin typeface="华文中宋" panose="02010600040101010101" charset="-122"/>
+                <a:ea typeface="华文中宋" panose="02010600040101010101" charset="-122"/>
+              </a:rPr>
+              <a:t>同学间（含助教）互相交流的平台</a:t>
+            </a:r>
             <a:endParaRPr lang="zh-CN" altLang="en-US">
               <a:latin typeface="华文中宋" panose="02010600040101010101" charset="-122"/>
               <a:ea typeface="华文中宋" panose="02010600040101010101" charset="-122"/>
@@ -3689,12 +3542,18 @@
           <a:bodyPr/>
           <a:p>
             <a:r>
-              <a:rPr lang="zh-CN" altLang="en-US">
-                <a:latin typeface="华文中宋" panose="02010600040101010101" charset="-122"/>
-                <a:ea typeface="华文中宋" panose="02010600040101010101" charset="-122"/>
-                <a:sym typeface="+mn-ea"/>
-              </a:rPr>
-              <a:t>助教讲授</a:t>
+              <a:rPr lang="en-US" altLang="zh-CN">
+                <a:latin typeface="华文中宋" panose="02010600040101010101" charset="-122"/>
+                <a:ea typeface="华文中宋" panose="02010600040101010101" charset="-122"/>
+              </a:rPr>
+              <a:t>ICS</a:t>
+            </a:r>
+            <a:r>
+              <a:rPr lang="zh-CN" altLang="en-US">
+                <a:latin typeface="华文中宋" panose="02010600040101010101" charset="-122"/>
+                <a:ea typeface="华文中宋" panose="02010600040101010101" charset="-122"/>
+              </a:rPr>
+              <a:t>课程需要完成什么</a:t>
             </a:r>
             <a:endParaRPr lang="zh-CN" altLang="en-US">
               <a:latin typeface="华文中宋" panose="02010600040101010101" charset="-122"/>
@@ -3713,24 +3572,35 @@
             <p:ph idx="1"/>
           </p:nvPr>
         </p:nvSpPr>
-        <p:spPr>
-          <a:xfrm>
-            <a:off x="838200" y="1825625"/>
-            <a:ext cx="10813415" cy="4351655"/>
-          </a:xfrm>
-        </p:spPr>
-        <p:txBody>
-          <a:bodyPr/>
-          <a:p>
-            <a:pPr marL="0" indent="0">
-              <a:buNone/>
-            </a:pPr>
-            <a:r>
-              <a:rPr lang="zh-CN" altLang="en-US">
-                <a:latin typeface="华文中宋" panose="02010600040101010101" charset="-122"/>
-                <a:ea typeface="华文中宋" panose="02010600040101010101" charset="-122"/>
-              </a:rPr>
-              <a:t>计划分为四个方面：</a:t>
+        <p:spPr/>
+        <p:txBody>
+          <a:bodyPr/>
+          <a:p>
+            <a:pPr marL="0" indent="0">
+              <a:buNone/>
+            </a:pPr>
+            <a:r>
+              <a:rPr lang="zh-CN" altLang="en-US">
+                <a:latin typeface="华文中宋" panose="02010600040101010101" charset="-122"/>
+                <a:ea typeface="华文中宋" panose="02010600040101010101" charset="-122"/>
+              </a:rPr>
+              <a:t>书面作业（约每周一次，任务量小，今年还有吗？）</a:t>
+            </a:r>
+            <a:endParaRPr lang="zh-CN" altLang="en-US">
+              <a:latin typeface="华文中宋" panose="02010600040101010101" charset="-122"/>
+              <a:ea typeface="华文中宋" panose="02010600040101010101" charset="-122"/>
+            </a:endParaRPr>
+          </a:p>
+          <a:p>
+            <a:pPr marL="0" indent="0">
+              <a:buNone/>
+            </a:pPr>
+            <a:r>
+              <a:rPr lang="zh-CN" altLang="en-US">
+                <a:latin typeface="华文中宋" panose="02010600040101010101" charset="-122"/>
+                <a:ea typeface="华文中宋" panose="02010600040101010101" charset="-122"/>
+              </a:rPr>
+              <a:t>课后研讨题思考（今年新增）</a:t>
             </a:r>
             <a:endParaRPr lang="zh-CN" altLang="en-US">
               <a:latin typeface="华文中宋" panose="02010600040101010101" charset="-122"/>
@@ -3746,156 +3616,54 @@
                 <a:latin typeface="华文中宋" panose="02010600040101010101" charset="-122"/>
                 <a:ea typeface="华文中宋" panose="02010600040101010101" charset="-122"/>
               </a:rPr>
-              <a:t>1</a:t>
-            </a:r>
-            <a:r>
-              <a:rPr lang="zh-CN" altLang="en-US">
-                <a:latin typeface="华文中宋" panose="02010600040101010101" charset="-122"/>
-                <a:ea typeface="华文中宋" panose="02010600040101010101" charset="-122"/>
-              </a:rPr>
-              <a:t>、关于课堂知识</a:t>
+              <a:t>Lab</a:t>
+            </a:r>
+            <a:r>
+              <a:rPr lang="zh-CN" altLang="en-US">
+                <a:latin typeface="华文中宋" panose="02010600040101010101" charset="-122"/>
+                <a:ea typeface="华文中宋" panose="02010600040101010101" charset="-122"/>
+              </a:rPr>
+              <a:t>（共</a:t>
             </a:r>
             <a:r>
               <a:rPr lang="en-US" altLang="zh-CN">
                 <a:latin typeface="华文中宋" panose="02010600040101010101" charset="-122"/>
                 <a:ea typeface="华文中宋" panose="02010600040101010101" charset="-122"/>
               </a:rPr>
-              <a:t>——</a:t>
-            </a:r>
-            <a:r>
-              <a:rPr lang="zh-CN" altLang="en-US">
-                <a:latin typeface="华文中宋" panose="02010600040101010101" charset="-122"/>
-                <a:ea typeface="华文中宋" panose="02010600040101010101" charset="-122"/>
-              </a:rPr>
-              <a:t>对知识本身理解</a:t>
-            </a:r>
-            <a:endParaRPr lang="zh-CN" altLang="en-US">
-              <a:latin typeface="华文中宋" panose="02010600040101010101" charset="-122"/>
-              <a:ea typeface="华文中宋" panose="02010600040101010101" charset="-122"/>
-            </a:endParaRPr>
-          </a:p>
-          <a:p>
-            <a:pPr marL="0" indent="0">
-              <a:buNone/>
-            </a:pPr>
-            <a:r>
-              <a:rPr lang="en-US" altLang="zh-CN">
-                <a:latin typeface="华文中宋" panose="02010600040101010101" charset="-122"/>
-                <a:ea typeface="华文中宋" panose="02010600040101010101" charset="-122"/>
-              </a:rPr>
-              <a:t>2</a:t>
-            </a:r>
-            <a:r>
-              <a:rPr lang="zh-CN" altLang="en-US">
-                <a:latin typeface="华文中宋" panose="02010600040101010101" charset="-122"/>
-                <a:ea typeface="华文中宋" panose="02010600040101010101" charset="-122"/>
-              </a:rPr>
-              <a:t>、关于课程任务</a:t>
-            </a:r>
-            <a:r>
-              <a:rPr lang="en-US" altLang="zh-CN">
-                <a:latin typeface="华文中宋" panose="02010600040101010101" charset="-122"/>
-                <a:ea typeface="华文中宋" panose="02010600040101010101" charset="-122"/>
-              </a:rPr>
-              <a:t>——</a:t>
-            </a:r>
-            <a:r>
-              <a:rPr lang="zh-CN" altLang="en-US">
-                <a:latin typeface="华文中宋" panose="02010600040101010101" charset="-122"/>
-                <a:ea typeface="华文中宋" panose="02010600040101010101" charset="-122"/>
-              </a:rPr>
-              <a:t>书面作业、</a:t>
-            </a:r>
-            <a:r>
-              <a:rPr lang="en-US" altLang="zh-CN">
-                <a:latin typeface="华文中宋" panose="02010600040101010101" charset="-122"/>
-                <a:ea typeface="华文中宋" panose="02010600040101010101" charset="-122"/>
-              </a:rPr>
-              <a:t>Lab</a:t>
-            </a:r>
-            <a:r>
-              <a:rPr lang="zh-CN" altLang="en-US">
-                <a:latin typeface="华文中宋" panose="02010600040101010101" charset="-122"/>
-                <a:ea typeface="华文中宋" panose="02010600040101010101" charset="-122"/>
-              </a:rPr>
-              <a:t>的讲评指导</a:t>
-            </a:r>
-            <a:endParaRPr lang="zh-CN" altLang="en-US">
-              <a:latin typeface="华文中宋" panose="02010600040101010101" charset="-122"/>
-              <a:ea typeface="华文中宋" panose="02010600040101010101" charset="-122"/>
-            </a:endParaRPr>
-          </a:p>
-          <a:p>
-            <a:pPr marL="0" indent="0">
-              <a:buNone/>
-            </a:pPr>
-            <a:r>
-              <a:rPr lang="en-US" altLang="zh-CN">
-                <a:latin typeface="华文中宋" panose="02010600040101010101" charset="-122"/>
-                <a:ea typeface="华文中宋" panose="02010600040101010101" charset="-122"/>
-              </a:rPr>
-              <a:t>3</a:t>
-            </a:r>
-            <a:r>
-              <a:rPr lang="zh-CN" altLang="en-US">
-                <a:latin typeface="华文中宋" panose="02010600040101010101" charset="-122"/>
-                <a:ea typeface="华文中宋" panose="02010600040101010101" charset="-122"/>
-              </a:rPr>
-              <a:t>、关于考试</a:t>
-            </a:r>
-            <a:r>
-              <a:rPr lang="en-US" altLang="zh-CN">
-                <a:latin typeface="华文中宋" panose="02010600040101010101" charset="-122"/>
-                <a:ea typeface="华文中宋" panose="02010600040101010101" charset="-122"/>
-              </a:rPr>
-              <a:t>——</a:t>
-            </a:r>
-            <a:r>
-              <a:rPr lang="zh-CN" altLang="en-US">
-                <a:latin typeface="华文中宋" panose="02010600040101010101" charset="-122"/>
-                <a:ea typeface="华文中宋" panose="02010600040101010101" charset="-122"/>
-              </a:rPr>
-              <a:t>习题及应试技巧</a:t>
-            </a:r>
-            <a:endParaRPr lang="zh-CN" altLang="en-US">
-              <a:latin typeface="华文中宋" panose="02010600040101010101" charset="-122"/>
-              <a:ea typeface="华文中宋" panose="02010600040101010101" charset="-122"/>
-            </a:endParaRPr>
-          </a:p>
-          <a:p>
-            <a:pPr marL="0" indent="0">
-              <a:buNone/>
-            </a:pPr>
-            <a:r>
-              <a:rPr lang="en-US" altLang="zh-CN">
-                <a:latin typeface="华文中宋" panose="02010600040101010101" charset="-122"/>
-                <a:ea typeface="华文中宋" panose="02010600040101010101" charset="-122"/>
-              </a:rPr>
-              <a:t>4</a:t>
-            </a:r>
-            <a:r>
-              <a:rPr lang="zh-CN" altLang="en-US">
-                <a:latin typeface="华文中宋" panose="02010600040101010101" charset="-122"/>
-                <a:ea typeface="华文中宋" panose="02010600040101010101" charset="-122"/>
-              </a:rPr>
-              <a:t>、其他拓展内容</a:t>
-            </a:r>
-            <a:endParaRPr lang="zh-CN" altLang="en-US">
-              <a:latin typeface="华文中宋" panose="02010600040101010101" charset="-122"/>
-              <a:ea typeface="华文中宋" panose="02010600040101010101" charset="-122"/>
-            </a:endParaRPr>
-          </a:p>
-          <a:p>
-            <a:pPr marL="0" indent="0">
-              <a:buNone/>
-            </a:pPr>
-            <a:r>
-              <a:rPr lang="zh-CN" altLang="en-US">
-                <a:latin typeface="华文中宋" panose="02010600040101010101" charset="-122"/>
-                <a:ea typeface="华文中宋" panose="02010600040101010101" charset="-122"/>
-              </a:rPr>
-              <a:t>比例将征求大家意见，视情况而定，且可随时调整</a:t>
-            </a:r>
+              <a:t>8</a:t>
+            </a:r>
+            <a:r>
+              <a:rPr lang="zh-CN" altLang="en-US">
+                <a:latin typeface="华文中宋" panose="02010600040101010101" charset="-122"/>
+                <a:ea typeface="华文中宋" panose="02010600040101010101" charset="-122"/>
+              </a:rPr>
+              <a:t>个，任务量大）</a:t>
+            </a:r>
+            <a:endParaRPr lang="zh-CN" altLang="en-US">
+              <a:latin typeface="华文中宋" panose="02010600040101010101" charset="-122"/>
+              <a:ea typeface="华文中宋" panose="02010600040101010101" charset="-122"/>
+            </a:endParaRPr>
+          </a:p>
+          <a:p>
+            <a:pPr marL="0" indent="0">
+              <a:buNone/>
+            </a:pPr>
+            <a:r>
+              <a:rPr lang="zh-CN" altLang="en-US">
+                <a:latin typeface="华文中宋" panose="02010600040101010101" charset="-122"/>
+                <a:ea typeface="华文中宋" panose="02010600040101010101" charset="-122"/>
+              </a:rPr>
+              <a:t>小班任务</a:t>
+            </a:r>
+            <a:endParaRPr lang="zh-CN" altLang="en-US">
+              <a:latin typeface="华文中宋" panose="02010600040101010101" charset="-122"/>
+              <a:ea typeface="华文中宋" panose="02010600040101010101" charset="-122"/>
+            </a:endParaRPr>
+          </a:p>
+          <a:p>
+            <a:pPr marL="0" indent="0">
+              <a:buNone/>
+            </a:pPr>
             <a:endParaRPr lang="zh-CN" altLang="en-US">
               <a:latin typeface="华文中宋" panose="02010600040101010101" charset="-122"/>
               <a:ea typeface="华文中宋" panose="02010600040101010101" charset="-122"/>
@@ -3954,12 +3722,18 @@
           <a:bodyPr/>
           <a:p>
             <a:r>
-              <a:rPr lang="zh-CN" altLang="en-US">
-                <a:latin typeface="华文中宋" panose="02010600040101010101" charset="-122"/>
-                <a:ea typeface="华文中宋" panose="02010600040101010101" charset="-122"/>
-                <a:sym typeface="+mn-ea"/>
-              </a:rPr>
-              <a:t>同学与助教的交流</a:t>
+              <a:rPr lang="en-US" altLang="zh-CN">
+                <a:latin typeface="华文中宋" panose="02010600040101010101" charset="-122"/>
+                <a:ea typeface="华文中宋" panose="02010600040101010101" charset="-122"/>
+              </a:rPr>
+              <a:t>ICS</a:t>
+            </a:r>
+            <a:r>
+              <a:rPr lang="zh-CN" altLang="en-US">
+                <a:latin typeface="华文中宋" panose="02010600040101010101" charset="-122"/>
+                <a:ea typeface="华文中宋" panose="02010600040101010101" charset="-122"/>
+              </a:rPr>
+              <a:t>小班任务</a:t>
             </a:r>
             <a:endParaRPr lang="zh-CN" altLang="en-US">
               <a:latin typeface="华文中宋" panose="02010600040101010101" charset="-122"/>
@@ -3995,159 +3769,64 @@
                 <a:latin typeface="华文中宋" panose="02010600040101010101" charset="-122"/>
                 <a:ea typeface="华文中宋" panose="02010600040101010101" charset="-122"/>
               </a:rPr>
-              <a:t>答疑、指正、锐评、吐槽、其他问题</a:t>
+              <a:t>同学回课</a:t>
             </a:r>
             <a:r>
               <a:rPr lang="en-US" altLang="zh-CN">
                 <a:latin typeface="华文中宋" panose="02010600040101010101" charset="-122"/>
                 <a:ea typeface="华文中宋" panose="02010600040101010101" charset="-122"/>
               </a:rPr>
-              <a:t>……</a:t>
-            </a:r>
-            <a:endParaRPr lang="en-US" altLang="zh-CN">
-              <a:latin typeface="华文中宋" panose="02010600040101010101" charset="-122"/>
-              <a:ea typeface="华文中宋" panose="02010600040101010101" charset="-122"/>
-            </a:endParaRPr>
-          </a:p>
-          <a:p>
-            <a:pPr marL="0" indent="0">
-              <a:buNone/>
-            </a:pPr>
-            <a:endParaRPr lang="zh-CN" altLang="en-US">
-              <a:latin typeface="华文中宋" panose="02010600040101010101" charset="-122"/>
-              <a:ea typeface="华文中宋" panose="02010600040101010101" charset="-122"/>
-            </a:endParaRPr>
-          </a:p>
-          <a:p>
-            <a:pPr marL="0" indent="0">
-              <a:buNone/>
-            </a:pPr>
-            <a:r>
-              <a:rPr lang="zh-CN" altLang="en-US">
-                <a:latin typeface="华文中宋" panose="02010600040101010101" charset="-122"/>
-                <a:ea typeface="华文中宋" panose="02010600040101010101" charset="-122"/>
-              </a:rPr>
-              <a:t>微信群聊：各种事情</a:t>
-            </a:r>
-            <a:endParaRPr lang="zh-CN" altLang="en-US">
-              <a:latin typeface="华文中宋" panose="02010600040101010101" charset="-122"/>
-              <a:ea typeface="华文中宋" panose="02010600040101010101" charset="-122"/>
-            </a:endParaRPr>
-          </a:p>
-          <a:p>
-            <a:pPr marL="0" indent="0">
-              <a:buNone/>
-            </a:pPr>
-            <a:r>
-              <a:rPr lang="zh-CN" altLang="en-US">
-                <a:latin typeface="华文中宋" panose="02010600040101010101" charset="-122"/>
-                <a:ea typeface="华文中宋" panose="02010600040101010101" charset="-122"/>
-              </a:rPr>
-              <a:t>微信私聊：各种不愿让其他人知道的事情</a:t>
-            </a:r>
-            <a:endParaRPr lang="zh-CN" altLang="en-US">
-              <a:latin typeface="华文中宋" panose="02010600040101010101" charset="-122"/>
-              <a:ea typeface="华文中宋" panose="02010600040101010101" charset="-122"/>
-            </a:endParaRPr>
-          </a:p>
-          <a:p>
-            <a:pPr marL="0" indent="0">
-              <a:buNone/>
-            </a:pPr>
-            <a:r>
-              <a:rPr lang="zh-CN" altLang="en-US">
-                <a:latin typeface="华文中宋" panose="02010600040101010101" charset="-122"/>
-                <a:ea typeface="华文中宋" panose="02010600040101010101" charset="-122"/>
-              </a:rPr>
-              <a:t>邮箱（麻烦，尽量避免）：</a:t>
-            </a:r>
-            <a:r>
-              <a:rPr lang="zh-CN" altLang="en-US">
-                <a:latin typeface="华文中宋" panose="02010600040101010101" charset="-122"/>
-                <a:ea typeface="华文中宋" panose="02010600040101010101" charset="-122"/>
-                <a:sym typeface="+mn-ea"/>
-              </a:rPr>
-              <a:t>各种不愿让其他人知道的事情</a:t>
-            </a:r>
-            <a:endParaRPr lang="zh-CN" altLang="en-US">
-              <a:latin typeface="华文中宋" panose="02010600040101010101" charset="-122"/>
-              <a:ea typeface="华文中宋" panose="02010600040101010101" charset="-122"/>
-            </a:endParaRPr>
-          </a:p>
-          <a:p>
-            <a:pPr marL="0" indent="0">
-              <a:buNone/>
-            </a:pPr>
-            <a:r>
-              <a:rPr lang="zh-CN" altLang="en-US">
-                <a:latin typeface="华文中宋" panose="02010600040101010101" charset="-122"/>
-                <a:ea typeface="华文中宋" panose="02010600040101010101" charset="-122"/>
-              </a:rPr>
-              <a:t>树洞（用于吐槽）：各种不愿让助教知道你是谁的事情</a:t>
-            </a:r>
-            <a:endParaRPr lang="zh-CN" altLang="en-US">
-              <a:latin typeface="华文中宋" panose="02010600040101010101" charset="-122"/>
-              <a:ea typeface="华文中宋" panose="02010600040101010101" charset="-122"/>
-            </a:endParaRPr>
-          </a:p>
-          <a:p>
-            <a:pPr marL="0" indent="0">
-              <a:buNone/>
-            </a:pPr>
-            <a:r>
-              <a:rPr lang="zh-CN" altLang="en-US">
-                <a:solidFill>
-                  <a:srgbClr val="FF0000"/>
-                </a:solidFill>
-                <a:latin typeface="华文中宋" panose="02010600040101010101" charset="-122"/>
-                <a:ea typeface="华文中宋" panose="02010600040101010101" charset="-122"/>
-              </a:rPr>
-              <a:t>方式为在树洞内容加上</a:t>
+              <a:t>+</a:t>
+            </a:r>
+            <a:r>
+              <a:rPr lang="zh-CN" altLang="en-US">
+                <a:latin typeface="华文中宋" panose="02010600040101010101" charset="-122"/>
+                <a:ea typeface="华文中宋" panose="02010600040101010101" charset="-122"/>
+              </a:rPr>
+              <a:t>助教讲授</a:t>
             </a:r>
             <a:r>
               <a:rPr lang="en-US" altLang="zh-CN">
-                <a:solidFill>
-                  <a:srgbClr val="FF0000"/>
-                </a:solidFill>
-                <a:latin typeface="华文中宋" panose="02010600040101010101" charset="-122"/>
-                <a:ea typeface="华文中宋" panose="02010600040101010101" charset="-122"/>
-              </a:rPr>
-              <a:t>tag“ics</a:t>
-            </a:r>
-            <a:r>
-              <a:rPr lang="zh-CN" altLang="en-US">
-                <a:solidFill>
-                  <a:srgbClr val="FF0000"/>
-                </a:solidFill>
-                <a:latin typeface="华文中宋" panose="02010600040101010101" charset="-122"/>
-                <a:ea typeface="华文中宋" panose="02010600040101010101" charset="-122"/>
-              </a:rPr>
-              <a:t>？班</a:t>
-            </a:r>
-            <a:r>
-              <a:rPr lang="en-US" altLang="zh-CN">
-                <a:solidFill>
-                  <a:srgbClr val="FF0000"/>
-                </a:solidFill>
-                <a:latin typeface="华文中宋" panose="02010600040101010101" charset="-122"/>
-                <a:ea typeface="华文中宋" panose="02010600040101010101" charset="-122"/>
-              </a:rPr>
-              <a:t>”</a:t>
-            </a:r>
-            <a:r>
-              <a:rPr lang="zh-CN" altLang="en-US">
-                <a:solidFill>
-                  <a:srgbClr val="FF0000"/>
-                </a:solidFill>
-                <a:latin typeface="华文中宋" panose="02010600040101010101" charset="-122"/>
-                <a:ea typeface="华文中宋" panose="02010600040101010101" charset="-122"/>
-              </a:rPr>
-              <a:t>，助教将不定期搜索查看</a:t>
-            </a:r>
-            <a:endParaRPr lang="zh-CN" altLang="en-US">
-              <a:solidFill>
-                <a:srgbClr val="FF0000"/>
-              </a:solidFill>
+                <a:latin typeface="华文中宋" panose="02010600040101010101" charset="-122"/>
+                <a:ea typeface="华文中宋" panose="02010600040101010101" charset="-122"/>
+              </a:rPr>
+              <a:t>+</a:t>
+            </a:r>
+            <a:r>
+              <a:rPr lang="zh-CN" altLang="en-US">
+                <a:latin typeface="华文中宋" panose="02010600040101010101" charset="-122"/>
+                <a:ea typeface="华文中宋" panose="02010600040101010101" charset="-122"/>
+              </a:rPr>
+              <a:t>老师（必要时）指导</a:t>
+            </a:r>
+            <a:endParaRPr lang="zh-CN" altLang="en-US">
+              <a:latin typeface="华文中宋" panose="02010600040101010101" charset="-122"/>
+              <a:ea typeface="华文中宋" panose="02010600040101010101" charset="-122"/>
+            </a:endParaRPr>
+          </a:p>
+          <a:p>
+            <a:pPr marL="0" indent="0">
+              <a:buNone/>
+            </a:pPr>
+            <a:endParaRPr lang="zh-CN" altLang="en-US">
+              <a:latin typeface="华文中宋" panose="02010600040101010101" charset="-122"/>
+              <a:ea typeface="华文中宋" panose="02010600040101010101" charset="-122"/>
+            </a:endParaRPr>
+          </a:p>
+          <a:p>
+            <a:pPr marL="0" indent="0">
+              <a:buNone/>
+            </a:pPr>
+            <a:endParaRPr lang="zh-CN" altLang="en-US">
+              <a:latin typeface="华文中宋" panose="02010600040101010101" charset="-122"/>
+              <a:ea typeface="华文中宋" panose="02010600040101010101" charset="-122"/>
+            </a:endParaRPr>
+          </a:p>
+          <a:p>
+            <a:pPr marL="0" indent="0">
+              <a:buNone/>
+            </a:pPr>
+            <a:endParaRPr lang="zh-CN" altLang="en-US">
               <a:latin typeface="华文中宋" panose="02010600040101010101" charset="-122"/>
               <a:ea typeface="华文中宋" panose="02010600040101010101" charset="-122"/>
             </a:endParaRPr>
@@ -4192,7 +3871,7 @@
                 <a:ea typeface="华文中宋" panose="02010600040101010101" charset="-122"/>
                 <a:sym typeface="+mn-ea"/>
               </a:rPr>
-              <a:t>书面作业</a:t>
+              <a:t>同学回课</a:t>
             </a:r>
             <a:endParaRPr lang="zh-CN" altLang="en-US">
               <a:latin typeface="华文中宋" panose="02010600040101010101" charset="-122"/>
@@ -4224,11 +3903,722 @@
               <a:buNone/>
             </a:pPr>
             <a:r>
-              <a:rPr lang="zh-CN" altLang="en-US">
-                <a:latin typeface="华文中宋" panose="02010600040101010101" charset="-122"/>
-                <a:ea typeface="华文中宋" panose="02010600040101010101" charset="-122"/>
-              </a:rPr>
-              <a:t>截止日期为期末考试前，但不建议堆积至期末</a:t>
+              <a:rPr lang="en-US" altLang="zh-CN">
+                <a:latin typeface="华文中宋" panose="02010600040101010101" charset="-122"/>
+                <a:ea typeface="华文中宋" panose="02010600040101010101" charset="-122"/>
+              </a:rPr>
+              <a:t>- </a:t>
+            </a:r>
+            <a:r>
+              <a:rPr lang="zh-CN" altLang="en-US">
+                <a:latin typeface="华文中宋" panose="02010600040101010101" charset="-122"/>
+                <a:ea typeface="华文中宋" panose="02010600040101010101" charset="-122"/>
+              </a:rPr>
+              <a:t>由两位同学分别回顾前一周内大班所讲授的两次课程内容</a:t>
+            </a:r>
+            <a:endParaRPr lang="zh-CN" altLang="en-US">
+              <a:latin typeface="华文中宋" panose="02010600040101010101" charset="-122"/>
+              <a:ea typeface="华文中宋" panose="02010600040101010101" charset="-122"/>
+            </a:endParaRPr>
+          </a:p>
+          <a:p>
+            <a:pPr marL="0" indent="0">
+              <a:buNone/>
+            </a:pPr>
+            <a:r>
+              <a:rPr lang="en-US" altLang="zh-CN">
+                <a:latin typeface="华文中宋" panose="02010600040101010101" charset="-122"/>
+                <a:ea typeface="华文中宋" panose="02010600040101010101" charset="-122"/>
+                <a:sym typeface="+mn-ea"/>
+              </a:rPr>
+              <a:t>- </a:t>
+            </a:r>
+            <a:r>
+              <a:rPr lang="zh-CN" altLang="en-US">
+                <a:latin typeface="华文中宋" panose="02010600040101010101" charset="-122"/>
+                <a:ea typeface="华文中宋" panose="02010600040101010101" charset="-122"/>
+                <a:sym typeface="+mn-ea"/>
+              </a:rPr>
+              <a:t>如：</a:t>
+            </a:r>
+            <a:r>
+              <a:rPr lang="en-US" altLang="zh-CN">
+                <a:latin typeface="华文中宋" panose="02010600040101010101" charset="-122"/>
+                <a:ea typeface="华文中宋" panose="02010600040101010101" charset="-122"/>
+                <a:sym typeface="+mn-ea"/>
+              </a:rPr>
+              <a:t>9.17</a:t>
+            </a:r>
+            <a:r>
+              <a:rPr lang="zh-CN" altLang="en-US">
+                <a:latin typeface="华文中宋" panose="02010600040101010101" charset="-122"/>
+                <a:ea typeface="华文中宋" panose="02010600040101010101" charset="-122"/>
+                <a:sym typeface="+mn-ea"/>
+              </a:rPr>
+              <a:t>（周三）回顾</a:t>
+            </a:r>
+            <a:r>
+              <a:rPr lang="en-US" altLang="zh-CN">
+                <a:latin typeface="华文中宋" panose="02010600040101010101" charset="-122"/>
+                <a:ea typeface="华文中宋" panose="02010600040101010101" charset="-122"/>
+                <a:sym typeface="+mn-ea"/>
+              </a:rPr>
+              <a:t>9.11</a:t>
+            </a:r>
+            <a:r>
+              <a:rPr lang="zh-CN" altLang="en-US">
+                <a:latin typeface="华文中宋" panose="02010600040101010101" charset="-122"/>
+                <a:ea typeface="华文中宋" panose="02010600040101010101" charset="-122"/>
+                <a:sym typeface="+mn-ea"/>
+              </a:rPr>
+              <a:t>（周四）及</a:t>
+            </a:r>
+            <a:r>
+              <a:rPr lang="en-US" altLang="zh-CN">
+                <a:latin typeface="华文中宋" panose="02010600040101010101" charset="-122"/>
+                <a:ea typeface="华文中宋" panose="02010600040101010101" charset="-122"/>
+                <a:sym typeface="+mn-ea"/>
+              </a:rPr>
+              <a:t>9.15</a:t>
+            </a:r>
+            <a:r>
+              <a:rPr lang="zh-CN" altLang="en-US">
+                <a:latin typeface="华文中宋" panose="02010600040101010101" charset="-122"/>
+                <a:ea typeface="华文中宋" panose="02010600040101010101" charset="-122"/>
+                <a:sym typeface="+mn-ea"/>
+              </a:rPr>
+              <a:t>（周一）内容</a:t>
+            </a:r>
+            <a:endParaRPr lang="zh-CN" altLang="en-US">
+              <a:latin typeface="华文中宋" panose="02010600040101010101" charset="-122"/>
+              <a:ea typeface="华文中宋" panose="02010600040101010101" charset="-122"/>
+            </a:endParaRPr>
+          </a:p>
+          <a:p>
+            <a:pPr marL="0" indent="0">
+              <a:buNone/>
+            </a:pPr>
+            <a:r>
+              <a:rPr lang="en-US" altLang="zh-CN">
+                <a:latin typeface="华文中宋" panose="02010600040101010101" charset="-122"/>
+                <a:ea typeface="华文中宋" panose="02010600040101010101" charset="-122"/>
+              </a:rPr>
+              <a:t>- </a:t>
+            </a:r>
+            <a:r>
+              <a:rPr lang="zh-CN" altLang="en-US">
+                <a:latin typeface="华文中宋" panose="02010600040101010101" charset="-122"/>
+                <a:ea typeface="华文中宋" panose="02010600040101010101" charset="-122"/>
+              </a:rPr>
+              <a:t>每人每学期</a:t>
+            </a:r>
+            <a:r>
+              <a:rPr lang="en-US" altLang="zh-CN">
+                <a:latin typeface="华文中宋" panose="02010600040101010101" charset="-122"/>
+                <a:ea typeface="华文中宋" panose="02010600040101010101" charset="-122"/>
+              </a:rPr>
+              <a:t>1~2</a:t>
+            </a:r>
+            <a:r>
+              <a:rPr lang="zh-CN" altLang="en-US">
+                <a:latin typeface="华文中宋" panose="02010600040101010101" charset="-122"/>
+                <a:ea typeface="华文中宋" panose="02010600040101010101" charset="-122"/>
+              </a:rPr>
+              <a:t>次，每次约</a:t>
+            </a:r>
+            <a:r>
+              <a:rPr lang="en-US" altLang="zh-CN">
+                <a:latin typeface="华文中宋" panose="02010600040101010101" charset="-122"/>
+                <a:ea typeface="华文中宋" panose="02010600040101010101" charset="-122"/>
+              </a:rPr>
+              <a:t>20min</a:t>
+            </a:r>
+            <a:endParaRPr lang="en-US" altLang="zh-CN">
+              <a:latin typeface="华文中宋" panose="02010600040101010101" charset="-122"/>
+              <a:ea typeface="华文中宋" panose="02010600040101010101" charset="-122"/>
+            </a:endParaRPr>
+          </a:p>
+          <a:p>
+            <a:pPr marL="0" indent="0">
+              <a:buNone/>
+            </a:pPr>
+            <a:r>
+              <a:rPr lang="en-US" altLang="zh-CN">
+                <a:latin typeface="华文中宋" panose="02010600040101010101" charset="-122"/>
+                <a:ea typeface="华文中宋" panose="02010600040101010101" charset="-122"/>
+                <a:sym typeface="+mn-ea"/>
+              </a:rPr>
+              <a:t>- </a:t>
+            </a:r>
+            <a:r>
+              <a:rPr lang="zh-CN" altLang="en-US">
+                <a:latin typeface="华文中宋" panose="02010600040101010101" charset="-122"/>
+                <a:ea typeface="华文中宋" panose="02010600040101010101" charset="-122"/>
+                <a:sym typeface="+mn-ea"/>
+              </a:rPr>
+              <a:t>按照任务轻重</a:t>
+            </a:r>
+            <a:r>
+              <a:rPr lang="zh-CN" altLang="en-US">
+                <a:latin typeface="华文中宋" panose="02010600040101010101" charset="-122"/>
+                <a:ea typeface="华文中宋" panose="02010600040101010101" charset="-122"/>
+              </a:rPr>
+              <a:t>统一安排，允许同学间自由交换</a:t>
+            </a:r>
+            <a:endParaRPr lang="zh-CN" altLang="en-US">
+              <a:latin typeface="华文中宋" panose="02010600040101010101" charset="-122"/>
+              <a:ea typeface="华文中宋" panose="02010600040101010101" charset="-122"/>
+            </a:endParaRPr>
+          </a:p>
+          <a:p>
+            <a:pPr marL="0" indent="0">
+              <a:buNone/>
+            </a:pPr>
+            <a:r>
+              <a:rPr lang="en-US" altLang="zh-CN">
+                <a:latin typeface="华文中宋" panose="02010600040101010101" charset="-122"/>
+                <a:ea typeface="华文中宋" panose="02010600040101010101" charset="-122"/>
+              </a:rPr>
+              <a:t>- </a:t>
+            </a:r>
+            <a:r>
+              <a:rPr lang="zh-CN" altLang="en-US">
+                <a:latin typeface="华文中宋" panose="02010600040101010101" charset="-122"/>
+                <a:ea typeface="华文中宋" panose="02010600040101010101" charset="-122"/>
+              </a:rPr>
+              <a:t>包括但不限于：</a:t>
+            </a:r>
+            <a:r>
+              <a:rPr lang="zh-CN" altLang="en-US">
+                <a:highlight>
+                  <a:srgbClr val="FFFF00"/>
+                </a:highlight>
+                <a:latin typeface="华文中宋" panose="02010600040101010101" charset="-122"/>
+                <a:ea typeface="华文中宋" panose="02010600040101010101" charset="-122"/>
+              </a:rPr>
+              <a:t>知识点梳理、研讨题</a:t>
+            </a:r>
+            <a:r>
+              <a:rPr lang="zh-CN" altLang="en-US">
+                <a:latin typeface="华文中宋" panose="02010600040101010101" charset="-122"/>
+                <a:ea typeface="华文中宋" panose="02010600040101010101" charset="-122"/>
+              </a:rPr>
+              <a:t>、重难点总结、心得体会</a:t>
+            </a:r>
+            <a:endParaRPr lang="zh-CN" altLang="en-US">
+              <a:latin typeface="华文中宋" panose="02010600040101010101" charset="-122"/>
+              <a:ea typeface="华文中宋" panose="02010600040101010101" charset="-122"/>
+            </a:endParaRPr>
+          </a:p>
+          <a:p>
+            <a:pPr marL="0" indent="0">
+              <a:buNone/>
+            </a:pPr>
+            <a:r>
+              <a:rPr lang="en-US" altLang="zh-CN">
+                <a:latin typeface="华文中宋" panose="02010600040101010101" charset="-122"/>
+                <a:ea typeface="华文中宋" panose="02010600040101010101" charset="-122"/>
+              </a:rPr>
+              <a:t>- </a:t>
+            </a:r>
+            <a:r>
+              <a:rPr lang="zh-CN" altLang="en-US">
+                <a:latin typeface="华文中宋" panose="02010600040101010101" charset="-122"/>
+                <a:ea typeface="华文中宋" panose="02010600040101010101" charset="-122"/>
+              </a:rPr>
+              <a:t>需要准备</a:t>
+            </a:r>
+            <a:r>
+              <a:rPr lang="en-US" altLang="zh-CN">
+                <a:latin typeface="华文中宋" panose="02010600040101010101" charset="-122"/>
+                <a:ea typeface="华文中宋" panose="02010600040101010101" charset="-122"/>
+              </a:rPr>
+              <a:t>PPT</a:t>
+            </a:r>
+            <a:r>
+              <a:rPr lang="zh-CN" altLang="en-US">
+                <a:latin typeface="华文中宋" panose="02010600040101010101" charset="-122"/>
+                <a:ea typeface="华文中宋" panose="02010600040101010101" charset="-122"/>
+              </a:rPr>
+              <a:t>或</a:t>
+            </a:r>
+            <a:r>
+              <a:rPr lang="en-US" altLang="zh-CN">
+                <a:latin typeface="华文中宋" panose="02010600040101010101" charset="-122"/>
+                <a:ea typeface="华文中宋" panose="02010600040101010101" charset="-122"/>
+              </a:rPr>
+              <a:t>PDF</a:t>
+            </a:r>
+            <a:r>
+              <a:rPr lang="zh-CN" altLang="en-US">
+                <a:latin typeface="华文中宋" panose="02010600040101010101" charset="-122"/>
+                <a:ea typeface="华文中宋" panose="02010600040101010101" charset="-122"/>
+              </a:rPr>
+              <a:t>讲稿，课后需在小班范围公开</a:t>
+            </a:r>
+            <a:endParaRPr lang="zh-CN" altLang="en-US">
+              <a:latin typeface="华文中宋" panose="02010600040101010101" charset="-122"/>
+              <a:ea typeface="华文中宋" panose="02010600040101010101" charset="-122"/>
+            </a:endParaRPr>
+          </a:p>
+          <a:p>
+            <a:pPr marL="0" indent="0">
+              <a:buNone/>
+            </a:pPr>
+            <a:r>
+              <a:rPr lang="en-US" altLang="zh-CN">
+                <a:latin typeface="华文中宋" panose="02010600040101010101" charset="-122"/>
+                <a:ea typeface="华文中宋" panose="02010600040101010101" charset="-122"/>
+              </a:rPr>
+              <a:t>- </a:t>
+            </a:r>
+            <a:r>
+              <a:rPr lang="zh-CN" altLang="en-US">
+                <a:latin typeface="华文中宋" panose="02010600040101010101" charset="-122"/>
+                <a:ea typeface="华文中宋" panose="02010600040101010101" charset="-122"/>
+              </a:rPr>
+              <a:t>可以在讲稿中直接使用上课</a:t>
+            </a:r>
+            <a:r>
+              <a:rPr lang="en-US" altLang="zh-CN">
+                <a:latin typeface="华文中宋" panose="02010600040101010101" charset="-122"/>
+                <a:ea typeface="华文中宋" panose="02010600040101010101" charset="-122"/>
+              </a:rPr>
+              <a:t>PPT</a:t>
+            </a:r>
+            <a:r>
+              <a:rPr lang="zh-CN" altLang="en-US">
+                <a:latin typeface="华文中宋" panose="02010600040101010101" charset="-122"/>
+                <a:ea typeface="华文中宋" panose="02010600040101010101" charset="-122"/>
+              </a:rPr>
+              <a:t>截图、教材截图等</a:t>
+            </a:r>
+            <a:endParaRPr lang="zh-CN" altLang="en-US">
+              <a:latin typeface="华文中宋" panose="02010600040101010101" charset="-122"/>
+              <a:ea typeface="华文中宋" panose="02010600040101010101" charset="-122"/>
+            </a:endParaRPr>
+          </a:p>
+          <a:p>
+            <a:pPr marL="0" indent="0">
+              <a:buNone/>
+            </a:pPr>
+            <a:endParaRPr lang="zh-CN" altLang="en-US">
+              <a:latin typeface="华文中宋" panose="02010600040101010101" charset="-122"/>
+              <a:ea typeface="华文中宋" panose="02010600040101010101" charset="-122"/>
+            </a:endParaRPr>
+          </a:p>
+          <a:p>
+            <a:pPr marL="0" indent="0">
+              <a:buNone/>
+            </a:pPr>
+            <a:endParaRPr lang="zh-CN" altLang="en-US">
+              <a:latin typeface="华文中宋" panose="02010600040101010101" charset="-122"/>
+              <a:ea typeface="华文中宋" panose="02010600040101010101" charset="-122"/>
+            </a:endParaRPr>
+          </a:p>
+          <a:p>
+            <a:pPr marL="0" indent="0">
+              <a:buNone/>
+            </a:pPr>
+            <a:endParaRPr lang="zh-CN" altLang="en-US">
+              <a:latin typeface="华文中宋" panose="02010600040101010101" charset="-122"/>
+              <a:ea typeface="华文中宋" panose="02010600040101010101" charset="-122"/>
+            </a:endParaRPr>
+          </a:p>
+        </p:txBody>
+      </p:sp>
+    </p:spTree>
+  </p:cSld>
+  <p:clrMapOvr>
+    <a:masterClrMapping/>
+  </p:clrMapOvr>
+</p:sld>
+</file>
+
+<file path=ppt/slides/slide14.xml><?xml version="1.0" encoding="utf-8"?>
+<p:sld xmlns:a="http://schemas.openxmlformats.org/drawingml/2006/main" xmlns:r="http://schemas.openxmlformats.org/officeDocument/2006/relationships" xmlns:p="http://schemas.openxmlformats.org/presentationml/2006/main">
+  <p:cSld>
+    <p:spTree>
+      <p:nvGrpSpPr>
+        <p:cNvPr id="1" name=""/>
+        <p:cNvGrpSpPr/>
+        <p:nvPr/>
+      </p:nvGrpSpPr>
+      <p:grpSpPr/>
+      <p:sp>
+        <p:nvSpPr>
+          <p:cNvPr id="2" name="标题 1"/>
+          <p:cNvSpPr>
+            <a:spLocks noGrp="1"/>
+          </p:cNvSpPr>
+          <p:nvPr>
+            <p:ph type="title"/>
+          </p:nvPr>
+        </p:nvSpPr>
+        <p:spPr/>
+        <p:txBody>
+          <a:bodyPr/>
+          <a:p>
+            <a:r>
+              <a:rPr lang="zh-CN" altLang="en-US">
+                <a:latin typeface="华文中宋" panose="02010600040101010101" charset="-122"/>
+                <a:ea typeface="华文中宋" panose="02010600040101010101" charset="-122"/>
+                <a:sym typeface="+mn-ea"/>
+              </a:rPr>
+              <a:t>助教讲授</a:t>
+            </a:r>
+            <a:endParaRPr lang="zh-CN" altLang="en-US">
+              <a:latin typeface="华文中宋" panose="02010600040101010101" charset="-122"/>
+              <a:ea typeface="华文中宋" panose="02010600040101010101" charset="-122"/>
+            </a:endParaRPr>
+          </a:p>
+        </p:txBody>
+      </p:sp>
+      <p:sp>
+        <p:nvSpPr>
+          <p:cNvPr id="3" name="内容占位符 2"/>
+          <p:cNvSpPr>
+            <a:spLocks noGrp="1"/>
+          </p:cNvSpPr>
+          <p:nvPr>
+            <p:ph idx="1"/>
+          </p:nvPr>
+        </p:nvSpPr>
+        <p:spPr>
+          <a:xfrm>
+            <a:off x="838200" y="1825625"/>
+            <a:ext cx="10813415" cy="4351655"/>
+          </a:xfrm>
+        </p:spPr>
+        <p:txBody>
+          <a:bodyPr/>
+          <a:p>
+            <a:pPr marL="0" indent="0">
+              <a:buNone/>
+            </a:pPr>
+            <a:r>
+              <a:rPr lang="zh-CN" altLang="en-US">
+                <a:latin typeface="华文中宋" panose="02010600040101010101" charset="-122"/>
+                <a:ea typeface="华文中宋" panose="02010600040101010101" charset="-122"/>
+              </a:rPr>
+              <a:t>计划分为四个方面：</a:t>
+            </a:r>
+            <a:endParaRPr lang="zh-CN" altLang="en-US">
+              <a:latin typeface="华文中宋" panose="02010600040101010101" charset="-122"/>
+              <a:ea typeface="华文中宋" panose="02010600040101010101" charset="-122"/>
+            </a:endParaRPr>
+          </a:p>
+          <a:p>
+            <a:pPr marL="0" indent="0">
+              <a:buNone/>
+            </a:pPr>
+            <a:r>
+              <a:rPr lang="en-US" altLang="zh-CN">
+                <a:latin typeface="华文中宋" panose="02010600040101010101" charset="-122"/>
+                <a:ea typeface="华文中宋" panose="02010600040101010101" charset="-122"/>
+              </a:rPr>
+              <a:t>1</a:t>
+            </a:r>
+            <a:r>
+              <a:rPr lang="zh-CN" altLang="en-US">
+                <a:latin typeface="华文中宋" panose="02010600040101010101" charset="-122"/>
+                <a:ea typeface="华文中宋" panose="02010600040101010101" charset="-122"/>
+              </a:rPr>
+              <a:t>、关于课堂知识</a:t>
+            </a:r>
+            <a:r>
+              <a:rPr lang="en-US" altLang="zh-CN">
+                <a:latin typeface="华文中宋" panose="02010600040101010101" charset="-122"/>
+                <a:ea typeface="华文中宋" panose="02010600040101010101" charset="-122"/>
+              </a:rPr>
+              <a:t>——</a:t>
+            </a:r>
+            <a:r>
+              <a:rPr lang="zh-CN" altLang="en-US">
+                <a:latin typeface="华文中宋" panose="02010600040101010101" charset="-122"/>
+                <a:ea typeface="华文中宋" panose="02010600040101010101" charset="-122"/>
+              </a:rPr>
+              <a:t>对知识本身理解</a:t>
+            </a:r>
+            <a:endParaRPr lang="zh-CN" altLang="en-US">
+              <a:latin typeface="华文中宋" panose="02010600040101010101" charset="-122"/>
+              <a:ea typeface="华文中宋" panose="02010600040101010101" charset="-122"/>
+            </a:endParaRPr>
+          </a:p>
+          <a:p>
+            <a:pPr marL="0" indent="0">
+              <a:buNone/>
+            </a:pPr>
+            <a:r>
+              <a:rPr lang="en-US" altLang="zh-CN">
+                <a:latin typeface="华文中宋" panose="02010600040101010101" charset="-122"/>
+                <a:ea typeface="华文中宋" panose="02010600040101010101" charset="-122"/>
+              </a:rPr>
+              <a:t>2</a:t>
+            </a:r>
+            <a:r>
+              <a:rPr lang="zh-CN" altLang="en-US">
+                <a:latin typeface="华文中宋" panose="02010600040101010101" charset="-122"/>
+                <a:ea typeface="华文中宋" panose="02010600040101010101" charset="-122"/>
+              </a:rPr>
+              <a:t>、关于课程任务</a:t>
+            </a:r>
+            <a:r>
+              <a:rPr lang="en-US" altLang="zh-CN">
+                <a:latin typeface="华文中宋" panose="02010600040101010101" charset="-122"/>
+                <a:ea typeface="华文中宋" panose="02010600040101010101" charset="-122"/>
+              </a:rPr>
+              <a:t>——Lab</a:t>
+            </a:r>
+            <a:r>
+              <a:rPr lang="zh-CN" altLang="en-US">
+                <a:latin typeface="华文中宋" panose="02010600040101010101" charset="-122"/>
+                <a:ea typeface="华文中宋" panose="02010600040101010101" charset="-122"/>
+              </a:rPr>
+              <a:t>的讲评指导</a:t>
+            </a:r>
+            <a:endParaRPr lang="zh-CN" altLang="en-US">
+              <a:latin typeface="华文中宋" panose="02010600040101010101" charset="-122"/>
+              <a:ea typeface="华文中宋" panose="02010600040101010101" charset="-122"/>
+            </a:endParaRPr>
+          </a:p>
+          <a:p>
+            <a:pPr marL="0" indent="0">
+              <a:buNone/>
+            </a:pPr>
+            <a:r>
+              <a:rPr lang="en-US" altLang="zh-CN">
+                <a:latin typeface="华文中宋" panose="02010600040101010101" charset="-122"/>
+                <a:ea typeface="华文中宋" panose="02010600040101010101" charset="-122"/>
+              </a:rPr>
+              <a:t>3</a:t>
+            </a:r>
+            <a:r>
+              <a:rPr lang="zh-CN" altLang="en-US">
+                <a:latin typeface="华文中宋" panose="02010600040101010101" charset="-122"/>
+                <a:ea typeface="华文中宋" panose="02010600040101010101" charset="-122"/>
+              </a:rPr>
+              <a:t>、关于考试</a:t>
+            </a:r>
+            <a:r>
+              <a:rPr lang="en-US" altLang="zh-CN">
+                <a:latin typeface="华文中宋" panose="02010600040101010101" charset="-122"/>
+                <a:ea typeface="华文中宋" panose="02010600040101010101" charset="-122"/>
+              </a:rPr>
+              <a:t>——</a:t>
+            </a:r>
+            <a:r>
+              <a:rPr lang="zh-CN" altLang="en-US">
+                <a:latin typeface="华文中宋" panose="02010600040101010101" charset="-122"/>
+                <a:ea typeface="华文中宋" panose="02010600040101010101" charset="-122"/>
+                <a:sym typeface="+mn-ea"/>
+              </a:rPr>
+              <a:t>书面作业、研讨题、往年题</a:t>
+            </a:r>
+            <a:r>
+              <a:rPr lang="zh-CN" altLang="en-US">
+                <a:latin typeface="华文中宋" panose="02010600040101010101" charset="-122"/>
+                <a:ea typeface="华文中宋" panose="02010600040101010101" charset="-122"/>
+              </a:rPr>
+              <a:t>及应试技巧</a:t>
+            </a:r>
+            <a:endParaRPr lang="zh-CN" altLang="en-US">
+              <a:latin typeface="华文中宋" panose="02010600040101010101" charset="-122"/>
+              <a:ea typeface="华文中宋" panose="02010600040101010101" charset="-122"/>
+            </a:endParaRPr>
+          </a:p>
+          <a:p>
+            <a:pPr marL="0" indent="0">
+              <a:buNone/>
+            </a:pPr>
+            <a:r>
+              <a:rPr lang="en-US" altLang="zh-CN">
+                <a:latin typeface="华文中宋" panose="02010600040101010101" charset="-122"/>
+                <a:ea typeface="华文中宋" panose="02010600040101010101" charset="-122"/>
+              </a:rPr>
+              <a:t>4</a:t>
+            </a:r>
+            <a:r>
+              <a:rPr lang="zh-CN" altLang="en-US">
+                <a:latin typeface="华文中宋" panose="02010600040101010101" charset="-122"/>
+                <a:ea typeface="华文中宋" panose="02010600040101010101" charset="-122"/>
+              </a:rPr>
+              <a:t>、其他拓展内容</a:t>
+            </a:r>
+            <a:endParaRPr lang="zh-CN" altLang="en-US">
+              <a:latin typeface="华文中宋" panose="02010600040101010101" charset="-122"/>
+              <a:ea typeface="华文中宋" panose="02010600040101010101" charset="-122"/>
+            </a:endParaRPr>
+          </a:p>
+          <a:p>
+            <a:pPr marL="0" indent="0">
+              <a:buNone/>
+            </a:pPr>
+            <a:endParaRPr lang="zh-CN" altLang="en-US">
+              <a:latin typeface="华文中宋" panose="02010600040101010101" charset="-122"/>
+              <a:ea typeface="华文中宋" panose="02010600040101010101" charset="-122"/>
+            </a:endParaRPr>
+          </a:p>
+          <a:p>
+            <a:pPr marL="0" indent="0">
+              <a:buNone/>
+            </a:pPr>
+            <a:endParaRPr lang="zh-CN" altLang="en-US">
+              <a:latin typeface="华文中宋" panose="02010600040101010101" charset="-122"/>
+              <a:ea typeface="华文中宋" panose="02010600040101010101" charset="-122"/>
+            </a:endParaRPr>
+          </a:p>
+          <a:p>
+            <a:pPr marL="0" indent="0">
+              <a:buNone/>
+            </a:pPr>
+            <a:r>
+              <a:rPr lang="zh-CN" altLang="en-US">
+                <a:latin typeface="华文中宋" panose="02010600040101010101" charset="-122"/>
+                <a:ea typeface="华文中宋" panose="02010600040101010101" charset="-122"/>
+              </a:rPr>
+              <a:t>比例将征求大家意见，视情况而定，且可随时调整</a:t>
+            </a:r>
+            <a:endParaRPr lang="zh-CN" altLang="en-US">
+              <a:latin typeface="华文中宋" panose="02010600040101010101" charset="-122"/>
+              <a:ea typeface="华文中宋" panose="02010600040101010101" charset="-122"/>
+            </a:endParaRPr>
+          </a:p>
+          <a:p>
+            <a:pPr marL="0" indent="0">
+              <a:buNone/>
+            </a:pPr>
+            <a:endParaRPr lang="zh-CN" altLang="en-US">
+              <a:latin typeface="华文中宋" panose="02010600040101010101" charset="-122"/>
+              <a:ea typeface="华文中宋" panose="02010600040101010101" charset="-122"/>
+            </a:endParaRPr>
+          </a:p>
+          <a:p>
+            <a:pPr marL="0" indent="0">
+              <a:buNone/>
+            </a:pPr>
+            <a:endParaRPr lang="zh-CN" altLang="en-US">
+              <a:latin typeface="华文中宋" panose="02010600040101010101" charset="-122"/>
+              <a:ea typeface="华文中宋" panose="02010600040101010101" charset="-122"/>
+            </a:endParaRPr>
+          </a:p>
+        </p:txBody>
+      </p:sp>
+      <p:pic>
+        <p:nvPicPr>
+          <p:cNvPr id="4" name="图片 3"/>
+          <p:cNvPicPr>
+            <a:picLocks noChangeAspect="1"/>
+          </p:cNvPicPr>
+          <p:nvPr/>
+        </p:nvPicPr>
+        <p:blipFill>
+          <a:blip r:embed="rId1"/>
+          <a:stretch>
+            <a:fillRect/>
+          </a:stretch>
+        </p:blipFill>
+        <p:spPr>
+          <a:xfrm>
+            <a:off x="1075690" y="4377690"/>
+            <a:ext cx="5059680" cy="948055"/>
+          </a:xfrm>
+          <a:prstGeom prst="rect">
+            <a:avLst/>
+          </a:prstGeom>
+        </p:spPr>
+      </p:pic>
+    </p:spTree>
+  </p:cSld>
+  <p:clrMapOvr>
+    <a:masterClrMapping/>
+  </p:clrMapOvr>
+</p:sld>
+</file>
+
+<file path=ppt/slides/slide15.xml><?xml version="1.0" encoding="utf-8"?>
+<p:sld xmlns:a="http://schemas.openxmlformats.org/drawingml/2006/main" xmlns:r="http://schemas.openxmlformats.org/officeDocument/2006/relationships" xmlns:p="http://schemas.openxmlformats.org/presentationml/2006/main">
+  <p:cSld>
+    <p:spTree>
+      <p:nvGrpSpPr>
+        <p:cNvPr id="1" name=""/>
+        <p:cNvGrpSpPr/>
+        <p:nvPr/>
+      </p:nvGrpSpPr>
+      <p:grpSpPr/>
+      <p:sp>
+        <p:nvSpPr>
+          <p:cNvPr id="2" name="标题 1"/>
+          <p:cNvSpPr>
+            <a:spLocks noGrp="1"/>
+          </p:cNvSpPr>
+          <p:nvPr>
+            <p:ph type="title"/>
+          </p:nvPr>
+        </p:nvSpPr>
+        <p:spPr/>
+        <p:txBody>
+          <a:bodyPr/>
+          <a:p>
+            <a:r>
+              <a:rPr lang="zh-CN" altLang="en-US">
+                <a:latin typeface="华文中宋" panose="02010600040101010101" charset="-122"/>
+                <a:ea typeface="华文中宋" panose="02010600040101010101" charset="-122"/>
+                <a:sym typeface="+mn-ea"/>
+              </a:rPr>
+              <a:t>书面作业</a:t>
+            </a:r>
+            <a:endParaRPr lang="zh-CN" altLang="en-US">
+              <a:latin typeface="华文中宋" panose="02010600040101010101" charset="-122"/>
+              <a:ea typeface="华文中宋" panose="02010600040101010101" charset="-122"/>
+            </a:endParaRPr>
+          </a:p>
+        </p:txBody>
+      </p:sp>
+      <p:sp>
+        <p:nvSpPr>
+          <p:cNvPr id="3" name="内容占位符 2"/>
+          <p:cNvSpPr>
+            <a:spLocks noGrp="1"/>
+          </p:cNvSpPr>
+          <p:nvPr>
+            <p:ph idx="1"/>
+          </p:nvPr>
+        </p:nvSpPr>
+        <p:spPr>
+          <a:xfrm>
+            <a:off x="838200" y="1825625"/>
+            <a:ext cx="10813415" cy="4351655"/>
+          </a:xfrm>
+        </p:spPr>
+        <p:txBody>
+          <a:bodyPr/>
+          <a:p>
+            <a:pPr marL="0" indent="0">
+              <a:buNone/>
+            </a:pPr>
+            <a:r>
+              <a:rPr lang="zh-CN" altLang="en-US">
+                <a:latin typeface="华文中宋" panose="02010600040101010101" charset="-122"/>
+                <a:ea typeface="华文中宋" panose="02010600040101010101" charset="-122"/>
+              </a:rPr>
+              <a:t>由大班统一布置，此外由对应小班助教直接负责</a:t>
+            </a:r>
+            <a:endParaRPr lang="zh-CN" altLang="en-US">
+              <a:latin typeface="华文中宋" panose="02010600040101010101" charset="-122"/>
+              <a:ea typeface="华文中宋" panose="02010600040101010101" charset="-122"/>
+            </a:endParaRPr>
+          </a:p>
+          <a:p>
+            <a:pPr marL="0" indent="0">
+              <a:buNone/>
+            </a:pPr>
+            <a:r>
+              <a:rPr lang="zh-CN" altLang="en-US">
+                <a:latin typeface="华文中宋" panose="02010600040101010101" charset="-122"/>
+                <a:ea typeface="华文中宋" panose="02010600040101010101" charset="-122"/>
+              </a:rPr>
+              <a:t>截止日期以作业布置时的通知为准</a:t>
             </a:r>
             <a:endParaRPr lang="zh-CN" altLang="en-US">
               <a:latin typeface="华文中宋" panose="02010600040101010101" charset="-122"/>
@@ -4413,6 +4803,655 @@
             <a:pPr marL="0" indent="0">
               <a:buNone/>
             </a:pPr>
+            <a:endParaRPr lang="zh-CN" altLang="en-US">
+              <a:latin typeface="华文中宋" panose="02010600040101010101" charset="-122"/>
+              <a:ea typeface="华文中宋" panose="02010600040101010101" charset="-122"/>
+            </a:endParaRPr>
+          </a:p>
+        </p:txBody>
+      </p:sp>
+    </p:spTree>
+  </p:cSld>
+  <p:clrMapOvr>
+    <a:masterClrMapping/>
+  </p:clrMapOvr>
+</p:sld>
+</file>
+
+<file path=ppt/slides/slide16.xml><?xml version="1.0" encoding="utf-8"?>
+<p:sld xmlns:a="http://schemas.openxmlformats.org/drawingml/2006/main" xmlns:r="http://schemas.openxmlformats.org/officeDocument/2006/relationships" xmlns:p="http://schemas.openxmlformats.org/presentationml/2006/main">
+  <p:cSld>
+    <p:spTree>
+      <p:nvGrpSpPr>
+        <p:cNvPr id="1" name=""/>
+        <p:cNvGrpSpPr/>
+        <p:nvPr/>
+      </p:nvGrpSpPr>
+      <p:grpSpPr/>
+      <p:sp>
+        <p:nvSpPr>
+          <p:cNvPr id="2" name="标题 1"/>
+          <p:cNvSpPr>
+            <a:spLocks noGrp="1"/>
+          </p:cNvSpPr>
+          <p:nvPr>
+            <p:ph type="title"/>
+          </p:nvPr>
+        </p:nvSpPr>
+        <p:spPr/>
+        <p:txBody>
+          <a:bodyPr/>
+          <a:p>
+            <a:r>
+              <a:rPr lang="zh-CN" altLang="en-US">
+                <a:latin typeface="华文中宋" panose="02010600040101010101" charset="-122"/>
+                <a:ea typeface="华文中宋" panose="02010600040101010101" charset="-122"/>
+                <a:sym typeface="+mn-ea"/>
+              </a:rPr>
+              <a:t>课程小网站</a:t>
+            </a:r>
+            <a:endParaRPr lang="zh-CN" altLang="en-US">
+              <a:latin typeface="华文中宋" panose="02010600040101010101" charset="-122"/>
+              <a:ea typeface="华文中宋" panose="02010600040101010101" charset="-122"/>
+            </a:endParaRPr>
+          </a:p>
+        </p:txBody>
+      </p:sp>
+      <p:sp>
+        <p:nvSpPr>
+          <p:cNvPr id="3" name="内容占位符 2"/>
+          <p:cNvSpPr>
+            <a:spLocks noGrp="1"/>
+          </p:cNvSpPr>
+          <p:nvPr>
+            <p:ph idx="1"/>
+          </p:nvPr>
+        </p:nvSpPr>
+        <p:spPr>
+          <a:xfrm>
+            <a:off x="838200" y="1825625"/>
+            <a:ext cx="10813415" cy="4351655"/>
+          </a:xfrm>
+        </p:spPr>
+        <p:txBody>
+          <a:bodyPr/>
+          <a:p>
+            <a:pPr marL="0" indent="0">
+              <a:buNone/>
+            </a:pPr>
+            <a:r>
+              <a:rPr lang="en-US" altLang="zh-CN">
+                <a:latin typeface="华文中宋" panose="02010600040101010101" charset="-122"/>
+                <a:ea typeface="华文中宋" panose="02010600040101010101" charset="-122"/>
+                <a:hlinkClick r:id="rId1" action="ppaction://hlinkfile"/>
+              </a:rPr>
+              <a:t>https://zsliuzian.github.io/ics25/</a:t>
+            </a:r>
+            <a:endParaRPr lang="en-US" altLang="zh-CN">
+              <a:latin typeface="华文中宋" panose="02010600040101010101" charset="-122"/>
+              <a:ea typeface="华文中宋" panose="02010600040101010101" charset="-122"/>
+              <a:hlinkClick r:id="rId1" action="ppaction://hlinkfile"/>
+            </a:endParaRPr>
+          </a:p>
+          <a:p>
+            <a:pPr marL="0" indent="0">
+              <a:buNone/>
+            </a:pPr>
+            <a:endParaRPr lang="zh-CN" altLang="en-US">
+              <a:latin typeface="华文中宋" panose="02010600040101010101" charset="-122"/>
+              <a:ea typeface="华文中宋" panose="02010600040101010101" charset="-122"/>
+            </a:endParaRPr>
+          </a:p>
+          <a:p>
+            <a:pPr marL="0" indent="0">
+              <a:buNone/>
+            </a:pPr>
+            <a:r>
+              <a:rPr lang="zh-CN" altLang="en-US">
+                <a:latin typeface="华文中宋" panose="02010600040101010101" charset="-122"/>
+                <a:ea typeface="华文中宋" panose="02010600040101010101" charset="-122"/>
+              </a:rPr>
+              <a:t>通知优先在微信群发送</a:t>
+            </a:r>
+            <a:endParaRPr lang="zh-CN" altLang="en-US">
+              <a:latin typeface="华文中宋" panose="02010600040101010101" charset="-122"/>
+              <a:ea typeface="华文中宋" panose="02010600040101010101" charset="-122"/>
+            </a:endParaRPr>
+          </a:p>
+          <a:p>
+            <a:pPr marL="0" indent="0">
+              <a:buNone/>
+            </a:pPr>
+            <a:endParaRPr lang="zh-CN" altLang="en-US">
+              <a:latin typeface="华文中宋" panose="02010600040101010101" charset="-122"/>
+              <a:ea typeface="华文中宋" panose="02010600040101010101" charset="-122"/>
+            </a:endParaRPr>
+          </a:p>
+        </p:txBody>
+      </p:sp>
+    </p:spTree>
+  </p:cSld>
+  <p:clrMapOvr>
+    <a:masterClrMapping/>
+  </p:clrMapOvr>
+</p:sld>
+</file>
+
+<file path=ppt/slides/slide17.xml><?xml version="1.0" encoding="utf-8"?>
+<p:sld xmlns:a="http://schemas.openxmlformats.org/drawingml/2006/main" xmlns:r="http://schemas.openxmlformats.org/officeDocument/2006/relationships" xmlns:p="http://schemas.openxmlformats.org/presentationml/2006/main">
+  <p:cSld>
+    <p:spTree>
+      <p:nvGrpSpPr>
+        <p:cNvPr id="1" name=""/>
+        <p:cNvGrpSpPr/>
+        <p:nvPr/>
+      </p:nvGrpSpPr>
+      <p:grpSpPr/>
+      <p:sp>
+        <p:nvSpPr>
+          <p:cNvPr id="2" name="标题 1"/>
+          <p:cNvSpPr>
+            <a:spLocks noGrp="1"/>
+          </p:cNvSpPr>
+          <p:nvPr>
+            <p:ph type="title"/>
+          </p:nvPr>
+        </p:nvSpPr>
+        <p:spPr/>
+        <p:txBody>
+          <a:bodyPr/>
+          <a:p>
+            <a:r>
+              <a:rPr lang="zh-CN" altLang="en-US">
+                <a:latin typeface="华文中宋" panose="02010600040101010101" charset="-122"/>
+                <a:ea typeface="华文中宋" panose="02010600040101010101" charset="-122"/>
+                <a:sym typeface="+mn-ea"/>
+              </a:rPr>
+              <a:t>同学与助教的交流</a:t>
+            </a:r>
+            <a:endParaRPr lang="zh-CN" altLang="en-US">
+              <a:latin typeface="华文中宋" panose="02010600040101010101" charset="-122"/>
+              <a:ea typeface="华文中宋" panose="02010600040101010101" charset="-122"/>
+            </a:endParaRPr>
+          </a:p>
+        </p:txBody>
+      </p:sp>
+      <p:sp>
+        <p:nvSpPr>
+          <p:cNvPr id="3" name="内容占位符 2"/>
+          <p:cNvSpPr>
+            <a:spLocks noGrp="1"/>
+          </p:cNvSpPr>
+          <p:nvPr>
+            <p:ph idx="1"/>
+          </p:nvPr>
+        </p:nvSpPr>
+        <p:spPr>
+          <a:xfrm>
+            <a:off x="838200" y="1825625"/>
+            <a:ext cx="10813415" cy="4351655"/>
+          </a:xfrm>
+        </p:spPr>
+        <p:txBody>
+          <a:bodyPr/>
+          <a:p>
+            <a:pPr marL="0" indent="0">
+              <a:buNone/>
+            </a:pPr>
+            <a:r>
+              <a:rPr lang="zh-CN" altLang="en-US">
+                <a:latin typeface="华文中宋" panose="02010600040101010101" charset="-122"/>
+                <a:ea typeface="华文中宋" panose="02010600040101010101" charset="-122"/>
+              </a:rPr>
+              <a:t>答疑、指正、锐评、吐槽、其他问题</a:t>
+            </a:r>
+            <a:r>
+              <a:rPr lang="en-US" altLang="zh-CN">
+                <a:latin typeface="华文中宋" panose="02010600040101010101" charset="-122"/>
+                <a:ea typeface="华文中宋" panose="02010600040101010101" charset="-122"/>
+              </a:rPr>
+              <a:t>……</a:t>
+            </a:r>
+            <a:endParaRPr lang="en-US" altLang="zh-CN">
+              <a:latin typeface="华文中宋" panose="02010600040101010101" charset="-122"/>
+              <a:ea typeface="华文中宋" panose="02010600040101010101" charset="-122"/>
+            </a:endParaRPr>
+          </a:p>
+          <a:p>
+            <a:pPr marL="0" indent="0">
+              <a:buNone/>
+            </a:pPr>
+            <a:endParaRPr lang="zh-CN" altLang="en-US">
+              <a:latin typeface="华文中宋" panose="02010600040101010101" charset="-122"/>
+              <a:ea typeface="华文中宋" panose="02010600040101010101" charset="-122"/>
+            </a:endParaRPr>
+          </a:p>
+          <a:p>
+            <a:pPr marL="0" indent="0">
+              <a:buNone/>
+            </a:pPr>
+            <a:r>
+              <a:rPr lang="zh-CN" altLang="en-US">
+                <a:latin typeface="华文中宋" panose="02010600040101010101" charset="-122"/>
+                <a:ea typeface="华文中宋" panose="02010600040101010101" charset="-122"/>
+              </a:rPr>
+              <a:t>微信群聊：各种事情</a:t>
+            </a:r>
+            <a:endParaRPr lang="zh-CN" altLang="en-US">
+              <a:latin typeface="华文中宋" panose="02010600040101010101" charset="-122"/>
+              <a:ea typeface="华文中宋" panose="02010600040101010101" charset="-122"/>
+            </a:endParaRPr>
+          </a:p>
+          <a:p>
+            <a:pPr marL="0" indent="0">
+              <a:buNone/>
+            </a:pPr>
+            <a:r>
+              <a:rPr lang="zh-CN" altLang="en-US">
+                <a:latin typeface="华文中宋" panose="02010600040101010101" charset="-122"/>
+                <a:ea typeface="华文中宋" panose="02010600040101010101" charset="-122"/>
+              </a:rPr>
+              <a:t>微信私聊：不想让他人知道</a:t>
+            </a:r>
+            <a:endParaRPr lang="zh-CN" altLang="en-US">
+              <a:latin typeface="华文中宋" panose="02010600040101010101" charset="-122"/>
+              <a:ea typeface="华文中宋" panose="02010600040101010101" charset="-122"/>
+            </a:endParaRPr>
+          </a:p>
+          <a:p>
+            <a:pPr marL="0" indent="0">
+              <a:buNone/>
+            </a:pPr>
+            <a:r>
+              <a:rPr lang="zh-CN" altLang="en-US">
+                <a:latin typeface="华文中宋" panose="02010600040101010101" charset="-122"/>
+                <a:ea typeface="华文中宋" panose="02010600040101010101" charset="-122"/>
+              </a:rPr>
+              <a:t>邮箱（麻烦，尽量避免）：</a:t>
+            </a:r>
+            <a:r>
+              <a:rPr lang="zh-CN" altLang="en-US">
+                <a:latin typeface="华文中宋" panose="02010600040101010101" charset="-122"/>
+                <a:ea typeface="华文中宋" panose="02010600040101010101" charset="-122"/>
+                <a:sym typeface="+mn-ea"/>
+              </a:rPr>
+              <a:t>不想让他人知道</a:t>
+            </a:r>
+            <a:endParaRPr lang="zh-CN" altLang="en-US">
+              <a:latin typeface="华文中宋" panose="02010600040101010101" charset="-122"/>
+              <a:ea typeface="华文中宋" panose="02010600040101010101" charset="-122"/>
+            </a:endParaRPr>
+          </a:p>
+          <a:p>
+            <a:pPr marL="0" indent="0">
+              <a:buNone/>
+            </a:pPr>
+            <a:r>
+              <a:rPr lang="zh-CN" altLang="en-US">
+                <a:latin typeface="华文中宋" panose="02010600040101010101" charset="-122"/>
+                <a:ea typeface="华文中宋" panose="02010600040101010101" charset="-122"/>
+              </a:rPr>
+              <a:t>树洞</a:t>
+            </a:r>
+            <a:r>
+              <a:rPr lang="en-US" altLang="zh-CN">
+                <a:latin typeface="华文中宋" panose="02010600040101010101" charset="-122"/>
+                <a:ea typeface="华文中宋" panose="02010600040101010101" charset="-122"/>
+              </a:rPr>
+              <a:t>——</a:t>
+            </a:r>
+            <a:r>
+              <a:rPr lang="en-US" altLang="zh-CN">
+                <a:solidFill>
+                  <a:srgbClr val="FF0000"/>
+                </a:solidFill>
+                <a:latin typeface="华文中宋" panose="02010600040101010101" charset="-122"/>
+                <a:ea typeface="华文中宋" panose="02010600040101010101" charset="-122"/>
+              </a:rPr>
+              <a:t>7625376</a:t>
+            </a:r>
+            <a:r>
+              <a:rPr lang="zh-CN" altLang="en-US">
+                <a:latin typeface="华文中宋" panose="02010600040101010101" charset="-122"/>
+                <a:ea typeface="华文中宋" panose="02010600040101010101" charset="-122"/>
+              </a:rPr>
+              <a:t>：不想让助教知道你的身份</a:t>
+            </a:r>
+            <a:endParaRPr lang="zh-CN" altLang="en-US">
+              <a:latin typeface="华文中宋" panose="02010600040101010101" charset="-122"/>
+              <a:ea typeface="华文中宋" panose="02010600040101010101" charset="-122"/>
+            </a:endParaRPr>
+          </a:p>
+          <a:p>
+            <a:pPr marL="0" indent="0">
+              <a:buNone/>
+            </a:pPr>
+            <a:r>
+              <a:rPr lang="zh-CN" altLang="en-US" strike="sngStrike">
+                <a:latin typeface="华文中宋" panose="02010600040101010101" charset="-122"/>
+                <a:ea typeface="华文中宋" panose="02010600040101010101" charset="-122"/>
+              </a:rPr>
+              <a:t>树洞：不想让助教知道</a:t>
+            </a:r>
+            <a:endParaRPr lang="zh-CN" altLang="en-US" strike="sngStrike">
+              <a:latin typeface="华文中宋" panose="02010600040101010101" charset="-122"/>
+              <a:ea typeface="华文中宋" panose="02010600040101010101" charset="-122"/>
+            </a:endParaRPr>
+          </a:p>
+        </p:txBody>
+      </p:sp>
+    </p:spTree>
+  </p:cSld>
+  <p:clrMapOvr>
+    <a:masterClrMapping/>
+  </p:clrMapOvr>
+</p:sld>
+</file>
+
+<file path=ppt/slides/slide18.xml><?xml version="1.0" encoding="utf-8"?>
+<p:sld xmlns:a="http://schemas.openxmlformats.org/drawingml/2006/main" xmlns:r="http://schemas.openxmlformats.org/officeDocument/2006/relationships" xmlns:p="http://schemas.openxmlformats.org/presentationml/2006/main">
+  <p:cSld>
+    <p:spTree>
+      <p:nvGrpSpPr>
+        <p:cNvPr id="1" name=""/>
+        <p:cNvGrpSpPr/>
+        <p:nvPr/>
+      </p:nvGrpSpPr>
+      <p:grpSpPr/>
+      <p:sp>
+        <p:nvSpPr>
+          <p:cNvPr id="2" name="标题 1"/>
+          <p:cNvSpPr>
+            <a:spLocks noGrp="1"/>
+          </p:cNvSpPr>
+          <p:nvPr>
+            <p:ph type="title"/>
+          </p:nvPr>
+        </p:nvSpPr>
+        <p:spPr/>
+        <p:txBody>
+          <a:bodyPr/>
+          <a:p>
+            <a:r>
+              <a:rPr lang="zh-CN" altLang="en-US">
+                <a:latin typeface="华文中宋" panose="02010600040101010101" charset="-122"/>
+                <a:ea typeface="华文中宋" panose="02010600040101010101" charset="-122"/>
+              </a:rPr>
+              <a:t>小班课评分</a:t>
+            </a:r>
+            <a:endParaRPr lang="zh-CN" altLang="en-US">
+              <a:latin typeface="华文中宋" panose="02010600040101010101" charset="-122"/>
+              <a:ea typeface="华文中宋" panose="02010600040101010101" charset="-122"/>
+            </a:endParaRPr>
+          </a:p>
+        </p:txBody>
+      </p:sp>
+      <p:sp>
+        <p:nvSpPr>
+          <p:cNvPr id="3" name="内容占位符 2"/>
+          <p:cNvSpPr>
+            <a:spLocks noGrp="1"/>
+          </p:cNvSpPr>
+          <p:nvPr>
+            <p:ph idx="1"/>
+          </p:nvPr>
+        </p:nvSpPr>
+        <p:spPr/>
+        <p:txBody>
+          <a:bodyPr/>
+          <a:p>
+            <a:pPr marL="0" indent="0">
+              <a:buNone/>
+            </a:pPr>
+            <a:r>
+              <a:rPr lang="zh-CN" altLang="en-US">
+                <a:latin typeface="华文中宋" panose="02010600040101010101" charset="-122"/>
+                <a:ea typeface="华文中宋" panose="02010600040101010101" charset="-122"/>
+                <a:cs typeface="华文中宋" panose="02010600040101010101" charset="-122"/>
+              </a:rPr>
+              <a:t>总评中</a:t>
+            </a:r>
+            <a:r>
+              <a:rPr lang="en-US" altLang="zh-CN">
+                <a:latin typeface="华文中宋" panose="02010600040101010101" charset="-122"/>
+                <a:ea typeface="华文中宋" panose="02010600040101010101" charset="-122"/>
+                <a:cs typeface="华文中宋" panose="02010600040101010101" charset="-122"/>
+              </a:rPr>
+              <a:t>15%</a:t>
+            </a:r>
+            <a:r>
+              <a:rPr lang="zh-CN" altLang="en-US">
+                <a:latin typeface="华文中宋" panose="02010600040101010101" charset="-122"/>
+                <a:ea typeface="华文中宋" panose="02010600040101010101" charset="-122"/>
+                <a:cs typeface="华文中宋" panose="02010600040101010101" charset="-122"/>
+              </a:rPr>
+              <a:t>由小班助教评分（会有平均分限制？）</a:t>
+            </a:r>
+            <a:endParaRPr lang="zh-CN" altLang="en-US">
+              <a:latin typeface="华文中宋" panose="02010600040101010101" charset="-122"/>
+              <a:ea typeface="华文中宋" panose="02010600040101010101" charset="-122"/>
+              <a:cs typeface="华文中宋" panose="02010600040101010101" charset="-122"/>
+            </a:endParaRPr>
+          </a:p>
+          <a:p>
+            <a:pPr marL="0" indent="0">
+              <a:buNone/>
+            </a:pPr>
+            <a:r>
+              <a:rPr lang="en-US" altLang="zh-CN">
+                <a:latin typeface="华文中宋" panose="02010600040101010101" charset="-122"/>
+                <a:ea typeface="华文中宋" panose="02010600040101010101" charset="-122"/>
+                <a:cs typeface="华文中宋" panose="02010600040101010101" charset="-122"/>
+              </a:rPr>
+              <a:t>1</a:t>
+            </a:r>
+            <a:r>
+              <a:rPr lang="zh-CN" altLang="en-US">
+                <a:latin typeface="华文中宋" panose="02010600040101010101" charset="-122"/>
+                <a:ea typeface="华文中宋" panose="02010600040101010101" charset="-122"/>
+                <a:cs typeface="华文中宋" panose="02010600040101010101" charset="-122"/>
+              </a:rPr>
+              <a:t>、出勤（</a:t>
+            </a:r>
+            <a:r>
+              <a:rPr lang="zh-CN" altLang="en-US">
+                <a:latin typeface="华文中宋" panose="02010600040101010101" charset="-122"/>
+                <a:ea typeface="华文中宋" panose="02010600040101010101" charset="-122"/>
+                <a:cs typeface="华文中宋" panose="02010600040101010101" charset="-122"/>
+                <a:sym typeface="+mn-ea"/>
+              </a:rPr>
+              <a:t>原则上缺席需要请假）</a:t>
+            </a:r>
+            <a:endParaRPr lang="zh-CN" altLang="en-US">
+              <a:latin typeface="华文中宋" panose="02010600040101010101" charset="-122"/>
+              <a:ea typeface="华文中宋" panose="02010600040101010101" charset="-122"/>
+              <a:cs typeface="华文中宋" panose="02010600040101010101" charset="-122"/>
+            </a:endParaRPr>
+          </a:p>
+          <a:p>
+            <a:pPr marL="0" indent="0">
+              <a:buNone/>
+            </a:pPr>
+            <a:r>
+              <a:rPr lang="en-US" altLang="zh-CN">
+                <a:latin typeface="华文中宋" panose="02010600040101010101" charset="-122"/>
+                <a:ea typeface="华文中宋" panose="02010600040101010101" charset="-122"/>
+                <a:cs typeface="华文中宋" panose="02010600040101010101" charset="-122"/>
+              </a:rPr>
+              <a:t>2</a:t>
+            </a:r>
+            <a:r>
+              <a:rPr lang="zh-CN" altLang="en-US">
+                <a:latin typeface="华文中宋" panose="02010600040101010101" charset="-122"/>
+                <a:ea typeface="华文中宋" panose="02010600040101010101" charset="-122"/>
+                <a:cs typeface="华文中宋" panose="02010600040101010101" charset="-122"/>
+              </a:rPr>
+              <a:t>、作业</a:t>
+            </a:r>
+            <a:endParaRPr lang="zh-CN" altLang="en-US">
+              <a:latin typeface="华文中宋" panose="02010600040101010101" charset="-122"/>
+              <a:ea typeface="华文中宋" panose="02010600040101010101" charset="-122"/>
+              <a:cs typeface="华文中宋" panose="02010600040101010101" charset="-122"/>
+            </a:endParaRPr>
+          </a:p>
+          <a:p>
+            <a:pPr marL="0" indent="0">
+              <a:buNone/>
+            </a:pPr>
+            <a:r>
+              <a:rPr lang="en-US" altLang="zh-CN">
+                <a:latin typeface="华文中宋" panose="02010600040101010101" charset="-122"/>
+                <a:ea typeface="华文中宋" panose="02010600040101010101" charset="-122"/>
+                <a:cs typeface="华文中宋" panose="02010600040101010101" charset="-122"/>
+              </a:rPr>
+              <a:t>3</a:t>
+            </a:r>
+            <a:r>
+              <a:rPr lang="zh-CN" altLang="en-US">
+                <a:latin typeface="华文中宋" panose="02010600040101010101" charset="-122"/>
+                <a:ea typeface="华文中宋" panose="02010600040101010101" charset="-122"/>
+                <a:cs typeface="华文中宋" panose="02010600040101010101" charset="-122"/>
+              </a:rPr>
+              <a:t>、回课</a:t>
+            </a:r>
+            <a:endParaRPr lang="zh-CN" altLang="en-US">
+              <a:latin typeface="华文中宋" panose="02010600040101010101" charset="-122"/>
+              <a:ea typeface="华文中宋" panose="02010600040101010101" charset="-122"/>
+              <a:cs typeface="华文中宋" panose="02010600040101010101" charset="-122"/>
+            </a:endParaRPr>
+          </a:p>
+        </p:txBody>
+      </p:sp>
+    </p:spTree>
+  </p:cSld>
+  <p:clrMapOvr>
+    <a:masterClrMapping/>
+  </p:clrMapOvr>
+</p:sld>
+</file>
+
+<file path=ppt/slides/slide19.xml><?xml version="1.0" encoding="utf-8"?>
+<p:sld xmlns:a="http://schemas.openxmlformats.org/drawingml/2006/main" xmlns:r="http://schemas.openxmlformats.org/officeDocument/2006/relationships" xmlns:p="http://schemas.openxmlformats.org/presentationml/2006/main">
+  <p:cSld>
+    <p:spTree>
+      <p:nvGrpSpPr>
+        <p:cNvPr id="1" name=""/>
+        <p:cNvGrpSpPr/>
+        <p:nvPr/>
+      </p:nvGrpSpPr>
+      <p:grpSpPr/>
+      <p:sp>
+        <p:nvSpPr>
+          <p:cNvPr id="2" name="标题 1"/>
+          <p:cNvSpPr>
+            <a:spLocks noGrp="1"/>
+          </p:cNvSpPr>
+          <p:nvPr>
+            <p:ph type="title"/>
+          </p:nvPr>
+        </p:nvSpPr>
+        <p:spPr/>
+        <p:txBody>
+          <a:bodyPr/>
+          <a:p>
+            <a:r>
+              <a:rPr lang="zh-CN" altLang="en-US">
+                <a:latin typeface="华文中宋" panose="02010600040101010101" charset="-122"/>
+                <a:ea typeface="华文中宋" panose="02010600040101010101" charset="-122"/>
+                <a:sym typeface="+mn-ea"/>
+              </a:rPr>
+              <a:t>题外话</a:t>
+            </a:r>
+            <a:endParaRPr lang="zh-CN" altLang="en-US">
+              <a:latin typeface="华文中宋" panose="02010600040101010101" charset="-122"/>
+              <a:ea typeface="华文中宋" panose="02010600040101010101" charset="-122"/>
+              <a:sym typeface="+mn-ea"/>
+            </a:endParaRPr>
+          </a:p>
+        </p:txBody>
+      </p:sp>
+      <p:sp>
+        <p:nvSpPr>
+          <p:cNvPr id="3" name="内容占位符 2"/>
+          <p:cNvSpPr>
+            <a:spLocks noGrp="1"/>
+          </p:cNvSpPr>
+          <p:nvPr>
+            <p:ph idx="1"/>
+          </p:nvPr>
+        </p:nvSpPr>
+        <p:spPr>
+          <a:xfrm>
+            <a:off x="838200" y="1825625"/>
+            <a:ext cx="10813415" cy="4351655"/>
+          </a:xfrm>
+        </p:spPr>
+        <p:txBody>
+          <a:bodyPr/>
+          <a:p>
+            <a:pPr marL="0" indent="0">
+              <a:buNone/>
+            </a:pPr>
+            <a:r>
+              <a:rPr lang="en-US" altLang="zh-CN">
+                <a:latin typeface="华文中宋" panose="02010600040101010101" charset="-122"/>
+                <a:ea typeface="华文中宋" panose="02010600040101010101" charset="-122"/>
+              </a:rPr>
+              <a:t>- </a:t>
+            </a:r>
+            <a:r>
+              <a:rPr lang="zh-CN" altLang="en-US">
+                <a:latin typeface="华文中宋" panose="02010600040101010101" charset="-122"/>
+                <a:ea typeface="华文中宋" panose="02010600040101010101" charset="-122"/>
+              </a:rPr>
+              <a:t>报名助教的原因</a:t>
+            </a:r>
+            <a:endParaRPr lang="zh-CN" altLang="en-US">
+              <a:latin typeface="华文中宋" panose="02010600040101010101" charset="-122"/>
+              <a:ea typeface="华文中宋" panose="02010600040101010101" charset="-122"/>
+            </a:endParaRPr>
+          </a:p>
+          <a:p>
+            <a:pPr marL="0" indent="0">
+              <a:buNone/>
+            </a:pPr>
+            <a:r>
+              <a:rPr lang="en-US" altLang="zh-CN">
+                <a:latin typeface="华文中宋" panose="02010600040101010101" charset="-122"/>
+                <a:ea typeface="华文中宋" panose="02010600040101010101" charset="-122"/>
+              </a:rPr>
+              <a:t>- </a:t>
+            </a:r>
+            <a:r>
+              <a:rPr lang="zh-CN" altLang="en-US">
+                <a:latin typeface="华文中宋" panose="02010600040101010101" charset="-122"/>
+                <a:ea typeface="华文中宋" panose="02010600040101010101" charset="-122"/>
+              </a:rPr>
+              <a:t>我的能力定位</a:t>
+            </a:r>
+            <a:endParaRPr lang="zh-CN" altLang="en-US">
+              <a:latin typeface="华文中宋" panose="02010600040101010101" charset="-122"/>
+              <a:ea typeface="华文中宋" panose="02010600040101010101" charset="-122"/>
+            </a:endParaRPr>
+          </a:p>
+          <a:p>
+            <a:pPr marL="0" indent="0">
+              <a:buNone/>
+            </a:pPr>
+            <a:r>
+              <a:rPr lang="en-US" altLang="zh-CN">
+                <a:latin typeface="华文中宋" panose="02010600040101010101" charset="-122"/>
+                <a:ea typeface="华文中宋" panose="02010600040101010101" charset="-122"/>
+              </a:rPr>
+              <a:t>- </a:t>
+            </a:r>
+            <a:r>
+              <a:rPr lang="zh-CN" altLang="en-US">
+                <a:latin typeface="华文中宋" panose="02010600040101010101" charset="-122"/>
+                <a:ea typeface="华文中宋" panose="02010600040101010101" charset="-122"/>
+              </a:rPr>
+              <a:t>我的对助教职责的认识</a:t>
+            </a:r>
             <a:endParaRPr lang="zh-CN" altLang="en-US">
               <a:latin typeface="华文中宋" panose="02010600040101010101" charset="-122"/>
               <a:ea typeface="华文中宋" panose="02010600040101010101" charset="-122"/>
@@ -4530,7 +5569,7 @@
 </p:sld>
 </file>
 
-<file path=ppt/slides/slide3.xml><?xml version="1.0" encoding="utf-8"?>
+<file path=ppt/slides/slide20.xml><?xml version="1.0" encoding="utf-8"?>
 <p:sld xmlns:a="http://schemas.openxmlformats.org/drawingml/2006/main" xmlns:r="http://schemas.openxmlformats.org/officeDocument/2006/relationships" xmlns:p="http://schemas.openxmlformats.org/presentationml/2006/main">
   <p:cSld>
     <p:spTree>
@@ -4558,8 +5597,9 @@
               <a:rPr lang="zh-CN" altLang="en-US">
                 <a:latin typeface="华文中宋" panose="02010600040101010101" charset="-122"/>
                 <a:ea typeface="华文中宋" panose="02010600040101010101" charset="-122"/>
-              </a:rPr>
-              <a:t>小班课基本信息</a:t>
+                <a:sym typeface="+mn-ea"/>
+              </a:rPr>
+              <a:t>其他问题</a:t>
             </a:r>
             <a:endParaRPr lang="zh-CN" altLang="en-US">
               <a:latin typeface="华文中宋" panose="02010600040101010101" charset="-122"/>
@@ -4578,113 +5618,21 @@
             <p:ph idx="1"/>
           </p:nvPr>
         </p:nvSpPr>
-        <p:spPr/>
-        <p:txBody>
-          <a:bodyPr/>
-          <a:p>
-            <a:pPr marL="0" indent="0">
-              <a:buNone/>
-            </a:pPr>
-            <a:r>
-              <a:rPr lang="zh-CN" altLang="en-US">
-                <a:latin typeface="华文中宋" panose="02010600040101010101" charset="-122"/>
-                <a:ea typeface="华文中宋" panose="02010600040101010101" charset="-122"/>
-                <a:cs typeface="华文中宋" panose="02010600040101010101" charset="-122"/>
-              </a:rPr>
-              <a:t>小班编号：？</a:t>
-            </a:r>
-            <a:r>
-              <a:rPr lang="en-US" altLang="zh-CN">
-                <a:latin typeface="华文中宋" panose="02010600040101010101" charset="-122"/>
-                <a:ea typeface="华文中宋" panose="02010600040101010101" charset="-122"/>
-                <a:cs typeface="华文中宋" panose="02010600040101010101" charset="-122"/>
-              </a:rPr>
-              <a:t> </a:t>
-            </a:r>
-            <a:endParaRPr lang="en-US" altLang="zh-CN">
-              <a:latin typeface="华文中宋" panose="02010600040101010101" charset="-122"/>
-              <a:ea typeface="华文中宋" panose="02010600040101010101" charset="-122"/>
-              <a:cs typeface="华文中宋" panose="02010600040101010101" charset="-122"/>
-            </a:endParaRPr>
-          </a:p>
-          <a:p>
-            <a:pPr marL="0" indent="0">
-              <a:buNone/>
-            </a:pPr>
-            <a:r>
-              <a:rPr lang="zh-CN" altLang="en-US">
-                <a:latin typeface="华文中宋" panose="02010600040101010101" charset="-122"/>
-                <a:ea typeface="华文中宋" panose="02010600040101010101" charset="-122"/>
-                <a:cs typeface="华文中宋" panose="02010600040101010101" charset="-122"/>
-              </a:rPr>
-              <a:t>助教姓名：刘梓安</a:t>
-            </a:r>
-            <a:endParaRPr lang="zh-CN" altLang="en-US">
-              <a:latin typeface="华文中宋" panose="02010600040101010101" charset="-122"/>
-              <a:ea typeface="华文中宋" panose="02010600040101010101" charset="-122"/>
-              <a:cs typeface="华文中宋" panose="02010600040101010101" charset="-122"/>
-            </a:endParaRPr>
-          </a:p>
-          <a:p>
-            <a:pPr marL="0" indent="0">
-              <a:buNone/>
-            </a:pPr>
-            <a:r>
-              <a:rPr lang="zh-CN" altLang="en-US">
-                <a:latin typeface="华文中宋" panose="02010600040101010101" charset="-122"/>
-                <a:ea typeface="华文中宋" panose="02010600040101010101" charset="-122"/>
-                <a:cs typeface="华文中宋" panose="02010600040101010101" charset="-122"/>
-              </a:rPr>
-              <a:t>原则上因故缺席需要请假</a:t>
-            </a:r>
-            <a:endParaRPr lang="zh-CN" altLang="en-US">
-              <a:latin typeface="华文中宋" panose="02010600040101010101" charset="-122"/>
-              <a:ea typeface="华文中宋" panose="02010600040101010101" charset="-122"/>
-              <a:cs typeface="华文中宋" panose="02010600040101010101" charset="-122"/>
-            </a:endParaRPr>
-          </a:p>
-          <a:p>
-            <a:pPr marL="0" indent="0">
-              <a:buNone/>
-            </a:pPr>
-            <a:r>
-              <a:rPr lang="zh-CN" altLang="en-US">
-                <a:latin typeface="华文中宋" panose="02010600040101010101" charset="-122"/>
-                <a:ea typeface="华文中宋" panose="02010600040101010101" charset="-122"/>
-                <a:cs typeface="华文中宋" panose="02010600040101010101" charset="-122"/>
-              </a:rPr>
-              <a:t>总评中</a:t>
-            </a:r>
-            <a:r>
-              <a:rPr lang="en-US" altLang="zh-CN">
-                <a:latin typeface="华文中宋" panose="02010600040101010101" charset="-122"/>
-                <a:ea typeface="华文中宋" panose="02010600040101010101" charset="-122"/>
-                <a:cs typeface="华文中宋" panose="02010600040101010101" charset="-122"/>
-              </a:rPr>
-              <a:t>15%</a:t>
-            </a:r>
-            <a:r>
-              <a:rPr lang="zh-CN" altLang="en-US">
-                <a:latin typeface="华文中宋" panose="02010600040101010101" charset="-122"/>
-                <a:ea typeface="华文中宋" panose="02010600040101010101" charset="-122"/>
-                <a:cs typeface="华文中宋" panose="02010600040101010101" charset="-122"/>
-              </a:rPr>
-              <a:t>（？）由小班助教评分</a:t>
-            </a:r>
-            <a:endParaRPr lang="zh-CN" altLang="en-US">
-              <a:latin typeface="华文中宋" panose="02010600040101010101" charset="-122"/>
-              <a:ea typeface="华文中宋" panose="02010600040101010101" charset="-122"/>
-              <a:cs typeface="华文中宋" panose="02010600040101010101" charset="-122"/>
-            </a:endParaRPr>
-          </a:p>
-          <a:p>
-            <a:pPr marL="0" indent="0">
-              <a:buNone/>
-            </a:pPr>
-            <a:endParaRPr lang="zh-CN" altLang="en-US">
-              <a:latin typeface="华文中宋" panose="02010600040101010101" charset="-122"/>
-              <a:ea typeface="华文中宋" panose="02010600040101010101" charset="-122"/>
-              <a:cs typeface="华文中宋" panose="02010600040101010101" charset="-122"/>
+        <p:spPr>
+          <a:xfrm>
+            <a:off x="838200" y="1825625"/>
+            <a:ext cx="10813415" cy="4351655"/>
+          </a:xfrm>
+        </p:spPr>
+        <p:txBody>
+          <a:bodyPr/>
+          <a:p>
+            <a:pPr marL="0" indent="0">
+              <a:buNone/>
+            </a:pPr>
+            <a:endParaRPr lang="zh-CN" altLang="en-US">
+              <a:latin typeface="华文中宋" panose="02010600040101010101" charset="-122"/>
+              <a:ea typeface="华文中宋" panose="02010600040101010101" charset="-122"/>
             </a:endParaRPr>
           </a:p>
         </p:txBody>
@@ -4697,7 +5645,7 @@
 </p:sld>
 </file>
 
-<file path=ppt/slides/slide4.xml><?xml version="1.0" encoding="utf-8"?>
+<file path=ppt/slides/slide21.xml><?xml version="1.0" encoding="utf-8"?>
 <p:sld xmlns:a="http://schemas.openxmlformats.org/drawingml/2006/main" xmlns:r="http://schemas.openxmlformats.org/officeDocument/2006/relationships" xmlns:p="http://schemas.openxmlformats.org/presentationml/2006/main">
   <p:cSld>
     <p:spTree>
@@ -4725,8 +5673,9 @@
               <a:rPr lang="zh-CN" altLang="en-US">
                 <a:latin typeface="华文中宋" panose="02010600040101010101" charset="-122"/>
                 <a:ea typeface="华文中宋" panose="02010600040101010101" charset="-122"/>
-              </a:rPr>
-              <a:t>自我介绍</a:t>
+                <a:sym typeface="+mn-ea"/>
+              </a:rPr>
+              <a:t>创建云主机</a:t>
             </a:r>
             <a:endParaRPr lang="zh-CN" altLang="en-US">
               <a:latin typeface="华文中宋" panose="02010600040101010101" charset="-122"/>
@@ -4745,135 +5694,60 @@
             <p:ph idx="1"/>
           </p:nvPr>
         </p:nvSpPr>
-        <p:spPr/>
-        <p:txBody>
-          <a:bodyPr/>
-          <a:p>
-            <a:pPr marL="0" indent="0">
-              <a:buNone/>
-            </a:pPr>
-            <a:r>
-              <a:rPr lang="zh-CN" altLang="en-US">
-                <a:latin typeface="华文中宋" panose="02010600040101010101" charset="-122"/>
-                <a:ea typeface="华文中宋" panose="02010600040101010101" charset="-122"/>
-                <a:cs typeface="华文中宋" panose="02010600040101010101" charset="-122"/>
-              </a:rPr>
-              <a:t>助教</a:t>
-            </a:r>
+        <p:spPr>
+          <a:xfrm>
+            <a:off x="838200" y="1825625"/>
+            <a:ext cx="10813415" cy="4351655"/>
+          </a:xfrm>
+        </p:spPr>
+        <p:txBody>
+          <a:bodyPr/>
+          <a:p>
+            <a:pPr marL="0" indent="0">
+              <a:buNone/>
+            </a:pPr>
             <a:r>
               <a:rPr lang="en-US" altLang="zh-CN">
                 <a:latin typeface="华文中宋" panose="02010600040101010101" charset="-122"/>
                 <a:ea typeface="华文中宋" panose="02010600040101010101" charset="-122"/>
-                <a:cs typeface="华文中宋" panose="02010600040101010101" charset="-122"/>
-              </a:rPr>
-              <a:t> </a:t>
-            </a:r>
-            <a:r>
-              <a:rPr lang="zh-CN" altLang="en-US">
-                <a:latin typeface="华文中宋" panose="02010600040101010101" charset="-122"/>
-                <a:ea typeface="华文中宋" panose="02010600040101010101" charset="-122"/>
-                <a:cs typeface="华文中宋" panose="02010600040101010101" charset="-122"/>
-              </a:rPr>
-              <a:t>刘梓安</a:t>
-            </a:r>
-            <a:endParaRPr lang="zh-CN" altLang="en-US">
-              <a:latin typeface="华文中宋" panose="02010600040101010101" charset="-122"/>
-              <a:ea typeface="华文中宋" panose="02010600040101010101" charset="-122"/>
-              <a:cs typeface="华文中宋" panose="02010600040101010101" charset="-122"/>
-            </a:endParaRPr>
-          </a:p>
-          <a:p>
-            <a:pPr marL="0" indent="0">
-              <a:buNone/>
-            </a:pPr>
-            <a:r>
-              <a:rPr lang="zh-CN" altLang="en-US">
-                <a:latin typeface="华文中宋" panose="02010600040101010101" charset="-122"/>
-                <a:ea typeface="华文中宋" panose="02010600040101010101" charset="-122"/>
-                <a:cs typeface="华文中宋" panose="02010600040101010101" charset="-122"/>
-              </a:rPr>
-              <a:t>信科</a:t>
-            </a:r>
+              </a:rPr>
+              <a:t>https://clab.pku.edu.cn/</a:t>
+            </a:r>
+            <a:endParaRPr lang="en-US" altLang="zh-CN">
+              <a:latin typeface="华文中宋" panose="02010600040101010101" charset="-122"/>
+              <a:ea typeface="华文中宋" panose="02010600040101010101" charset="-122"/>
+            </a:endParaRPr>
+          </a:p>
+          <a:p>
+            <a:pPr marL="0" indent="0">
+              <a:buNone/>
+            </a:pPr>
             <a:r>
               <a:rPr lang="en-US" altLang="zh-CN">
                 <a:latin typeface="华文中宋" panose="02010600040101010101" charset="-122"/>
                 <a:ea typeface="华文中宋" panose="02010600040101010101" charset="-122"/>
-                <a:cs typeface="华文中宋" panose="02010600040101010101" charset="-122"/>
-              </a:rPr>
-              <a:t>23</a:t>
-            </a:r>
-            <a:r>
-              <a:rPr lang="zh-CN" altLang="en-US">
-                <a:latin typeface="华文中宋" panose="02010600040101010101" charset="-122"/>
-                <a:ea typeface="华文中宋" panose="02010600040101010101" charset="-122"/>
-                <a:cs typeface="华文中宋" panose="02010600040101010101" charset="-122"/>
-              </a:rPr>
-              <a:t>级</a:t>
-            </a:r>
+              </a:rPr>
+              <a:t>https://clab.pku.edu.cn/docs/getting-started/introduction</a:t>
+            </a:r>
+            <a:endParaRPr lang="en-US" altLang="zh-CN">
+              <a:latin typeface="华文中宋" panose="02010600040101010101" charset="-122"/>
+              <a:ea typeface="华文中宋" panose="02010600040101010101" charset="-122"/>
+            </a:endParaRPr>
+          </a:p>
+          <a:p>
+            <a:pPr marL="0" indent="0">
+              <a:buNone/>
+            </a:pPr>
             <a:r>
               <a:rPr lang="en-US" altLang="zh-CN">
                 <a:latin typeface="华文中宋" panose="02010600040101010101" charset="-122"/>
                 <a:ea typeface="华文中宋" panose="02010600040101010101" charset="-122"/>
-                <a:cs typeface="华文中宋" panose="02010600040101010101" charset="-122"/>
-              </a:rPr>
-              <a:t> </a:t>
-            </a:r>
-            <a:r>
-              <a:rPr lang="zh-CN" altLang="en-US">
-                <a:latin typeface="华文中宋" panose="02010600040101010101" charset="-122"/>
-                <a:ea typeface="华文中宋" panose="02010600040101010101" charset="-122"/>
-                <a:cs typeface="华文中宋" panose="02010600040101010101" charset="-122"/>
-              </a:rPr>
-              <a:t>计算机科学与技术方向</a:t>
-            </a:r>
-            <a:endParaRPr lang="zh-CN" altLang="en-US">
-              <a:latin typeface="华文中宋" panose="02010600040101010101" charset="-122"/>
-              <a:ea typeface="华文中宋" panose="02010600040101010101" charset="-122"/>
-              <a:cs typeface="华文中宋" panose="02010600040101010101" charset="-122"/>
-            </a:endParaRPr>
-          </a:p>
-          <a:p>
-            <a:pPr marL="0" indent="0">
-              <a:buNone/>
-            </a:pPr>
-            <a:r>
-              <a:rPr lang="en-US" altLang="zh-CN">
-                <a:latin typeface="华文中宋" panose="02010600040101010101" charset="-122"/>
-                <a:ea typeface="华文中宋" panose="02010600040101010101" charset="-122"/>
-                <a:cs typeface="华文中宋" panose="02010600040101010101" charset="-122"/>
-              </a:rPr>
-              <a:t>aiiaa@stu.pku.edu.cn</a:t>
+              </a:rPr>
+              <a:t>https://clab.pku.edu.cn/docs/courses/ics</a:t>
             </a:r>
             <a:endParaRPr lang="en-US" altLang="zh-CN">
               <a:latin typeface="华文中宋" panose="02010600040101010101" charset="-122"/>
               <a:ea typeface="华文中宋" panose="02010600040101010101" charset="-122"/>
-              <a:cs typeface="华文中宋" panose="02010600040101010101" charset="-122"/>
-            </a:endParaRPr>
-          </a:p>
-          <a:p>
-            <a:pPr marL="0" indent="0">
-              <a:buNone/>
-            </a:pPr>
-            <a:r>
-              <a:rPr lang="en-US" altLang="zh-CN">
-                <a:latin typeface="华文中宋" panose="02010600040101010101" charset="-122"/>
-                <a:ea typeface="华文中宋" panose="02010600040101010101" charset="-122"/>
-                <a:cs typeface="华文中宋" panose="02010600040101010101" charset="-122"/>
-              </a:rPr>
-              <a:t>15018014105</a:t>
-            </a:r>
-            <a:r>
-              <a:rPr lang="zh-CN" altLang="en-US">
-                <a:latin typeface="华文中宋" panose="02010600040101010101" charset="-122"/>
-                <a:ea typeface="华文中宋" panose="02010600040101010101" charset="-122"/>
-                <a:cs typeface="华文中宋" panose="02010600040101010101" charset="-122"/>
-              </a:rPr>
-              <a:t>（微信同号）</a:t>
-            </a:r>
-            <a:endParaRPr lang="en-US" altLang="zh-CN">
-              <a:latin typeface="华文中宋" panose="02010600040101010101" charset="-122"/>
-              <a:ea typeface="华文中宋" panose="02010600040101010101" charset="-122"/>
-              <a:cs typeface="华文中宋" panose="02010600040101010101" charset="-122"/>
             </a:endParaRPr>
           </a:p>
         </p:txBody>
@@ -4886,7 +5760,7 @@
 </p:sld>
 </file>
 
-<file path=ppt/slides/slide5.xml><?xml version="1.0" encoding="utf-8"?>
+<file path=ppt/slides/slide22.xml><?xml version="1.0" encoding="utf-8"?>
 <p:sld xmlns:a="http://schemas.openxmlformats.org/drawingml/2006/main" xmlns:r="http://schemas.openxmlformats.org/officeDocument/2006/relationships" xmlns:p="http://schemas.openxmlformats.org/presentationml/2006/main">
   <p:cSld>
     <p:spTree>
@@ -4914,8 +5788,9 @@
               <a:rPr lang="zh-CN" altLang="en-US">
                 <a:latin typeface="华文中宋" panose="02010600040101010101" charset="-122"/>
                 <a:ea typeface="华文中宋" panose="02010600040101010101" charset="-122"/>
-              </a:rPr>
-              <a:t>为什么需要小班课</a:t>
+                <a:sym typeface="+mn-ea"/>
+              </a:rPr>
+              <a:t>创建云主机</a:t>
             </a:r>
             <a:endParaRPr lang="zh-CN" altLang="en-US">
               <a:latin typeface="华文中宋" panose="02010600040101010101" charset="-122"/>
@@ -4942,26 +5817,272 @@
         </p:blipFill>
         <p:spPr>
           <a:xfrm>
-            <a:off x="1430655" y="1691005"/>
-            <a:ext cx="7343775" cy="4144645"/>
+            <a:off x="2061210" y="1464310"/>
+            <a:ext cx="7750810" cy="5130165"/>
           </a:xfrm>
           <a:prstGeom prst="rect">
             <a:avLst/>
           </a:prstGeom>
         </p:spPr>
       </p:pic>
-      <p:sp>
-        <p:nvSpPr>
-          <p:cNvPr id="8" name="内容占位符 2"/>
-          <p:cNvSpPr>
-            <a:spLocks noGrp="1"/>
-          </p:cNvSpPr>
-          <p:nvPr/>
+    </p:spTree>
+  </p:cSld>
+  <p:clrMapOvr>
+    <a:masterClrMapping/>
+  </p:clrMapOvr>
+</p:sld>
+</file>
+
+<file path=ppt/slides/slide23.xml><?xml version="1.0" encoding="utf-8"?>
+<p:sld xmlns:a="http://schemas.openxmlformats.org/drawingml/2006/main" xmlns:r="http://schemas.openxmlformats.org/officeDocument/2006/relationships" xmlns:p="http://schemas.openxmlformats.org/presentationml/2006/main">
+  <p:cSld>
+    <p:spTree>
+      <p:nvGrpSpPr>
+        <p:cNvPr id="1" name=""/>
+        <p:cNvGrpSpPr/>
+        <p:nvPr/>
+      </p:nvGrpSpPr>
+      <p:grpSpPr/>
+      <p:sp>
+        <p:nvSpPr>
+          <p:cNvPr id="2" name="标题 1"/>
+          <p:cNvSpPr>
+            <a:spLocks noGrp="1"/>
+          </p:cNvSpPr>
+          <p:nvPr>
+            <p:ph type="title"/>
+          </p:nvPr>
+        </p:nvSpPr>
+        <p:spPr/>
+        <p:txBody>
+          <a:bodyPr/>
+          <a:p>
+            <a:r>
+              <a:rPr lang="zh-CN" altLang="en-US">
+                <a:latin typeface="华文中宋" panose="02010600040101010101" charset="-122"/>
+                <a:ea typeface="华文中宋" panose="02010600040101010101" charset="-122"/>
+                <a:sym typeface="+mn-ea"/>
+              </a:rPr>
+              <a:t>创建云主机</a:t>
+            </a:r>
+            <a:endParaRPr lang="zh-CN" altLang="en-US">
+              <a:latin typeface="华文中宋" panose="02010600040101010101" charset="-122"/>
+              <a:ea typeface="华文中宋" panose="02010600040101010101" charset="-122"/>
+            </a:endParaRPr>
+          </a:p>
+        </p:txBody>
+      </p:sp>
+      <p:sp>
+        <p:nvSpPr>
+          <p:cNvPr id="3" name="内容占位符 2"/>
+          <p:cNvSpPr>
+            <a:spLocks noGrp="1"/>
+          </p:cNvSpPr>
+          <p:nvPr>
+            <p:ph idx="1"/>
+          </p:nvPr>
         </p:nvSpPr>
         <p:spPr>
           <a:xfrm>
-            <a:off x="1430655" y="6061075"/>
-            <a:ext cx="2745105" cy="409575"/>
+            <a:off x="838200" y="1825625"/>
+            <a:ext cx="10813415" cy="4351655"/>
+          </a:xfrm>
+        </p:spPr>
+        <p:txBody>
+          <a:bodyPr/>
+          <a:p>
+            <a:pPr marL="0" indent="0">
+              <a:buNone/>
+            </a:pPr>
+            <a:endParaRPr lang="en-US" altLang="zh-CN">
+              <a:latin typeface="华文中宋" panose="02010600040101010101" charset="-122"/>
+              <a:ea typeface="华文中宋" panose="02010600040101010101" charset="-122"/>
+            </a:endParaRPr>
+          </a:p>
+        </p:txBody>
+      </p:sp>
+      <p:pic>
+        <p:nvPicPr>
+          <p:cNvPr id="4" name="图片 3"/>
+          <p:cNvPicPr>
+            <a:picLocks noChangeAspect="1"/>
+          </p:cNvPicPr>
+          <p:nvPr/>
+        </p:nvPicPr>
+        <p:blipFill>
+          <a:blip r:embed="rId1"/>
+          <a:stretch>
+            <a:fillRect/>
+          </a:stretch>
+        </p:blipFill>
+        <p:spPr>
+          <a:xfrm>
+            <a:off x="1517650" y="1638300"/>
+            <a:ext cx="8801100" cy="4257675"/>
+          </a:xfrm>
+          <a:prstGeom prst="rect">
+            <a:avLst/>
+          </a:prstGeom>
+        </p:spPr>
+      </p:pic>
+    </p:spTree>
+  </p:cSld>
+  <p:clrMapOvr>
+    <a:masterClrMapping/>
+  </p:clrMapOvr>
+</p:sld>
+</file>
+
+<file path=ppt/slides/slide24.xml><?xml version="1.0" encoding="utf-8"?>
+<p:sld xmlns:a="http://schemas.openxmlformats.org/drawingml/2006/main" xmlns:r="http://schemas.openxmlformats.org/officeDocument/2006/relationships" xmlns:p="http://schemas.openxmlformats.org/presentationml/2006/main">
+  <p:cSld>
+    <p:spTree>
+      <p:nvGrpSpPr>
+        <p:cNvPr id="1" name=""/>
+        <p:cNvGrpSpPr/>
+        <p:nvPr/>
+      </p:nvGrpSpPr>
+      <p:grpSpPr/>
+      <p:sp>
+        <p:nvSpPr>
+          <p:cNvPr id="2" name="标题 1"/>
+          <p:cNvSpPr>
+            <a:spLocks noGrp="1"/>
+          </p:cNvSpPr>
+          <p:nvPr>
+            <p:ph type="title"/>
+          </p:nvPr>
+        </p:nvSpPr>
+        <p:spPr/>
+        <p:txBody>
+          <a:bodyPr/>
+          <a:p>
+            <a:r>
+              <a:rPr lang="zh-CN" altLang="en-US">
+                <a:latin typeface="华文中宋" panose="02010600040101010101" charset="-122"/>
+                <a:ea typeface="华文中宋" panose="02010600040101010101" charset="-122"/>
+                <a:sym typeface="+mn-ea"/>
+              </a:rPr>
+              <a:t>创建云主机</a:t>
+            </a:r>
+            <a:endParaRPr lang="zh-CN" altLang="en-US">
+              <a:latin typeface="华文中宋" panose="02010600040101010101" charset="-122"/>
+              <a:ea typeface="华文中宋" panose="02010600040101010101" charset="-122"/>
+            </a:endParaRPr>
+          </a:p>
+        </p:txBody>
+      </p:sp>
+      <p:pic>
+        <p:nvPicPr>
+          <p:cNvPr id="4" name="内容占位符 3"/>
+          <p:cNvPicPr>
+            <a:picLocks noChangeAspect="1"/>
+          </p:cNvPicPr>
+          <p:nvPr>
+            <p:ph idx="1"/>
+          </p:nvPr>
+        </p:nvPicPr>
+        <p:blipFill>
+          <a:blip r:embed="rId1"/>
+          <a:stretch>
+            <a:fillRect/>
+          </a:stretch>
+        </p:blipFill>
+        <p:spPr>
+          <a:xfrm>
+            <a:off x="1207135" y="1633855"/>
+            <a:ext cx="9595485" cy="3810000"/>
+          </a:xfrm>
+          <a:prstGeom prst="rect">
+            <a:avLst/>
+          </a:prstGeom>
+        </p:spPr>
+      </p:pic>
+    </p:spTree>
+  </p:cSld>
+  <p:clrMapOvr>
+    <a:masterClrMapping/>
+  </p:clrMapOvr>
+</p:sld>
+</file>
+
+<file path=ppt/slides/slide25.xml><?xml version="1.0" encoding="utf-8"?>
+<p:sld xmlns:a="http://schemas.openxmlformats.org/drawingml/2006/main" xmlns:r="http://schemas.openxmlformats.org/officeDocument/2006/relationships" xmlns:p="http://schemas.openxmlformats.org/presentationml/2006/main">
+  <p:cSld>
+    <p:spTree>
+      <p:nvGrpSpPr>
+        <p:cNvPr id="1" name=""/>
+        <p:cNvGrpSpPr/>
+        <p:nvPr/>
+      </p:nvGrpSpPr>
+      <p:grpSpPr/>
+      <p:sp>
+        <p:nvSpPr>
+          <p:cNvPr id="2" name="标题 1"/>
+          <p:cNvSpPr>
+            <a:spLocks noGrp="1"/>
+          </p:cNvSpPr>
+          <p:nvPr>
+            <p:ph type="title"/>
+          </p:nvPr>
+        </p:nvSpPr>
+        <p:spPr/>
+        <p:txBody>
+          <a:bodyPr/>
+          <a:p>
+            <a:r>
+              <a:rPr lang="zh-CN" altLang="en-US">
+                <a:latin typeface="华文中宋" panose="02010600040101010101" charset="-122"/>
+                <a:ea typeface="华文中宋" panose="02010600040101010101" charset="-122"/>
+                <a:sym typeface="+mn-ea"/>
+              </a:rPr>
+              <a:t>创建云主机</a:t>
+            </a:r>
+            <a:endParaRPr lang="zh-CN" altLang="en-US">
+              <a:latin typeface="华文中宋" panose="02010600040101010101" charset="-122"/>
+              <a:ea typeface="华文中宋" panose="02010600040101010101" charset="-122"/>
+            </a:endParaRPr>
+          </a:p>
+        </p:txBody>
+      </p:sp>
+      <p:pic>
+        <p:nvPicPr>
+          <p:cNvPr id="4" name="内容占位符 3"/>
+          <p:cNvPicPr>
+            <a:picLocks noChangeAspect="1"/>
+          </p:cNvPicPr>
+          <p:nvPr>
+            <p:ph idx="1"/>
+          </p:nvPr>
+        </p:nvPicPr>
+        <p:blipFill>
+          <a:blip r:embed="rId1"/>
+          <a:stretch>
+            <a:fillRect/>
+          </a:stretch>
+        </p:blipFill>
+        <p:spPr>
+          <a:xfrm>
+            <a:off x="1255395" y="1691005"/>
+            <a:ext cx="9497695" cy="4351655"/>
+          </a:xfrm>
+          <a:prstGeom prst="rect">
+            <a:avLst/>
+          </a:prstGeom>
+        </p:spPr>
+      </p:pic>
+      <p:sp>
+        <p:nvSpPr>
+          <p:cNvPr id="8" name="内容占位符 2"/>
+          <p:cNvSpPr>
+            <a:spLocks noGrp="1"/>
+          </p:cNvSpPr>
+          <p:nvPr/>
+        </p:nvSpPr>
+        <p:spPr>
+          <a:xfrm>
+            <a:off x="1392555" y="6106160"/>
+            <a:ext cx="3141345" cy="452120"/>
           </a:xfrm>
           <a:prstGeom prst="rect">
             <a:avLst/>
@@ -5141,13 +6262,3194 @@
             </a:pPr>
             <a:r>
               <a:rPr lang="zh-CN" sz="2000">
+                <a:solidFill>
+                  <a:srgbClr val="FF0000"/>
+                </a:solidFill>
+                <a:highlight>
+                  <a:srgbClr val="FFFF00"/>
+                </a:highlight>
                 <a:latin typeface="华文中宋" panose="02010600040101010101" charset="-122"/>
                 <a:ea typeface="华文中宋" panose="02010600040101010101" charset="-122"/>
                 <a:cs typeface="华文中宋" panose="02010600040101010101" charset="-122"/>
               </a:rPr>
-              <a:t>注：不代表本人观点</a:t>
-            </a:r>
-            <a:endParaRPr lang="zh-CN" sz="2000">
+              <a:t>注：</a:t>
+            </a:r>
+            <a:r>
+              <a:rPr lang="en-US" altLang="zh-CN" sz="2000">
+                <a:solidFill>
+                  <a:srgbClr val="FF0000"/>
+                </a:solidFill>
+                <a:highlight>
+                  <a:srgbClr val="FFFF00"/>
+                </a:highlight>
+                <a:latin typeface="华文中宋" panose="02010600040101010101" charset="-122"/>
+                <a:ea typeface="华文中宋" panose="02010600040101010101" charset="-122"/>
+                <a:cs typeface="华文中宋" panose="02010600040101010101" charset="-122"/>
+              </a:rPr>
+              <a:t>P4</a:t>
+            </a:r>
+            <a:r>
+              <a:rPr lang="zh-CN" altLang="en-US" sz="2000">
+                <a:solidFill>
+                  <a:srgbClr val="FF0000"/>
+                </a:solidFill>
+                <a:highlight>
+                  <a:srgbClr val="FFFF00"/>
+                </a:highlight>
+                <a:latin typeface="华文中宋" panose="02010600040101010101" charset="-122"/>
+                <a:ea typeface="华文中宋" panose="02010600040101010101" charset="-122"/>
+                <a:cs typeface="华文中宋" panose="02010600040101010101" charset="-122"/>
+              </a:rPr>
+              <a:t>（</a:t>
+            </a:r>
+            <a:r>
+              <a:rPr lang="en-US" altLang="zh-CN" sz="2000">
+                <a:solidFill>
+                  <a:srgbClr val="FF0000"/>
+                </a:solidFill>
+                <a:highlight>
+                  <a:srgbClr val="FFFF00"/>
+                </a:highlight>
+                <a:latin typeface="华文中宋" panose="02010600040101010101" charset="-122"/>
+                <a:ea typeface="华文中宋" panose="02010600040101010101" charset="-122"/>
+                <a:cs typeface="华文中宋" panose="02010600040101010101" charset="-122"/>
+              </a:rPr>
+              <a:t>4C4G</a:t>
+            </a:r>
+            <a:r>
+              <a:rPr lang="zh-CN" altLang="en-US" sz="2000">
+                <a:solidFill>
+                  <a:srgbClr val="FF0000"/>
+                </a:solidFill>
+                <a:highlight>
+                  <a:srgbClr val="FFFF00"/>
+                </a:highlight>
+                <a:latin typeface="华文中宋" panose="02010600040101010101" charset="-122"/>
+                <a:ea typeface="华文中宋" panose="02010600040101010101" charset="-122"/>
+                <a:cs typeface="华文中宋" panose="02010600040101010101" charset="-122"/>
+              </a:rPr>
+              <a:t>）</a:t>
+            </a:r>
+            <a:endParaRPr lang="zh-CN" altLang="en-US" sz="2000">
+              <a:solidFill>
+                <a:srgbClr val="FF0000"/>
+              </a:solidFill>
+              <a:highlight>
+                <a:srgbClr val="FFFF00"/>
+              </a:highlight>
+              <a:latin typeface="华文中宋" panose="02010600040101010101" charset="-122"/>
+              <a:ea typeface="华文中宋" panose="02010600040101010101" charset="-122"/>
+              <a:cs typeface="华文中宋" panose="02010600040101010101" charset="-122"/>
+            </a:endParaRPr>
+          </a:p>
+        </p:txBody>
+      </p:sp>
+    </p:spTree>
+  </p:cSld>
+  <p:clrMapOvr>
+    <a:masterClrMapping/>
+  </p:clrMapOvr>
+</p:sld>
+</file>
+
+<file path=ppt/slides/slide26.xml><?xml version="1.0" encoding="utf-8"?>
+<p:sld xmlns:a="http://schemas.openxmlformats.org/drawingml/2006/main" xmlns:r="http://schemas.openxmlformats.org/officeDocument/2006/relationships" xmlns:p="http://schemas.openxmlformats.org/presentationml/2006/main">
+  <p:cSld>
+    <p:spTree>
+      <p:nvGrpSpPr>
+        <p:cNvPr id="1" name=""/>
+        <p:cNvGrpSpPr/>
+        <p:nvPr/>
+      </p:nvGrpSpPr>
+      <p:grpSpPr/>
+      <p:sp>
+        <p:nvSpPr>
+          <p:cNvPr id="2" name="标题 1"/>
+          <p:cNvSpPr>
+            <a:spLocks noGrp="1"/>
+          </p:cNvSpPr>
+          <p:nvPr>
+            <p:ph type="title"/>
+          </p:nvPr>
+        </p:nvSpPr>
+        <p:spPr/>
+        <p:txBody>
+          <a:bodyPr/>
+          <a:p>
+            <a:r>
+              <a:rPr lang="zh-CN" altLang="en-US">
+                <a:latin typeface="华文中宋" panose="02010600040101010101" charset="-122"/>
+                <a:ea typeface="华文中宋" panose="02010600040101010101" charset="-122"/>
+                <a:sym typeface="+mn-ea"/>
+              </a:rPr>
+              <a:t>创建云主机</a:t>
+            </a:r>
+            <a:endParaRPr lang="zh-CN" altLang="en-US">
+              <a:latin typeface="华文中宋" panose="02010600040101010101" charset="-122"/>
+              <a:ea typeface="华文中宋" panose="02010600040101010101" charset="-122"/>
+            </a:endParaRPr>
+          </a:p>
+        </p:txBody>
+      </p:sp>
+      <p:pic>
+        <p:nvPicPr>
+          <p:cNvPr id="4" name="内容占位符 3"/>
+          <p:cNvPicPr>
+            <a:picLocks noChangeAspect="1"/>
+          </p:cNvPicPr>
+          <p:nvPr>
+            <p:ph idx="1"/>
+          </p:nvPr>
+        </p:nvPicPr>
+        <p:blipFill>
+          <a:blip r:embed="rId1"/>
+          <a:stretch>
+            <a:fillRect/>
+          </a:stretch>
+        </p:blipFill>
+        <p:spPr>
+          <a:xfrm>
+            <a:off x="1382395" y="1619250"/>
+            <a:ext cx="9426575" cy="4351655"/>
+          </a:xfrm>
+          <a:prstGeom prst="rect">
+            <a:avLst/>
+          </a:prstGeom>
+        </p:spPr>
+      </p:pic>
+    </p:spTree>
+  </p:cSld>
+  <p:clrMapOvr>
+    <a:masterClrMapping/>
+  </p:clrMapOvr>
+</p:sld>
+</file>
+
+<file path=ppt/slides/slide27.xml><?xml version="1.0" encoding="utf-8"?>
+<p:sld xmlns:a="http://schemas.openxmlformats.org/drawingml/2006/main" xmlns:r="http://schemas.openxmlformats.org/officeDocument/2006/relationships" xmlns:p="http://schemas.openxmlformats.org/presentationml/2006/main">
+  <p:cSld>
+    <p:spTree>
+      <p:nvGrpSpPr>
+        <p:cNvPr id="1" name=""/>
+        <p:cNvGrpSpPr/>
+        <p:nvPr/>
+      </p:nvGrpSpPr>
+      <p:grpSpPr/>
+      <p:sp>
+        <p:nvSpPr>
+          <p:cNvPr id="2" name="标题 1"/>
+          <p:cNvSpPr>
+            <a:spLocks noGrp="1"/>
+          </p:cNvSpPr>
+          <p:nvPr>
+            <p:ph type="title"/>
+          </p:nvPr>
+        </p:nvSpPr>
+        <p:spPr/>
+        <p:txBody>
+          <a:bodyPr/>
+          <a:p>
+            <a:r>
+              <a:rPr lang="zh-CN" altLang="en-US">
+                <a:latin typeface="华文中宋" panose="02010600040101010101" charset="-122"/>
+                <a:ea typeface="华文中宋" panose="02010600040101010101" charset="-122"/>
+                <a:sym typeface="+mn-ea"/>
+              </a:rPr>
+              <a:t>创建云主机</a:t>
+            </a:r>
+            <a:endParaRPr lang="zh-CN" altLang="en-US">
+              <a:latin typeface="华文中宋" panose="02010600040101010101" charset="-122"/>
+              <a:ea typeface="华文中宋" panose="02010600040101010101" charset="-122"/>
+            </a:endParaRPr>
+          </a:p>
+        </p:txBody>
+      </p:sp>
+      <p:pic>
+        <p:nvPicPr>
+          <p:cNvPr id="4" name="内容占位符 3"/>
+          <p:cNvPicPr>
+            <a:picLocks noChangeAspect="1"/>
+          </p:cNvPicPr>
+          <p:nvPr>
+            <p:ph idx="1"/>
+          </p:nvPr>
+        </p:nvPicPr>
+        <p:blipFill>
+          <a:blip r:embed="rId1"/>
+          <a:stretch>
+            <a:fillRect/>
+          </a:stretch>
+        </p:blipFill>
+        <p:spPr>
+          <a:xfrm>
+            <a:off x="1208405" y="1691005"/>
+            <a:ext cx="9775190" cy="1821180"/>
+          </a:xfrm>
+          <a:prstGeom prst="rect">
+            <a:avLst/>
+          </a:prstGeom>
+        </p:spPr>
+      </p:pic>
+      <p:sp>
+        <p:nvSpPr>
+          <p:cNvPr id="8" name="内容占位符 2"/>
+          <p:cNvSpPr>
+            <a:spLocks noGrp="1"/>
+          </p:cNvSpPr>
+          <p:nvPr/>
+        </p:nvSpPr>
+        <p:spPr>
+          <a:xfrm>
+            <a:off x="1392555" y="4528185"/>
+            <a:ext cx="3141345" cy="452120"/>
+          </a:xfrm>
+          <a:prstGeom prst="rect">
+            <a:avLst/>
+          </a:prstGeom>
+        </p:spPr>
+        <p:txBody>
+          <a:bodyPr vert="horz" lIns="91440" tIns="45720" rIns="91440" bIns="45720" rtlCol="0">
+            <a:normAutofit/>
+          </a:bodyPr>
+          <a:lstStyle>
+            <a:lvl1pPr marL="228600" indent="-228600" algn="l" defTabSz="914400" rtl="0" eaLnBrk="1" latinLnBrk="0" hangingPunct="1">
+              <a:lnSpc>
+                <a:spcPct val="90000"/>
+              </a:lnSpc>
+              <a:spcBef>
+                <a:spcPts val="1000"/>
+              </a:spcBef>
+              <a:buFont typeface="Arial" panose="020B0604020202020204" pitchFamily="34" charset="0"/>
+              <a:buChar char="•"/>
+              <a:defRPr sz="2800" kern="1200">
+                <a:solidFill>
+                  <a:schemeClr val="tx1"/>
+                </a:solidFill>
+                <a:latin typeface="+mn-lt"/>
+                <a:ea typeface="+mn-ea"/>
+                <a:cs typeface="+mn-cs"/>
+              </a:defRPr>
+            </a:lvl1pPr>
+            <a:lvl2pPr marL="685800" indent="-228600" algn="l" defTabSz="914400" rtl="0" eaLnBrk="1" latinLnBrk="0" hangingPunct="1">
+              <a:lnSpc>
+                <a:spcPct val="90000"/>
+              </a:lnSpc>
+              <a:spcBef>
+                <a:spcPts val="500"/>
+              </a:spcBef>
+              <a:buFont typeface="Arial" panose="020B0604020202020204" pitchFamily="34" charset="0"/>
+              <a:buChar char="•"/>
+              <a:defRPr sz="2400" kern="1200">
+                <a:solidFill>
+                  <a:schemeClr val="tx1"/>
+                </a:solidFill>
+                <a:latin typeface="+mn-lt"/>
+                <a:ea typeface="+mn-ea"/>
+                <a:cs typeface="+mn-cs"/>
+              </a:defRPr>
+            </a:lvl2pPr>
+            <a:lvl3pPr marL="1143000" indent="-228600" algn="l" defTabSz="914400" rtl="0" eaLnBrk="1" latinLnBrk="0" hangingPunct="1">
+              <a:lnSpc>
+                <a:spcPct val="90000"/>
+              </a:lnSpc>
+              <a:spcBef>
+                <a:spcPts val="500"/>
+              </a:spcBef>
+              <a:buFont typeface="Arial" panose="020B0604020202020204" pitchFamily="34" charset="0"/>
+              <a:buChar char="•"/>
+              <a:defRPr sz="2000" kern="1200">
+                <a:solidFill>
+                  <a:schemeClr val="tx1"/>
+                </a:solidFill>
+                <a:latin typeface="+mn-lt"/>
+                <a:ea typeface="+mn-ea"/>
+                <a:cs typeface="+mn-cs"/>
+              </a:defRPr>
+            </a:lvl3pPr>
+            <a:lvl4pPr marL="1600200" indent="-228600" algn="l" defTabSz="914400" rtl="0" eaLnBrk="1" latinLnBrk="0" hangingPunct="1">
+              <a:lnSpc>
+                <a:spcPct val="90000"/>
+              </a:lnSpc>
+              <a:spcBef>
+                <a:spcPts val="500"/>
+              </a:spcBef>
+              <a:buFont typeface="Arial" panose="020B0604020202020204" pitchFamily="34" charset="0"/>
+              <a:buChar char="•"/>
+              <a:defRPr sz="1800" kern="1200">
+                <a:solidFill>
+                  <a:schemeClr val="tx1"/>
+                </a:solidFill>
+                <a:latin typeface="+mn-lt"/>
+                <a:ea typeface="+mn-ea"/>
+                <a:cs typeface="+mn-cs"/>
+              </a:defRPr>
+            </a:lvl4pPr>
+            <a:lvl5pPr marL="2057400" indent="-228600" algn="l" defTabSz="914400" rtl="0" eaLnBrk="1" latinLnBrk="0" hangingPunct="1">
+              <a:lnSpc>
+                <a:spcPct val="90000"/>
+              </a:lnSpc>
+              <a:spcBef>
+                <a:spcPts val="500"/>
+              </a:spcBef>
+              <a:buFont typeface="Arial" panose="020B0604020202020204" pitchFamily="34" charset="0"/>
+              <a:buChar char="•"/>
+              <a:defRPr sz="1800" kern="1200">
+                <a:solidFill>
+                  <a:schemeClr val="tx1"/>
+                </a:solidFill>
+                <a:latin typeface="+mn-lt"/>
+                <a:ea typeface="+mn-ea"/>
+                <a:cs typeface="+mn-cs"/>
+              </a:defRPr>
+            </a:lvl5pPr>
+            <a:lvl6pPr marL="2514600" indent="-228600" algn="l" defTabSz="914400" rtl="0" eaLnBrk="1" latinLnBrk="0" hangingPunct="1">
+              <a:lnSpc>
+                <a:spcPct val="90000"/>
+              </a:lnSpc>
+              <a:spcBef>
+                <a:spcPts val="500"/>
+              </a:spcBef>
+              <a:buFont typeface="Arial" panose="020B0604020202020204" pitchFamily="34" charset="0"/>
+              <a:buChar char="•"/>
+              <a:defRPr sz="1800" kern="1200">
+                <a:solidFill>
+                  <a:schemeClr val="tx1"/>
+                </a:solidFill>
+                <a:latin typeface="+mn-lt"/>
+                <a:ea typeface="+mn-ea"/>
+                <a:cs typeface="+mn-cs"/>
+              </a:defRPr>
+            </a:lvl6pPr>
+            <a:lvl7pPr marL="2971800" indent="-228600" algn="l" defTabSz="914400" rtl="0" eaLnBrk="1" latinLnBrk="0" hangingPunct="1">
+              <a:lnSpc>
+                <a:spcPct val="90000"/>
+              </a:lnSpc>
+              <a:spcBef>
+                <a:spcPts val="500"/>
+              </a:spcBef>
+              <a:buFont typeface="Arial" panose="020B0604020202020204" pitchFamily="34" charset="0"/>
+              <a:buChar char="•"/>
+              <a:defRPr sz="1800" kern="1200">
+                <a:solidFill>
+                  <a:schemeClr val="tx1"/>
+                </a:solidFill>
+                <a:latin typeface="+mn-lt"/>
+                <a:ea typeface="+mn-ea"/>
+                <a:cs typeface="+mn-cs"/>
+              </a:defRPr>
+            </a:lvl7pPr>
+            <a:lvl8pPr marL="3429000" indent="-228600" algn="l" defTabSz="914400" rtl="0" eaLnBrk="1" latinLnBrk="0" hangingPunct="1">
+              <a:lnSpc>
+                <a:spcPct val="90000"/>
+              </a:lnSpc>
+              <a:spcBef>
+                <a:spcPts val="500"/>
+              </a:spcBef>
+              <a:buFont typeface="Arial" panose="020B0604020202020204" pitchFamily="34" charset="0"/>
+              <a:buChar char="•"/>
+              <a:defRPr sz="1800" kern="1200">
+                <a:solidFill>
+                  <a:schemeClr val="tx1"/>
+                </a:solidFill>
+                <a:latin typeface="+mn-lt"/>
+                <a:ea typeface="+mn-ea"/>
+                <a:cs typeface="+mn-cs"/>
+              </a:defRPr>
+            </a:lvl8pPr>
+            <a:lvl9pPr marL="3886200" indent="-228600" algn="l" defTabSz="914400" rtl="0" eaLnBrk="1" latinLnBrk="0" hangingPunct="1">
+              <a:lnSpc>
+                <a:spcPct val="90000"/>
+              </a:lnSpc>
+              <a:spcBef>
+                <a:spcPts val="500"/>
+              </a:spcBef>
+              <a:buFont typeface="Arial" panose="020B0604020202020204" pitchFamily="34" charset="0"/>
+              <a:buChar char="•"/>
+              <a:defRPr sz="1800" kern="1200">
+                <a:solidFill>
+                  <a:schemeClr val="tx1"/>
+                </a:solidFill>
+                <a:latin typeface="+mn-lt"/>
+                <a:ea typeface="+mn-ea"/>
+                <a:cs typeface="+mn-cs"/>
+              </a:defRPr>
+            </a:lvl9pPr>
+          </a:lstStyle>
+          <a:p>
+            <a:pPr marL="0" indent="0">
+              <a:buNone/>
+            </a:pPr>
+            <a:r>
+              <a:rPr lang="zh-CN" sz="2000">
+                <a:solidFill>
+                  <a:srgbClr val="FF0000"/>
+                </a:solidFill>
+                <a:highlight>
+                  <a:srgbClr val="FFFF00"/>
+                </a:highlight>
+                <a:latin typeface="华文中宋" panose="02010600040101010101" charset="-122"/>
+                <a:ea typeface="华文中宋" panose="02010600040101010101" charset="-122"/>
+                <a:cs typeface="华文中宋" panose="02010600040101010101" charset="-122"/>
+              </a:rPr>
+              <a:t>注：</a:t>
+            </a:r>
+            <a:r>
+              <a:rPr lang="en-US" altLang="zh-CN" sz="2000">
+                <a:solidFill>
+                  <a:srgbClr val="FF0000"/>
+                </a:solidFill>
+                <a:highlight>
+                  <a:srgbClr val="FFFF00"/>
+                </a:highlight>
+                <a:latin typeface="华文中宋" panose="02010600040101010101" charset="-122"/>
+                <a:ea typeface="华文中宋" panose="02010600040101010101" charset="-122"/>
+                <a:cs typeface="华文中宋" panose="02010600040101010101" charset="-122"/>
+              </a:rPr>
+              <a:t>40G</a:t>
+            </a:r>
+            <a:r>
+              <a:rPr lang="zh-CN" altLang="en-US" sz="2000">
+                <a:solidFill>
+                  <a:srgbClr val="FF0000"/>
+                </a:solidFill>
+                <a:highlight>
+                  <a:srgbClr val="FFFF00"/>
+                </a:highlight>
+                <a:latin typeface="华文中宋" panose="02010600040101010101" charset="-122"/>
+                <a:ea typeface="华文中宋" panose="02010600040101010101" charset="-122"/>
+                <a:cs typeface="华文中宋" panose="02010600040101010101" charset="-122"/>
+              </a:rPr>
+              <a:t>以上</a:t>
+            </a:r>
+            <a:r>
+              <a:rPr lang="en-US" altLang="zh-CN" sz="2000">
+                <a:solidFill>
+                  <a:srgbClr val="FF0000"/>
+                </a:solidFill>
+                <a:highlight>
+                  <a:srgbClr val="FFFF00"/>
+                </a:highlight>
+                <a:latin typeface="华文中宋" panose="02010600040101010101" charset="-122"/>
+                <a:ea typeface="华文中宋" panose="02010600040101010101" charset="-122"/>
+                <a:cs typeface="华文中宋" panose="02010600040101010101" charset="-122"/>
+              </a:rPr>
+              <a:t> SSD</a:t>
+            </a:r>
+            <a:endParaRPr lang="en-US" altLang="zh-CN" sz="2000">
+              <a:solidFill>
+                <a:srgbClr val="FF0000"/>
+              </a:solidFill>
+              <a:highlight>
+                <a:srgbClr val="FFFF00"/>
+              </a:highlight>
+              <a:latin typeface="华文中宋" panose="02010600040101010101" charset="-122"/>
+              <a:ea typeface="华文中宋" panose="02010600040101010101" charset="-122"/>
+              <a:cs typeface="华文中宋" panose="02010600040101010101" charset="-122"/>
+            </a:endParaRPr>
+          </a:p>
+        </p:txBody>
+      </p:sp>
+    </p:spTree>
+  </p:cSld>
+  <p:clrMapOvr>
+    <a:masterClrMapping/>
+  </p:clrMapOvr>
+</p:sld>
+</file>
+
+<file path=ppt/slides/slide28.xml><?xml version="1.0" encoding="utf-8"?>
+<p:sld xmlns:a="http://schemas.openxmlformats.org/drawingml/2006/main" xmlns:r="http://schemas.openxmlformats.org/officeDocument/2006/relationships" xmlns:p="http://schemas.openxmlformats.org/presentationml/2006/main">
+  <p:cSld>
+    <p:spTree>
+      <p:nvGrpSpPr>
+        <p:cNvPr id="1" name=""/>
+        <p:cNvGrpSpPr/>
+        <p:nvPr/>
+      </p:nvGrpSpPr>
+      <p:grpSpPr/>
+      <p:sp>
+        <p:nvSpPr>
+          <p:cNvPr id="2" name="标题 1"/>
+          <p:cNvSpPr>
+            <a:spLocks noGrp="1"/>
+          </p:cNvSpPr>
+          <p:nvPr>
+            <p:ph type="title"/>
+          </p:nvPr>
+        </p:nvSpPr>
+        <p:spPr/>
+        <p:txBody>
+          <a:bodyPr/>
+          <a:p>
+            <a:r>
+              <a:rPr lang="zh-CN" altLang="en-US">
+                <a:latin typeface="华文中宋" panose="02010600040101010101" charset="-122"/>
+                <a:ea typeface="华文中宋" panose="02010600040101010101" charset="-122"/>
+                <a:sym typeface="+mn-ea"/>
+              </a:rPr>
+              <a:t>创建云主机</a:t>
+            </a:r>
+            <a:endParaRPr lang="zh-CN" altLang="en-US">
+              <a:latin typeface="华文中宋" panose="02010600040101010101" charset="-122"/>
+              <a:ea typeface="华文中宋" panose="02010600040101010101" charset="-122"/>
+            </a:endParaRPr>
+          </a:p>
+        </p:txBody>
+      </p:sp>
+      <p:pic>
+        <p:nvPicPr>
+          <p:cNvPr id="5" name="内容占位符 4"/>
+          <p:cNvPicPr>
+            <a:picLocks noChangeAspect="1"/>
+          </p:cNvPicPr>
+          <p:nvPr>
+            <p:ph idx="1"/>
+          </p:nvPr>
+        </p:nvPicPr>
+        <p:blipFill>
+          <a:blip r:embed="rId1"/>
+          <a:stretch>
+            <a:fillRect/>
+          </a:stretch>
+        </p:blipFill>
+        <p:spPr>
+          <a:xfrm>
+            <a:off x="893445" y="1511935"/>
+            <a:ext cx="10405745" cy="4374515"/>
+          </a:xfrm>
+          <a:prstGeom prst="rect">
+            <a:avLst/>
+          </a:prstGeom>
+        </p:spPr>
+      </p:pic>
+      <p:sp>
+        <p:nvSpPr>
+          <p:cNvPr id="8" name="内容占位符 2"/>
+          <p:cNvSpPr>
+            <a:spLocks noGrp="1"/>
+          </p:cNvSpPr>
+          <p:nvPr/>
+        </p:nvSpPr>
+        <p:spPr>
+          <a:xfrm>
+            <a:off x="1392555" y="6106160"/>
+            <a:ext cx="4265930" cy="452120"/>
+          </a:xfrm>
+          <a:prstGeom prst="rect">
+            <a:avLst/>
+          </a:prstGeom>
+        </p:spPr>
+        <p:txBody>
+          <a:bodyPr vert="horz" lIns="91440" tIns="45720" rIns="91440" bIns="45720" rtlCol="0">
+            <a:normAutofit/>
+          </a:bodyPr>
+          <a:lstStyle>
+            <a:lvl1pPr marL="228600" indent="-228600" algn="l" defTabSz="914400" rtl="0" eaLnBrk="1" latinLnBrk="0" hangingPunct="1">
+              <a:lnSpc>
+                <a:spcPct val="90000"/>
+              </a:lnSpc>
+              <a:spcBef>
+                <a:spcPts val="1000"/>
+              </a:spcBef>
+              <a:buFont typeface="Arial" panose="020B0604020202020204" pitchFamily="34" charset="0"/>
+              <a:buChar char="•"/>
+              <a:defRPr sz="2800" kern="1200">
+                <a:solidFill>
+                  <a:schemeClr val="tx1"/>
+                </a:solidFill>
+                <a:latin typeface="+mn-lt"/>
+                <a:ea typeface="+mn-ea"/>
+                <a:cs typeface="+mn-cs"/>
+              </a:defRPr>
+            </a:lvl1pPr>
+            <a:lvl2pPr marL="685800" indent="-228600" algn="l" defTabSz="914400" rtl="0" eaLnBrk="1" latinLnBrk="0" hangingPunct="1">
+              <a:lnSpc>
+                <a:spcPct val="90000"/>
+              </a:lnSpc>
+              <a:spcBef>
+                <a:spcPts val="500"/>
+              </a:spcBef>
+              <a:buFont typeface="Arial" panose="020B0604020202020204" pitchFamily="34" charset="0"/>
+              <a:buChar char="•"/>
+              <a:defRPr sz="2400" kern="1200">
+                <a:solidFill>
+                  <a:schemeClr val="tx1"/>
+                </a:solidFill>
+                <a:latin typeface="+mn-lt"/>
+                <a:ea typeface="+mn-ea"/>
+                <a:cs typeface="+mn-cs"/>
+              </a:defRPr>
+            </a:lvl2pPr>
+            <a:lvl3pPr marL="1143000" indent="-228600" algn="l" defTabSz="914400" rtl="0" eaLnBrk="1" latinLnBrk="0" hangingPunct="1">
+              <a:lnSpc>
+                <a:spcPct val="90000"/>
+              </a:lnSpc>
+              <a:spcBef>
+                <a:spcPts val="500"/>
+              </a:spcBef>
+              <a:buFont typeface="Arial" panose="020B0604020202020204" pitchFamily="34" charset="0"/>
+              <a:buChar char="•"/>
+              <a:defRPr sz="2000" kern="1200">
+                <a:solidFill>
+                  <a:schemeClr val="tx1"/>
+                </a:solidFill>
+                <a:latin typeface="+mn-lt"/>
+                <a:ea typeface="+mn-ea"/>
+                <a:cs typeface="+mn-cs"/>
+              </a:defRPr>
+            </a:lvl3pPr>
+            <a:lvl4pPr marL="1600200" indent="-228600" algn="l" defTabSz="914400" rtl="0" eaLnBrk="1" latinLnBrk="0" hangingPunct="1">
+              <a:lnSpc>
+                <a:spcPct val="90000"/>
+              </a:lnSpc>
+              <a:spcBef>
+                <a:spcPts val="500"/>
+              </a:spcBef>
+              <a:buFont typeface="Arial" panose="020B0604020202020204" pitchFamily="34" charset="0"/>
+              <a:buChar char="•"/>
+              <a:defRPr sz="1800" kern="1200">
+                <a:solidFill>
+                  <a:schemeClr val="tx1"/>
+                </a:solidFill>
+                <a:latin typeface="+mn-lt"/>
+                <a:ea typeface="+mn-ea"/>
+                <a:cs typeface="+mn-cs"/>
+              </a:defRPr>
+            </a:lvl4pPr>
+            <a:lvl5pPr marL="2057400" indent="-228600" algn="l" defTabSz="914400" rtl="0" eaLnBrk="1" latinLnBrk="0" hangingPunct="1">
+              <a:lnSpc>
+                <a:spcPct val="90000"/>
+              </a:lnSpc>
+              <a:spcBef>
+                <a:spcPts val="500"/>
+              </a:spcBef>
+              <a:buFont typeface="Arial" panose="020B0604020202020204" pitchFamily="34" charset="0"/>
+              <a:buChar char="•"/>
+              <a:defRPr sz="1800" kern="1200">
+                <a:solidFill>
+                  <a:schemeClr val="tx1"/>
+                </a:solidFill>
+                <a:latin typeface="+mn-lt"/>
+                <a:ea typeface="+mn-ea"/>
+                <a:cs typeface="+mn-cs"/>
+              </a:defRPr>
+            </a:lvl5pPr>
+            <a:lvl6pPr marL="2514600" indent="-228600" algn="l" defTabSz="914400" rtl="0" eaLnBrk="1" latinLnBrk="0" hangingPunct="1">
+              <a:lnSpc>
+                <a:spcPct val="90000"/>
+              </a:lnSpc>
+              <a:spcBef>
+                <a:spcPts val="500"/>
+              </a:spcBef>
+              <a:buFont typeface="Arial" panose="020B0604020202020204" pitchFamily="34" charset="0"/>
+              <a:buChar char="•"/>
+              <a:defRPr sz="1800" kern="1200">
+                <a:solidFill>
+                  <a:schemeClr val="tx1"/>
+                </a:solidFill>
+                <a:latin typeface="+mn-lt"/>
+                <a:ea typeface="+mn-ea"/>
+                <a:cs typeface="+mn-cs"/>
+              </a:defRPr>
+            </a:lvl6pPr>
+            <a:lvl7pPr marL="2971800" indent="-228600" algn="l" defTabSz="914400" rtl="0" eaLnBrk="1" latinLnBrk="0" hangingPunct="1">
+              <a:lnSpc>
+                <a:spcPct val="90000"/>
+              </a:lnSpc>
+              <a:spcBef>
+                <a:spcPts val="500"/>
+              </a:spcBef>
+              <a:buFont typeface="Arial" panose="020B0604020202020204" pitchFamily="34" charset="0"/>
+              <a:buChar char="•"/>
+              <a:defRPr sz="1800" kern="1200">
+                <a:solidFill>
+                  <a:schemeClr val="tx1"/>
+                </a:solidFill>
+                <a:latin typeface="+mn-lt"/>
+                <a:ea typeface="+mn-ea"/>
+                <a:cs typeface="+mn-cs"/>
+              </a:defRPr>
+            </a:lvl7pPr>
+            <a:lvl8pPr marL="3429000" indent="-228600" algn="l" defTabSz="914400" rtl="0" eaLnBrk="1" latinLnBrk="0" hangingPunct="1">
+              <a:lnSpc>
+                <a:spcPct val="90000"/>
+              </a:lnSpc>
+              <a:spcBef>
+                <a:spcPts val="500"/>
+              </a:spcBef>
+              <a:buFont typeface="Arial" panose="020B0604020202020204" pitchFamily="34" charset="0"/>
+              <a:buChar char="•"/>
+              <a:defRPr sz="1800" kern="1200">
+                <a:solidFill>
+                  <a:schemeClr val="tx1"/>
+                </a:solidFill>
+                <a:latin typeface="+mn-lt"/>
+                <a:ea typeface="+mn-ea"/>
+                <a:cs typeface="+mn-cs"/>
+              </a:defRPr>
+            </a:lvl8pPr>
+            <a:lvl9pPr marL="3886200" indent="-228600" algn="l" defTabSz="914400" rtl="0" eaLnBrk="1" latinLnBrk="0" hangingPunct="1">
+              <a:lnSpc>
+                <a:spcPct val="90000"/>
+              </a:lnSpc>
+              <a:spcBef>
+                <a:spcPts val="500"/>
+              </a:spcBef>
+              <a:buFont typeface="Arial" panose="020B0604020202020204" pitchFamily="34" charset="0"/>
+              <a:buChar char="•"/>
+              <a:defRPr sz="1800" kern="1200">
+                <a:solidFill>
+                  <a:schemeClr val="tx1"/>
+                </a:solidFill>
+                <a:latin typeface="+mn-lt"/>
+                <a:ea typeface="+mn-ea"/>
+                <a:cs typeface="+mn-cs"/>
+              </a:defRPr>
+            </a:lvl9pPr>
+          </a:lstStyle>
+          <a:p>
+            <a:pPr marL="0" indent="0">
+              <a:buNone/>
+            </a:pPr>
+            <a:r>
+              <a:rPr lang="zh-CN" sz="2000">
+                <a:solidFill>
+                  <a:srgbClr val="FF0000"/>
+                </a:solidFill>
+                <a:highlight>
+                  <a:srgbClr val="FFFF00"/>
+                </a:highlight>
+                <a:latin typeface="华文中宋" panose="02010600040101010101" charset="-122"/>
+                <a:ea typeface="华文中宋" panose="02010600040101010101" charset="-122"/>
+                <a:cs typeface="华文中宋" panose="02010600040101010101" charset="-122"/>
+              </a:rPr>
+              <a:t>注：</a:t>
+            </a:r>
+            <a:r>
+              <a:rPr lang="en-US" altLang="zh-CN" sz="2000">
+                <a:solidFill>
+                  <a:srgbClr val="FF0000"/>
+                </a:solidFill>
+                <a:highlight>
+                  <a:srgbClr val="FFFF00"/>
+                </a:highlight>
+                <a:latin typeface="华文中宋" panose="02010600040101010101" charset="-122"/>
+                <a:ea typeface="华文中宋" panose="02010600040101010101" charset="-122"/>
+                <a:cs typeface="华文中宋" panose="02010600040101010101" charset="-122"/>
+              </a:rPr>
+              <a:t>pku-new</a:t>
+            </a:r>
+            <a:r>
+              <a:rPr lang="zh-CN" altLang="en-US" sz="2000">
+                <a:solidFill>
+                  <a:srgbClr val="FF0000"/>
+                </a:solidFill>
+                <a:highlight>
+                  <a:srgbClr val="FFFF00"/>
+                </a:highlight>
+                <a:latin typeface="华文中宋" panose="02010600040101010101" charset="-122"/>
+                <a:ea typeface="华文中宋" panose="02010600040101010101" charset="-122"/>
+                <a:cs typeface="华文中宋" panose="02010600040101010101" charset="-122"/>
+              </a:rPr>
+              <a:t>，不需</a:t>
+            </a:r>
+            <a:r>
+              <a:rPr lang="en-US" altLang="zh-CN" sz="2000">
+                <a:solidFill>
+                  <a:srgbClr val="FF0000"/>
+                </a:solidFill>
+                <a:highlight>
+                  <a:srgbClr val="FFFF00"/>
+                </a:highlight>
+                <a:latin typeface="华文中宋" panose="02010600040101010101" charset="-122"/>
+                <a:ea typeface="华文中宋" panose="02010600040101010101" charset="-122"/>
+                <a:cs typeface="华文中宋" panose="02010600040101010101" charset="-122"/>
+              </a:rPr>
+              <a:t>ics2025</a:t>
+            </a:r>
+            <a:endParaRPr lang="en-US" altLang="zh-CN" sz="2000">
+              <a:solidFill>
+                <a:srgbClr val="FF0000"/>
+              </a:solidFill>
+              <a:highlight>
+                <a:srgbClr val="FFFF00"/>
+              </a:highlight>
+              <a:latin typeface="华文中宋" panose="02010600040101010101" charset="-122"/>
+              <a:ea typeface="华文中宋" panose="02010600040101010101" charset="-122"/>
+              <a:cs typeface="华文中宋" panose="02010600040101010101" charset="-122"/>
+            </a:endParaRPr>
+          </a:p>
+        </p:txBody>
+      </p:sp>
+    </p:spTree>
+  </p:cSld>
+  <p:clrMapOvr>
+    <a:masterClrMapping/>
+  </p:clrMapOvr>
+</p:sld>
+</file>
+
+<file path=ppt/slides/slide29.xml><?xml version="1.0" encoding="utf-8"?>
+<p:sld xmlns:a="http://schemas.openxmlformats.org/drawingml/2006/main" xmlns:r="http://schemas.openxmlformats.org/officeDocument/2006/relationships" xmlns:p="http://schemas.openxmlformats.org/presentationml/2006/main">
+  <p:cSld>
+    <p:spTree>
+      <p:nvGrpSpPr>
+        <p:cNvPr id="1" name=""/>
+        <p:cNvGrpSpPr/>
+        <p:nvPr/>
+      </p:nvGrpSpPr>
+      <p:grpSpPr/>
+      <p:sp>
+        <p:nvSpPr>
+          <p:cNvPr id="2" name="标题 1"/>
+          <p:cNvSpPr>
+            <a:spLocks noGrp="1"/>
+          </p:cNvSpPr>
+          <p:nvPr>
+            <p:ph type="title"/>
+          </p:nvPr>
+        </p:nvSpPr>
+        <p:spPr/>
+        <p:txBody>
+          <a:bodyPr/>
+          <a:p>
+            <a:r>
+              <a:rPr lang="zh-CN" altLang="en-US">
+                <a:latin typeface="华文中宋" panose="02010600040101010101" charset="-122"/>
+                <a:ea typeface="华文中宋" panose="02010600040101010101" charset="-122"/>
+                <a:sym typeface="+mn-ea"/>
+              </a:rPr>
+              <a:t>创建云主机</a:t>
+            </a:r>
+            <a:endParaRPr lang="zh-CN" altLang="en-US">
+              <a:latin typeface="华文中宋" panose="02010600040101010101" charset="-122"/>
+              <a:ea typeface="华文中宋" panose="02010600040101010101" charset="-122"/>
+            </a:endParaRPr>
+          </a:p>
+        </p:txBody>
+      </p:sp>
+      <p:pic>
+        <p:nvPicPr>
+          <p:cNvPr id="7" name="内容占位符 6"/>
+          <p:cNvPicPr>
+            <a:picLocks noChangeAspect="1"/>
+          </p:cNvPicPr>
+          <p:nvPr>
+            <p:ph idx="1"/>
+          </p:nvPr>
+        </p:nvPicPr>
+        <p:blipFill>
+          <a:blip r:embed="rId1"/>
+          <a:stretch>
+            <a:fillRect/>
+          </a:stretch>
+        </p:blipFill>
+        <p:spPr>
+          <a:xfrm>
+            <a:off x="2625725" y="1513840"/>
+            <a:ext cx="6941185" cy="4624070"/>
+          </a:xfrm>
+          <a:prstGeom prst="rect">
+            <a:avLst/>
+          </a:prstGeom>
+        </p:spPr>
+      </p:pic>
+    </p:spTree>
+  </p:cSld>
+  <p:clrMapOvr>
+    <a:masterClrMapping/>
+  </p:clrMapOvr>
+</p:sld>
+</file>
+
+<file path=ppt/slides/slide3.xml><?xml version="1.0" encoding="utf-8"?>
+<p:sld xmlns:a="http://schemas.openxmlformats.org/drawingml/2006/main" xmlns:r="http://schemas.openxmlformats.org/officeDocument/2006/relationships" xmlns:p="http://schemas.openxmlformats.org/presentationml/2006/main">
+  <p:cSld>
+    <p:spTree>
+      <p:nvGrpSpPr>
+        <p:cNvPr id="1" name=""/>
+        <p:cNvGrpSpPr/>
+        <p:nvPr/>
+      </p:nvGrpSpPr>
+      <p:grpSpPr/>
+      <p:sp>
+        <p:nvSpPr>
+          <p:cNvPr id="2" name="标题 1"/>
+          <p:cNvSpPr>
+            <a:spLocks noGrp="1"/>
+          </p:cNvSpPr>
+          <p:nvPr>
+            <p:ph type="title"/>
+          </p:nvPr>
+        </p:nvSpPr>
+        <p:spPr/>
+        <p:txBody>
+          <a:bodyPr/>
+          <a:p>
+            <a:endParaRPr lang="zh-CN" altLang="en-US"/>
+          </a:p>
+        </p:txBody>
+      </p:sp>
+      <p:pic>
+        <p:nvPicPr>
+          <p:cNvPr id="6" name="内容占位符 5"/>
+          <p:cNvPicPr>
+            <a:picLocks noChangeAspect="1"/>
+          </p:cNvPicPr>
+          <p:nvPr>
+            <p:ph idx="1"/>
+          </p:nvPr>
+        </p:nvPicPr>
+        <p:blipFill>
+          <a:blip r:embed="rId1"/>
+          <a:stretch>
+            <a:fillRect/>
+          </a:stretch>
+        </p:blipFill>
+        <p:spPr>
+          <a:xfrm>
+            <a:off x="1026795" y="603250"/>
+            <a:ext cx="4351655" cy="5433060"/>
+          </a:xfrm>
+          <a:prstGeom prst="rect">
+            <a:avLst/>
+          </a:prstGeom>
+        </p:spPr>
+      </p:pic>
+      <p:pic>
+        <p:nvPicPr>
+          <p:cNvPr id="7" name="图片 6"/>
+          <p:cNvPicPr>
+            <a:picLocks noChangeAspect="1"/>
+          </p:cNvPicPr>
+          <p:nvPr/>
+        </p:nvPicPr>
+        <p:blipFill>
+          <a:blip r:embed="rId2"/>
+          <a:stretch>
+            <a:fillRect/>
+          </a:stretch>
+        </p:blipFill>
+        <p:spPr>
+          <a:xfrm>
+            <a:off x="6453505" y="720725"/>
+            <a:ext cx="4135755" cy="5716905"/>
+          </a:xfrm>
+          <a:prstGeom prst="rect">
+            <a:avLst/>
+          </a:prstGeom>
+        </p:spPr>
+      </p:pic>
+    </p:spTree>
+  </p:cSld>
+  <p:clrMapOvr>
+    <a:masterClrMapping/>
+  </p:clrMapOvr>
+</p:sld>
+</file>
+
+<file path=ppt/slides/slide30.xml><?xml version="1.0" encoding="utf-8"?>
+<p:sld xmlns:a="http://schemas.openxmlformats.org/drawingml/2006/main" xmlns:r="http://schemas.openxmlformats.org/officeDocument/2006/relationships" xmlns:p="http://schemas.openxmlformats.org/presentationml/2006/main">
+  <p:cSld>
+    <p:spTree>
+      <p:nvGrpSpPr>
+        <p:cNvPr id="1" name=""/>
+        <p:cNvGrpSpPr/>
+        <p:nvPr/>
+      </p:nvGrpSpPr>
+      <p:grpSpPr/>
+      <p:sp>
+        <p:nvSpPr>
+          <p:cNvPr id="2" name="标题 1"/>
+          <p:cNvSpPr>
+            <a:spLocks noGrp="1"/>
+          </p:cNvSpPr>
+          <p:nvPr>
+            <p:ph type="title"/>
+          </p:nvPr>
+        </p:nvSpPr>
+        <p:spPr/>
+        <p:txBody>
+          <a:bodyPr/>
+          <a:p>
+            <a:r>
+              <a:rPr lang="zh-CN">
+                <a:latin typeface="华文中宋" panose="02010600040101010101" charset="-122"/>
+                <a:ea typeface="华文中宋" panose="02010600040101010101" charset="-122"/>
+                <a:sym typeface="+mn-ea"/>
+              </a:rPr>
+              <a:t>创建云主机</a:t>
+            </a:r>
+            <a:endParaRPr lang="zh-CN">
+              <a:latin typeface="华文中宋" panose="02010600040101010101" charset="-122"/>
+              <a:ea typeface="华文中宋" panose="02010600040101010101" charset="-122"/>
+            </a:endParaRPr>
+          </a:p>
+        </p:txBody>
+      </p:sp>
+      <p:pic>
+        <p:nvPicPr>
+          <p:cNvPr id="6" name="图片 5"/>
+          <p:cNvPicPr>
+            <a:picLocks noChangeAspect="1"/>
+          </p:cNvPicPr>
+          <p:nvPr/>
+        </p:nvPicPr>
+        <p:blipFill>
+          <a:blip r:embed="rId1"/>
+          <a:stretch>
+            <a:fillRect/>
+          </a:stretch>
+        </p:blipFill>
+        <p:spPr>
+          <a:xfrm>
+            <a:off x="2124075" y="1595120"/>
+            <a:ext cx="7943850" cy="4410075"/>
+          </a:xfrm>
+          <a:prstGeom prst="rect">
+            <a:avLst/>
+          </a:prstGeom>
+        </p:spPr>
+      </p:pic>
+    </p:spTree>
+  </p:cSld>
+  <p:clrMapOvr>
+    <a:masterClrMapping/>
+  </p:clrMapOvr>
+</p:sld>
+</file>
+
+<file path=ppt/slides/slide31.xml><?xml version="1.0" encoding="utf-8"?>
+<p:sld xmlns:a="http://schemas.openxmlformats.org/drawingml/2006/main" xmlns:r="http://schemas.openxmlformats.org/officeDocument/2006/relationships" xmlns:p="http://schemas.openxmlformats.org/presentationml/2006/main">
+  <p:cSld>
+    <p:spTree>
+      <p:nvGrpSpPr>
+        <p:cNvPr id="1" name=""/>
+        <p:cNvGrpSpPr/>
+        <p:nvPr/>
+      </p:nvGrpSpPr>
+      <p:grpSpPr/>
+      <p:sp>
+        <p:nvSpPr>
+          <p:cNvPr id="2" name="标题 1"/>
+          <p:cNvSpPr>
+            <a:spLocks noGrp="1"/>
+          </p:cNvSpPr>
+          <p:nvPr>
+            <p:ph type="title"/>
+          </p:nvPr>
+        </p:nvSpPr>
+        <p:spPr/>
+        <p:txBody>
+          <a:bodyPr/>
+          <a:p>
+            <a:r>
+              <a:rPr lang="zh-CN">
+                <a:latin typeface="华文中宋" panose="02010600040101010101" charset="-122"/>
+                <a:ea typeface="华文中宋" panose="02010600040101010101" charset="-122"/>
+                <a:sym typeface="+mn-ea"/>
+              </a:rPr>
+              <a:t>创建云主机</a:t>
+            </a:r>
+            <a:endParaRPr lang="zh-CN">
+              <a:latin typeface="华文中宋" panose="02010600040101010101" charset="-122"/>
+              <a:ea typeface="华文中宋" panose="02010600040101010101" charset="-122"/>
+            </a:endParaRPr>
+          </a:p>
+        </p:txBody>
+      </p:sp>
+      <p:pic>
+        <p:nvPicPr>
+          <p:cNvPr id="3" name="图片 2"/>
+          <p:cNvPicPr>
+            <a:picLocks noChangeAspect="1"/>
+          </p:cNvPicPr>
+          <p:nvPr/>
+        </p:nvPicPr>
+        <p:blipFill>
+          <a:blip r:embed="rId1"/>
+          <a:stretch>
+            <a:fillRect/>
+          </a:stretch>
+        </p:blipFill>
+        <p:spPr>
+          <a:xfrm>
+            <a:off x="1758315" y="1497965"/>
+            <a:ext cx="8674735" cy="4673600"/>
+          </a:xfrm>
+          <a:prstGeom prst="rect">
+            <a:avLst/>
+          </a:prstGeom>
+        </p:spPr>
+      </p:pic>
+    </p:spTree>
+  </p:cSld>
+  <p:clrMapOvr>
+    <a:masterClrMapping/>
+  </p:clrMapOvr>
+</p:sld>
+</file>
+
+<file path=ppt/slides/slide32.xml><?xml version="1.0" encoding="utf-8"?>
+<p:sld xmlns:a="http://schemas.openxmlformats.org/drawingml/2006/main" xmlns:r="http://schemas.openxmlformats.org/officeDocument/2006/relationships" xmlns:p="http://schemas.openxmlformats.org/presentationml/2006/main">
+  <p:cSld>
+    <p:spTree>
+      <p:nvGrpSpPr>
+        <p:cNvPr id="1" name=""/>
+        <p:cNvGrpSpPr/>
+        <p:nvPr/>
+      </p:nvGrpSpPr>
+      <p:grpSpPr/>
+      <p:sp>
+        <p:nvSpPr>
+          <p:cNvPr id="2" name="标题 1"/>
+          <p:cNvSpPr>
+            <a:spLocks noGrp="1"/>
+          </p:cNvSpPr>
+          <p:nvPr>
+            <p:ph type="title"/>
+          </p:nvPr>
+        </p:nvSpPr>
+        <p:spPr/>
+        <p:txBody>
+          <a:bodyPr/>
+          <a:p>
+            <a:r>
+              <a:rPr lang="en-US" altLang="zh-CN">
+                <a:latin typeface="华文中宋" panose="02010600040101010101" charset="-122"/>
+                <a:ea typeface="华文中宋" panose="02010600040101010101" charset="-122"/>
+                <a:sym typeface="+mn-ea"/>
+              </a:rPr>
+              <a:t>VSCode</a:t>
+            </a:r>
+            <a:r>
+              <a:rPr lang="zh-CN" altLang="en-US">
+                <a:latin typeface="华文中宋" panose="02010600040101010101" charset="-122"/>
+                <a:ea typeface="华文中宋" panose="02010600040101010101" charset="-122"/>
+                <a:sym typeface="+mn-ea"/>
+              </a:rPr>
+              <a:t>连接云主机</a:t>
+            </a:r>
+            <a:endParaRPr lang="zh-CN" altLang="en-US">
+              <a:latin typeface="华文中宋" panose="02010600040101010101" charset="-122"/>
+              <a:ea typeface="华文中宋" panose="02010600040101010101" charset="-122"/>
+              <a:sym typeface="+mn-ea"/>
+            </a:endParaRPr>
+          </a:p>
+        </p:txBody>
+      </p:sp>
+      <p:pic>
+        <p:nvPicPr>
+          <p:cNvPr id="3" name="图片 2"/>
+          <p:cNvPicPr>
+            <a:picLocks noChangeAspect="1"/>
+          </p:cNvPicPr>
+          <p:nvPr/>
+        </p:nvPicPr>
+        <p:blipFill>
+          <a:blip r:embed="rId1"/>
+          <a:stretch>
+            <a:fillRect/>
+          </a:stretch>
+        </p:blipFill>
+        <p:spPr>
+          <a:xfrm>
+            <a:off x="1376680" y="1691005"/>
+            <a:ext cx="9438640" cy="3590925"/>
+          </a:xfrm>
+          <a:prstGeom prst="rect">
+            <a:avLst/>
+          </a:prstGeom>
+        </p:spPr>
+      </p:pic>
+    </p:spTree>
+  </p:cSld>
+  <p:clrMapOvr>
+    <a:masterClrMapping/>
+  </p:clrMapOvr>
+</p:sld>
+</file>
+
+<file path=ppt/slides/slide33.xml><?xml version="1.0" encoding="utf-8"?>
+<p:sld xmlns:a="http://schemas.openxmlformats.org/drawingml/2006/main" xmlns:r="http://schemas.openxmlformats.org/officeDocument/2006/relationships" xmlns:p="http://schemas.openxmlformats.org/presentationml/2006/main">
+  <p:cSld>
+    <p:spTree>
+      <p:nvGrpSpPr>
+        <p:cNvPr id="1" name=""/>
+        <p:cNvGrpSpPr/>
+        <p:nvPr/>
+      </p:nvGrpSpPr>
+      <p:grpSpPr/>
+      <p:sp>
+        <p:nvSpPr>
+          <p:cNvPr id="2" name="标题 1"/>
+          <p:cNvSpPr>
+            <a:spLocks noGrp="1"/>
+          </p:cNvSpPr>
+          <p:nvPr>
+            <p:ph type="title"/>
+          </p:nvPr>
+        </p:nvSpPr>
+        <p:spPr/>
+        <p:txBody>
+          <a:bodyPr/>
+          <a:p>
+            <a:r>
+              <a:rPr lang="en-US" altLang="zh-CN">
+                <a:latin typeface="华文中宋" panose="02010600040101010101" charset="-122"/>
+                <a:ea typeface="华文中宋" panose="02010600040101010101" charset="-122"/>
+                <a:sym typeface="+mn-ea"/>
+              </a:rPr>
+              <a:t>VSCode</a:t>
+            </a:r>
+            <a:r>
+              <a:rPr lang="zh-CN" altLang="en-US">
+                <a:latin typeface="华文中宋" panose="02010600040101010101" charset="-122"/>
+                <a:ea typeface="华文中宋" panose="02010600040101010101" charset="-122"/>
+                <a:sym typeface="+mn-ea"/>
+              </a:rPr>
+              <a:t>连接云主机</a:t>
+            </a:r>
+            <a:endParaRPr lang="zh-CN" altLang="en-US">
+              <a:latin typeface="华文中宋" panose="02010600040101010101" charset="-122"/>
+              <a:ea typeface="华文中宋" panose="02010600040101010101" charset="-122"/>
+              <a:sym typeface="+mn-ea"/>
+            </a:endParaRPr>
+          </a:p>
+        </p:txBody>
+      </p:sp>
+      <p:pic>
+        <p:nvPicPr>
+          <p:cNvPr id="4" name="图片 3"/>
+          <p:cNvPicPr>
+            <a:picLocks noChangeAspect="1"/>
+          </p:cNvPicPr>
+          <p:nvPr/>
+        </p:nvPicPr>
+        <p:blipFill>
+          <a:blip r:embed="rId1"/>
+          <a:stretch>
+            <a:fillRect/>
+          </a:stretch>
+        </p:blipFill>
+        <p:spPr>
+          <a:xfrm>
+            <a:off x="838200" y="2397760"/>
+            <a:ext cx="10629900" cy="638175"/>
+          </a:xfrm>
+          <a:prstGeom prst="rect">
+            <a:avLst/>
+          </a:prstGeom>
+        </p:spPr>
+      </p:pic>
+    </p:spTree>
+  </p:cSld>
+  <p:clrMapOvr>
+    <a:masterClrMapping/>
+  </p:clrMapOvr>
+</p:sld>
+</file>
+
+<file path=ppt/slides/slide34.xml><?xml version="1.0" encoding="utf-8"?>
+<p:sld xmlns:a="http://schemas.openxmlformats.org/drawingml/2006/main" xmlns:r="http://schemas.openxmlformats.org/officeDocument/2006/relationships" xmlns:p="http://schemas.openxmlformats.org/presentationml/2006/main">
+  <p:cSld>
+    <p:spTree>
+      <p:nvGrpSpPr>
+        <p:cNvPr id="1" name=""/>
+        <p:cNvGrpSpPr/>
+        <p:nvPr/>
+      </p:nvGrpSpPr>
+      <p:grpSpPr/>
+      <p:sp>
+        <p:nvSpPr>
+          <p:cNvPr id="2" name="标题 1"/>
+          <p:cNvSpPr>
+            <a:spLocks noGrp="1"/>
+          </p:cNvSpPr>
+          <p:nvPr>
+            <p:ph type="title"/>
+          </p:nvPr>
+        </p:nvSpPr>
+        <p:spPr/>
+        <p:txBody>
+          <a:bodyPr/>
+          <a:p>
+            <a:r>
+              <a:rPr lang="en-US" altLang="zh-CN">
+                <a:latin typeface="华文中宋" panose="02010600040101010101" charset="-122"/>
+                <a:ea typeface="华文中宋" panose="02010600040101010101" charset="-122"/>
+                <a:sym typeface="+mn-ea"/>
+              </a:rPr>
+              <a:t>VSCode</a:t>
+            </a:r>
+            <a:r>
+              <a:rPr lang="zh-CN" altLang="en-US">
+                <a:latin typeface="华文中宋" panose="02010600040101010101" charset="-122"/>
+                <a:ea typeface="华文中宋" panose="02010600040101010101" charset="-122"/>
+                <a:sym typeface="+mn-ea"/>
+              </a:rPr>
+              <a:t>连接云主机</a:t>
+            </a:r>
+            <a:endParaRPr lang="zh-CN" altLang="en-US">
+              <a:latin typeface="华文中宋" panose="02010600040101010101" charset="-122"/>
+              <a:ea typeface="华文中宋" panose="02010600040101010101" charset="-122"/>
+              <a:sym typeface="+mn-ea"/>
+            </a:endParaRPr>
+          </a:p>
+        </p:txBody>
+      </p:sp>
+      <p:pic>
+        <p:nvPicPr>
+          <p:cNvPr id="3" name="图片 2"/>
+          <p:cNvPicPr>
+            <a:picLocks noChangeAspect="1"/>
+          </p:cNvPicPr>
+          <p:nvPr/>
+        </p:nvPicPr>
+        <p:blipFill>
+          <a:blip r:embed="rId1"/>
+          <a:stretch>
+            <a:fillRect/>
+          </a:stretch>
+        </p:blipFill>
+        <p:spPr>
+          <a:xfrm>
+            <a:off x="1902460" y="2202180"/>
+            <a:ext cx="8086725" cy="1886585"/>
+          </a:xfrm>
+          <a:prstGeom prst="rect">
+            <a:avLst/>
+          </a:prstGeom>
+        </p:spPr>
+      </p:pic>
+    </p:spTree>
+  </p:cSld>
+  <p:clrMapOvr>
+    <a:masterClrMapping/>
+  </p:clrMapOvr>
+</p:sld>
+</file>
+
+<file path=ppt/slides/slide35.xml><?xml version="1.0" encoding="utf-8"?>
+<p:sld xmlns:a="http://schemas.openxmlformats.org/drawingml/2006/main" xmlns:r="http://schemas.openxmlformats.org/officeDocument/2006/relationships" xmlns:p="http://schemas.openxmlformats.org/presentationml/2006/main">
+  <p:cSld>
+    <p:spTree>
+      <p:nvGrpSpPr>
+        <p:cNvPr id="1" name=""/>
+        <p:cNvGrpSpPr/>
+        <p:nvPr/>
+      </p:nvGrpSpPr>
+      <p:grpSpPr/>
+      <p:sp>
+        <p:nvSpPr>
+          <p:cNvPr id="2" name="标题 1"/>
+          <p:cNvSpPr>
+            <a:spLocks noGrp="1"/>
+          </p:cNvSpPr>
+          <p:nvPr>
+            <p:ph type="title"/>
+          </p:nvPr>
+        </p:nvSpPr>
+        <p:spPr/>
+        <p:txBody>
+          <a:bodyPr/>
+          <a:p>
+            <a:r>
+              <a:rPr lang="en-US" altLang="zh-CN">
+                <a:latin typeface="华文中宋" panose="02010600040101010101" charset="-122"/>
+                <a:ea typeface="华文中宋" panose="02010600040101010101" charset="-122"/>
+                <a:sym typeface="+mn-ea"/>
+              </a:rPr>
+              <a:t>VSCode</a:t>
+            </a:r>
+            <a:r>
+              <a:rPr lang="zh-CN" altLang="en-US">
+                <a:latin typeface="华文中宋" panose="02010600040101010101" charset="-122"/>
+                <a:ea typeface="华文中宋" panose="02010600040101010101" charset="-122"/>
+                <a:sym typeface="+mn-ea"/>
+              </a:rPr>
+              <a:t>连接云主机</a:t>
+            </a:r>
+            <a:endParaRPr lang="zh-CN" altLang="en-US">
+              <a:latin typeface="华文中宋" panose="02010600040101010101" charset="-122"/>
+              <a:ea typeface="华文中宋" panose="02010600040101010101" charset="-122"/>
+              <a:sym typeface="+mn-ea"/>
+            </a:endParaRPr>
+          </a:p>
+        </p:txBody>
+      </p:sp>
+      <p:pic>
+        <p:nvPicPr>
+          <p:cNvPr id="5" name="图片 4"/>
+          <p:cNvPicPr>
+            <a:picLocks noChangeAspect="1"/>
+          </p:cNvPicPr>
+          <p:nvPr/>
+        </p:nvPicPr>
+        <p:blipFill>
+          <a:blip r:embed="rId1"/>
+          <a:stretch>
+            <a:fillRect/>
+          </a:stretch>
+        </p:blipFill>
+        <p:spPr>
+          <a:xfrm>
+            <a:off x="2945130" y="1793240"/>
+            <a:ext cx="6301740" cy="2551430"/>
+          </a:xfrm>
+          <a:prstGeom prst="rect">
+            <a:avLst/>
+          </a:prstGeom>
+        </p:spPr>
+      </p:pic>
+    </p:spTree>
+  </p:cSld>
+  <p:clrMapOvr>
+    <a:masterClrMapping/>
+  </p:clrMapOvr>
+</p:sld>
+</file>
+
+<file path=ppt/slides/slide36.xml><?xml version="1.0" encoding="utf-8"?>
+<p:sld xmlns:a="http://schemas.openxmlformats.org/drawingml/2006/main" xmlns:r="http://schemas.openxmlformats.org/officeDocument/2006/relationships" xmlns:p="http://schemas.openxmlformats.org/presentationml/2006/main">
+  <p:cSld>
+    <p:spTree>
+      <p:nvGrpSpPr>
+        <p:cNvPr id="1" name=""/>
+        <p:cNvGrpSpPr/>
+        <p:nvPr/>
+      </p:nvGrpSpPr>
+      <p:grpSpPr/>
+      <p:sp>
+        <p:nvSpPr>
+          <p:cNvPr id="2" name="标题 1"/>
+          <p:cNvSpPr>
+            <a:spLocks noGrp="1"/>
+          </p:cNvSpPr>
+          <p:nvPr>
+            <p:ph type="title"/>
+          </p:nvPr>
+        </p:nvSpPr>
+        <p:spPr/>
+        <p:txBody>
+          <a:bodyPr/>
+          <a:p>
+            <a:r>
+              <a:rPr lang="en-US" altLang="zh-CN">
+                <a:latin typeface="华文中宋" panose="02010600040101010101" charset="-122"/>
+                <a:ea typeface="华文中宋" panose="02010600040101010101" charset="-122"/>
+                <a:sym typeface="+mn-ea"/>
+              </a:rPr>
+              <a:t>VSCode</a:t>
+            </a:r>
+            <a:r>
+              <a:rPr lang="zh-CN" altLang="en-US">
+                <a:latin typeface="华文中宋" panose="02010600040101010101" charset="-122"/>
+                <a:ea typeface="华文中宋" panose="02010600040101010101" charset="-122"/>
+                <a:sym typeface="+mn-ea"/>
+              </a:rPr>
+              <a:t>连接云主机</a:t>
+            </a:r>
+            <a:endParaRPr lang="zh-CN" altLang="en-US">
+              <a:latin typeface="华文中宋" panose="02010600040101010101" charset="-122"/>
+              <a:ea typeface="华文中宋" panose="02010600040101010101" charset="-122"/>
+              <a:sym typeface="+mn-ea"/>
+            </a:endParaRPr>
+          </a:p>
+        </p:txBody>
+      </p:sp>
+      <p:pic>
+        <p:nvPicPr>
+          <p:cNvPr id="3" name="图片 2"/>
+          <p:cNvPicPr>
+            <a:picLocks noChangeAspect="1"/>
+          </p:cNvPicPr>
+          <p:nvPr/>
+        </p:nvPicPr>
+        <p:blipFill>
+          <a:blip r:embed="rId1"/>
+          <a:stretch>
+            <a:fillRect/>
+          </a:stretch>
+        </p:blipFill>
+        <p:spPr>
+          <a:xfrm>
+            <a:off x="2552700" y="1731010"/>
+            <a:ext cx="7085965" cy="3553460"/>
+          </a:xfrm>
+          <a:prstGeom prst="rect">
+            <a:avLst/>
+          </a:prstGeom>
+        </p:spPr>
+      </p:pic>
+    </p:spTree>
+  </p:cSld>
+  <p:clrMapOvr>
+    <a:masterClrMapping/>
+  </p:clrMapOvr>
+</p:sld>
+</file>
+
+<file path=ppt/slides/slide37.xml><?xml version="1.0" encoding="utf-8"?>
+<p:sld xmlns:a="http://schemas.openxmlformats.org/drawingml/2006/main" xmlns:r="http://schemas.openxmlformats.org/officeDocument/2006/relationships" xmlns:p="http://schemas.openxmlformats.org/presentationml/2006/main">
+  <p:cSld>
+    <p:spTree>
+      <p:nvGrpSpPr>
+        <p:cNvPr id="1" name=""/>
+        <p:cNvGrpSpPr/>
+        <p:nvPr/>
+      </p:nvGrpSpPr>
+      <p:grpSpPr/>
+      <p:sp>
+        <p:nvSpPr>
+          <p:cNvPr id="2" name="标题 1"/>
+          <p:cNvSpPr>
+            <a:spLocks noGrp="1"/>
+          </p:cNvSpPr>
+          <p:nvPr>
+            <p:ph type="title"/>
+          </p:nvPr>
+        </p:nvSpPr>
+        <p:spPr/>
+        <p:txBody>
+          <a:bodyPr/>
+          <a:p>
+            <a:r>
+              <a:rPr lang="en-US" altLang="zh-CN">
+                <a:latin typeface="华文中宋" panose="02010600040101010101" charset="-122"/>
+                <a:ea typeface="华文中宋" panose="02010600040101010101" charset="-122"/>
+                <a:sym typeface="+mn-ea"/>
+              </a:rPr>
+              <a:t>VSCode</a:t>
+            </a:r>
+            <a:r>
+              <a:rPr lang="zh-CN" altLang="en-US">
+                <a:latin typeface="华文中宋" panose="02010600040101010101" charset="-122"/>
+                <a:ea typeface="华文中宋" panose="02010600040101010101" charset="-122"/>
+                <a:sym typeface="+mn-ea"/>
+              </a:rPr>
+              <a:t>连接云主机</a:t>
+            </a:r>
+            <a:endParaRPr lang="zh-CN" altLang="en-US">
+              <a:latin typeface="华文中宋" panose="02010600040101010101" charset="-122"/>
+              <a:ea typeface="华文中宋" panose="02010600040101010101" charset="-122"/>
+              <a:sym typeface="+mn-ea"/>
+            </a:endParaRPr>
+          </a:p>
+        </p:txBody>
+      </p:sp>
+      <p:pic>
+        <p:nvPicPr>
+          <p:cNvPr id="3" name="图片 2"/>
+          <p:cNvPicPr>
+            <a:picLocks noChangeAspect="1"/>
+          </p:cNvPicPr>
+          <p:nvPr/>
+        </p:nvPicPr>
+        <p:blipFill>
+          <a:blip r:embed="rId1"/>
+          <a:stretch>
+            <a:fillRect/>
+          </a:stretch>
+        </p:blipFill>
+        <p:spPr>
+          <a:xfrm>
+            <a:off x="1016000" y="1845945"/>
+            <a:ext cx="9384030" cy="973455"/>
+          </a:xfrm>
+          <a:prstGeom prst="rect">
+            <a:avLst/>
+          </a:prstGeom>
+        </p:spPr>
+      </p:pic>
+    </p:spTree>
+  </p:cSld>
+  <p:clrMapOvr>
+    <a:masterClrMapping/>
+  </p:clrMapOvr>
+</p:sld>
+</file>
+
+<file path=ppt/slides/slide38.xml><?xml version="1.0" encoding="utf-8"?>
+<p:sld xmlns:a="http://schemas.openxmlformats.org/drawingml/2006/main" xmlns:r="http://schemas.openxmlformats.org/officeDocument/2006/relationships" xmlns:p="http://schemas.openxmlformats.org/presentationml/2006/main">
+  <p:cSld>
+    <p:spTree>
+      <p:nvGrpSpPr>
+        <p:cNvPr id="1" name=""/>
+        <p:cNvGrpSpPr/>
+        <p:nvPr/>
+      </p:nvGrpSpPr>
+      <p:grpSpPr/>
+      <p:sp>
+        <p:nvSpPr>
+          <p:cNvPr id="2" name="标题 1"/>
+          <p:cNvSpPr>
+            <a:spLocks noGrp="1"/>
+          </p:cNvSpPr>
+          <p:nvPr>
+            <p:ph type="title"/>
+          </p:nvPr>
+        </p:nvSpPr>
+        <p:spPr/>
+        <p:txBody>
+          <a:bodyPr/>
+          <a:p>
+            <a:r>
+              <a:rPr lang="en-US" altLang="zh-CN">
+                <a:latin typeface="华文中宋" panose="02010600040101010101" charset="-122"/>
+                <a:ea typeface="华文中宋" panose="02010600040101010101" charset="-122"/>
+                <a:sym typeface="+mn-ea"/>
+              </a:rPr>
+              <a:t>VSCode</a:t>
+            </a:r>
+            <a:r>
+              <a:rPr lang="zh-CN" altLang="en-US">
+                <a:latin typeface="华文中宋" panose="02010600040101010101" charset="-122"/>
+                <a:ea typeface="华文中宋" panose="02010600040101010101" charset="-122"/>
+                <a:sym typeface="+mn-ea"/>
+              </a:rPr>
+              <a:t>连接云主机</a:t>
+            </a:r>
+            <a:endParaRPr lang="zh-CN" altLang="en-US">
+              <a:latin typeface="华文中宋" panose="02010600040101010101" charset="-122"/>
+              <a:ea typeface="华文中宋" panose="02010600040101010101" charset="-122"/>
+              <a:sym typeface="+mn-ea"/>
+            </a:endParaRPr>
+          </a:p>
+        </p:txBody>
+      </p:sp>
+      <p:pic>
+        <p:nvPicPr>
+          <p:cNvPr id="3" name="图片 2"/>
+          <p:cNvPicPr>
+            <a:picLocks noChangeAspect="1"/>
+          </p:cNvPicPr>
+          <p:nvPr/>
+        </p:nvPicPr>
+        <p:blipFill>
+          <a:blip r:embed="rId1"/>
+          <a:stretch>
+            <a:fillRect/>
+          </a:stretch>
+        </p:blipFill>
+        <p:spPr>
+          <a:xfrm>
+            <a:off x="2578735" y="1584960"/>
+            <a:ext cx="7035165" cy="4690110"/>
+          </a:xfrm>
+          <a:prstGeom prst="rect">
+            <a:avLst/>
+          </a:prstGeom>
+        </p:spPr>
+      </p:pic>
+    </p:spTree>
+  </p:cSld>
+  <p:clrMapOvr>
+    <a:masterClrMapping/>
+  </p:clrMapOvr>
+</p:sld>
+</file>
+
+<file path=ppt/slides/slide39.xml><?xml version="1.0" encoding="utf-8"?>
+<p:sld xmlns:a="http://schemas.openxmlformats.org/drawingml/2006/main" xmlns:r="http://schemas.openxmlformats.org/officeDocument/2006/relationships" xmlns:p="http://schemas.openxmlformats.org/presentationml/2006/main">
+  <p:cSld>
+    <p:spTree>
+      <p:nvGrpSpPr>
+        <p:cNvPr id="1" name=""/>
+        <p:cNvGrpSpPr/>
+        <p:nvPr/>
+      </p:nvGrpSpPr>
+      <p:grpSpPr/>
+      <p:sp>
+        <p:nvSpPr>
+          <p:cNvPr id="2" name="标题 1"/>
+          <p:cNvSpPr>
+            <a:spLocks noGrp="1"/>
+          </p:cNvSpPr>
+          <p:nvPr>
+            <p:ph type="title"/>
+          </p:nvPr>
+        </p:nvSpPr>
+        <p:spPr/>
+        <p:txBody>
+          <a:bodyPr/>
+          <a:p>
+            <a:r>
+              <a:rPr lang="en-US" altLang="zh-CN">
+                <a:latin typeface="华文中宋" panose="02010600040101010101" charset="-122"/>
+                <a:ea typeface="华文中宋" panose="02010600040101010101" charset="-122"/>
+                <a:sym typeface="+mn-ea"/>
+              </a:rPr>
+              <a:t>VSCode</a:t>
+            </a:r>
+            <a:r>
+              <a:rPr lang="zh-CN" altLang="en-US">
+                <a:latin typeface="华文中宋" panose="02010600040101010101" charset="-122"/>
+                <a:ea typeface="华文中宋" panose="02010600040101010101" charset="-122"/>
+                <a:sym typeface="+mn-ea"/>
+              </a:rPr>
+              <a:t>连接云主机</a:t>
+            </a:r>
+            <a:endParaRPr lang="zh-CN" altLang="en-US">
+              <a:latin typeface="华文中宋" panose="02010600040101010101" charset="-122"/>
+              <a:ea typeface="华文中宋" panose="02010600040101010101" charset="-122"/>
+              <a:sym typeface="+mn-ea"/>
+            </a:endParaRPr>
+          </a:p>
+        </p:txBody>
+      </p:sp>
+      <p:pic>
+        <p:nvPicPr>
+          <p:cNvPr id="4" name="图片 3"/>
+          <p:cNvPicPr>
+            <a:picLocks noChangeAspect="1"/>
+          </p:cNvPicPr>
+          <p:nvPr/>
+        </p:nvPicPr>
+        <p:blipFill>
+          <a:blip r:embed="rId1"/>
+          <a:stretch>
+            <a:fillRect/>
+          </a:stretch>
+        </p:blipFill>
+        <p:spPr>
+          <a:xfrm>
+            <a:off x="2475230" y="1978025"/>
+            <a:ext cx="7241540" cy="2441575"/>
+          </a:xfrm>
+          <a:prstGeom prst="rect">
+            <a:avLst/>
+          </a:prstGeom>
+        </p:spPr>
+      </p:pic>
+    </p:spTree>
+  </p:cSld>
+  <p:clrMapOvr>
+    <a:masterClrMapping/>
+  </p:clrMapOvr>
+</p:sld>
+</file>
+
+<file path=ppt/slides/slide4.xml><?xml version="1.0" encoding="utf-8"?>
+<p:sld xmlns:a="http://schemas.openxmlformats.org/drawingml/2006/main" xmlns:r="http://schemas.openxmlformats.org/officeDocument/2006/relationships" xmlns:p="http://schemas.openxmlformats.org/presentationml/2006/main">
+  <p:cSld>
+    <p:spTree>
+      <p:nvGrpSpPr>
+        <p:cNvPr id="1" name=""/>
+        <p:cNvGrpSpPr/>
+        <p:nvPr/>
+      </p:nvGrpSpPr>
+      <p:grpSpPr/>
+      <p:sp>
+        <p:nvSpPr>
+          <p:cNvPr id="2" name="标题 1"/>
+          <p:cNvSpPr>
+            <a:spLocks noGrp="1"/>
+          </p:cNvSpPr>
+          <p:nvPr>
+            <p:ph type="title"/>
+          </p:nvPr>
+        </p:nvSpPr>
+        <p:spPr/>
+        <p:txBody>
+          <a:bodyPr/>
+          <a:p>
+            <a:r>
+              <a:rPr lang="zh-CN" altLang="en-US">
+                <a:latin typeface="华文中宋" panose="02010600040101010101" charset="-122"/>
+                <a:ea typeface="华文中宋" panose="02010600040101010101" charset="-122"/>
+              </a:rPr>
+              <a:t>自我介绍</a:t>
+            </a:r>
+            <a:endParaRPr lang="zh-CN" altLang="en-US">
+              <a:latin typeface="华文中宋" panose="02010600040101010101" charset="-122"/>
+              <a:ea typeface="华文中宋" panose="02010600040101010101" charset="-122"/>
+            </a:endParaRPr>
+          </a:p>
+        </p:txBody>
+      </p:sp>
+      <p:sp>
+        <p:nvSpPr>
+          <p:cNvPr id="3" name="内容占位符 2"/>
+          <p:cNvSpPr>
+            <a:spLocks noGrp="1"/>
+          </p:cNvSpPr>
+          <p:nvPr>
+            <p:ph idx="1"/>
+          </p:nvPr>
+        </p:nvSpPr>
+        <p:spPr/>
+        <p:txBody>
+          <a:bodyPr/>
+          <a:p>
+            <a:pPr marL="0" indent="0">
+              <a:buNone/>
+            </a:pPr>
+            <a:r>
+              <a:rPr lang="zh-CN" altLang="en-US">
+                <a:latin typeface="华文中宋" panose="02010600040101010101" charset="-122"/>
+                <a:ea typeface="华文中宋" panose="02010600040101010101" charset="-122"/>
+                <a:cs typeface="华文中宋" panose="02010600040101010101" charset="-122"/>
+              </a:rPr>
+              <a:t>助教</a:t>
+            </a:r>
+            <a:r>
+              <a:rPr lang="en-US" altLang="zh-CN">
+                <a:latin typeface="华文中宋" panose="02010600040101010101" charset="-122"/>
+                <a:ea typeface="华文中宋" panose="02010600040101010101" charset="-122"/>
+                <a:cs typeface="华文中宋" panose="02010600040101010101" charset="-122"/>
+              </a:rPr>
+              <a:t> </a:t>
+            </a:r>
+            <a:r>
+              <a:rPr lang="zh-CN" altLang="en-US">
+                <a:latin typeface="华文中宋" panose="02010600040101010101" charset="-122"/>
+                <a:ea typeface="华文中宋" panose="02010600040101010101" charset="-122"/>
+                <a:cs typeface="华文中宋" panose="02010600040101010101" charset="-122"/>
+              </a:rPr>
+              <a:t>刘梓安</a:t>
+            </a:r>
+            <a:endParaRPr lang="zh-CN" altLang="en-US">
+              <a:latin typeface="华文中宋" panose="02010600040101010101" charset="-122"/>
+              <a:ea typeface="华文中宋" panose="02010600040101010101" charset="-122"/>
+              <a:cs typeface="华文中宋" panose="02010600040101010101" charset="-122"/>
+            </a:endParaRPr>
+          </a:p>
+          <a:p>
+            <a:pPr marL="0" indent="0">
+              <a:buNone/>
+            </a:pPr>
+            <a:r>
+              <a:rPr lang="zh-CN" altLang="en-US">
+                <a:latin typeface="华文中宋" panose="02010600040101010101" charset="-122"/>
+                <a:ea typeface="华文中宋" panose="02010600040101010101" charset="-122"/>
+                <a:cs typeface="华文中宋" panose="02010600040101010101" charset="-122"/>
+              </a:rPr>
+              <a:t>信科</a:t>
+            </a:r>
+            <a:r>
+              <a:rPr lang="en-US" altLang="zh-CN">
+                <a:latin typeface="华文中宋" panose="02010600040101010101" charset="-122"/>
+                <a:ea typeface="华文中宋" panose="02010600040101010101" charset="-122"/>
+                <a:cs typeface="华文中宋" panose="02010600040101010101" charset="-122"/>
+              </a:rPr>
+              <a:t>23</a:t>
+            </a:r>
+            <a:r>
+              <a:rPr lang="zh-CN" altLang="en-US">
+                <a:latin typeface="华文中宋" panose="02010600040101010101" charset="-122"/>
+                <a:ea typeface="华文中宋" panose="02010600040101010101" charset="-122"/>
+                <a:cs typeface="华文中宋" panose="02010600040101010101" charset="-122"/>
+              </a:rPr>
+              <a:t>级</a:t>
+            </a:r>
+            <a:r>
+              <a:rPr lang="en-US" altLang="zh-CN">
+                <a:latin typeface="华文中宋" panose="02010600040101010101" charset="-122"/>
+                <a:ea typeface="华文中宋" panose="02010600040101010101" charset="-122"/>
+                <a:cs typeface="华文中宋" panose="02010600040101010101" charset="-122"/>
+              </a:rPr>
+              <a:t> </a:t>
+            </a:r>
+            <a:r>
+              <a:rPr lang="zh-CN" altLang="en-US">
+                <a:latin typeface="华文中宋" panose="02010600040101010101" charset="-122"/>
+                <a:ea typeface="华文中宋" panose="02010600040101010101" charset="-122"/>
+                <a:cs typeface="华文中宋" panose="02010600040101010101" charset="-122"/>
+              </a:rPr>
+              <a:t>计算机科学与技术方向</a:t>
+            </a:r>
+            <a:endParaRPr lang="zh-CN" altLang="en-US">
+              <a:latin typeface="华文中宋" panose="02010600040101010101" charset="-122"/>
+              <a:ea typeface="华文中宋" panose="02010600040101010101" charset="-122"/>
+              <a:cs typeface="华文中宋" panose="02010600040101010101" charset="-122"/>
+            </a:endParaRPr>
+          </a:p>
+          <a:p>
+            <a:pPr marL="0" indent="0">
+              <a:buNone/>
+            </a:pPr>
+            <a:r>
+              <a:rPr lang="en-US" altLang="zh-CN">
+                <a:latin typeface="华文中宋" panose="02010600040101010101" charset="-122"/>
+                <a:ea typeface="华文中宋" panose="02010600040101010101" charset="-122"/>
+                <a:cs typeface="华文中宋" panose="02010600040101010101" charset="-122"/>
+              </a:rPr>
+              <a:t>aiiaa@stu.pku.edu.cn</a:t>
+            </a:r>
+            <a:endParaRPr lang="en-US" altLang="zh-CN">
+              <a:latin typeface="华文中宋" panose="02010600040101010101" charset="-122"/>
+              <a:ea typeface="华文中宋" panose="02010600040101010101" charset="-122"/>
+              <a:cs typeface="华文中宋" panose="02010600040101010101" charset="-122"/>
+            </a:endParaRPr>
+          </a:p>
+          <a:p>
+            <a:pPr marL="0" indent="0">
+              <a:buNone/>
+            </a:pPr>
+            <a:r>
+              <a:rPr lang="en-US" altLang="zh-CN">
+                <a:latin typeface="华文中宋" panose="02010600040101010101" charset="-122"/>
+                <a:ea typeface="华文中宋" panose="02010600040101010101" charset="-122"/>
+                <a:cs typeface="华文中宋" panose="02010600040101010101" charset="-122"/>
+              </a:rPr>
+              <a:t>15018014105</a:t>
+            </a:r>
+            <a:r>
+              <a:rPr lang="zh-CN" altLang="en-US">
+                <a:latin typeface="华文中宋" panose="02010600040101010101" charset="-122"/>
+                <a:ea typeface="华文中宋" panose="02010600040101010101" charset="-122"/>
+                <a:cs typeface="华文中宋" panose="02010600040101010101" charset="-122"/>
+              </a:rPr>
+              <a:t>（微信同号）</a:t>
+            </a:r>
+            <a:endParaRPr lang="zh-CN" altLang="en-US">
+              <a:latin typeface="华文中宋" panose="02010600040101010101" charset="-122"/>
+              <a:ea typeface="华文中宋" panose="02010600040101010101" charset="-122"/>
+              <a:cs typeface="华文中宋" panose="02010600040101010101" charset="-122"/>
+            </a:endParaRPr>
+          </a:p>
+          <a:p>
+            <a:pPr marL="0" indent="0">
+              <a:buNone/>
+            </a:pPr>
+            <a:endParaRPr lang="en-US" altLang="zh-CN">
+              <a:latin typeface="华文中宋" panose="02010600040101010101" charset="-122"/>
+              <a:ea typeface="华文中宋" panose="02010600040101010101" charset="-122"/>
+              <a:cs typeface="华文中宋" panose="02010600040101010101" charset="-122"/>
+            </a:endParaRPr>
+          </a:p>
+          <a:p>
+            <a:pPr marL="0" indent="0">
+              <a:buNone/>
+            </a:pPr>
+            <a:r>
+              <a:rPr lang="en-US" altLang="zh-CN">
+                <a:latin typeface="华文中宋" panose="02010600040101010101" charset="-122"/>
+                <a:ea typeface="华文中宋" panose="02010600040101010101" charset="-122"/>
+                <a:cs typeface="华文中宋" panose="02010600040101010101" charset="-122"/>
+              </a:rPr>
+              <a:t>- </a:t>
+            </a:r>
+            <a:r>
+              <a:rPr lang="zh-CN" altLang="en-US">
+                <a:latin typeface="华文中宋" panose="02010600040101010101" charset="-122"/>
+                <a:ea typeface="华文中宋" panose="02010600040101010101" charset="-122"/>
+                <a:cs typeface="华文中宋" panose="02010600040101010101" charset="-122"/>
+              </a:rPr>
+              <a:t>目前在王迪老师组里实习，编程语言方向，</a:t>
+            </a:r>
+            <a:r>
+              <a:rPr lang="en-US" altLang="zh-CN">
+                <a:latin typeface="华文中宋" panose="02010600040101010101" charset="-122"/>
+                <a:ea typeface="华文中宋" panose="02010600040101010101" charset="-122"/>
+                <a:cs typeface="华文中宋" panose="02010600040101010101" charset="-122"/>
+              </a:rPr>
+              <a:t>0</a:t>
+            </a:r>
+            <a:r>
+              <a:rPr lang="zh-CN" altLang="en-US">
+                <a:latin typeface="华文中宋" panose="02010600040101010101" charset="-122"/>
+                <a:ea typeface="华文中宋" panose="02010600040101010101" charset="-122"/>
+                <a:cs typeface="华文中宋" panose="02010600040101010101" charset="-122"/>
+              </a:rPr>
+              <a:t>成果</a:t>
+            </a:r>
+            <a:endParaRPr lang="zh-CN" altLang="en-US">
+              <a:latin typeface="华文中宋" panose="02010600040101010101" charset="-122"/>
+              <a:ea typeface="华文中宋" panose="02010600040101010101" charset="-122"/>
+              <a:cs typeface="华文中宋" panose="02010600040101010101" charset="-122"/>
+            </a:endParaRPr>
+          </a:p>
+          <a:p>
+            <a:pPr marL="0" indent="0">
+              <a:buNone/>
+            </a:pPr>
+            <a:r>
+              <a:rPr lang="en-US" altLang="zh-CN">
+                <a:latin typeface="华文中宋" panose="02010600040101010101" charset="-122"/>
+                <a:ea typeface="华文中宋" panose="02010600040101010101" charset="-122"/>
+                <a:cs typeface="华文中宋" panose="02010600040101010101" charset="-122"/>
+              </a:rPr>
+              <a:t>- </a:t>
+            </a:r>
+            <a:r>
+              <a:rPr lang="zh-CN" altLang="en-US">
+                <a:latin typeface="华文中宋" panose="02010600040101010101" charset="-122"/>
+                <a:ea typeface="华文中宋" panose="02010600040101010101" charset="-122"/>
+                <a:cs typeface="华文中宋" panose="02010600040101010101" charset="-122"/>
+              </a:rPr>
+              <a:t>本学期选修计算机网络、计算机组织与体系结构课程</a:t>
+            </a:r>
+            <a:endParaRPr lang="zh-CN" altLang="en-US">
+              <a:latin typeface="华文中宋" panose="02010600040101010101" charset="-122"/>
+              <a:ea typeface="华文中宋" panose="02010600040101010101" charset="-122"/>
+              <a:cs typeface="华文中宋" panose="02010600040101010101" charset="-122"/>
+            </a:endParaRPr>
+          </a:p>
+          <a:p>
+            <a:pPr marL="0" indent="0">
+              <a:buNone/>
+            </a:pPr>
+            <a:r>
+              <a:rPr lang="en-US" altLang="zh-CN">
+                <a:latin typeface="华文中宋" panose="02010600040101010101" charset="-122"/>
+                <a:ea typeface="华文中宋" panose="02010600040101010101" charset="-122"/>
+                <a:cs typeface="华文中宋" panose="02010600040101010101" charset="-122"/>
+              </a:rPr>
+              <a:t>- </a:t>
+            </a:r>
+            <a:r>
+              <a:rPr lang="zh-CN" altLang="en-US">
+                <a:latin typeface="华文中宋" panose="02010600040101010101" charset="-122"/>
+                <a:ea typeface="华文中宋" panose="02010600040101010101" charset="-122"/>
+                <a:cs typeface="华文中宋" panose="02010600040101010101" charset="-122"/>
+              </a:rPr>
+              <a:t>非专业兴趣包括语言学及地理学</a:t>
+            </a:r>
+            <a:endParaRPr lang="zh-CN" altLang="en-US">
+              <a:latin typeface="华文中宋" panose="02010600040101010101" charset="-122"/>
+              <a:ea typeface="华文中宋" panose="02010600040101010101" charset="-122"/>
+              <a:cs typeface="华文中宋" panose="02010600040101010101" charset="-122"/>
+            </a:endParaRPr>
+          </a:p>
+        </p:txBody>
+      </p:sp>
+    </p:spTree>
+  </p:cSld>
+  <p:clrMapOvr>
+    <a:masterClrMapping/>
+  </p:clrMapOvr>
+</p:sld>
+</file>
+
+<file path=ppt/slides/slide40.xml><?xml version="1.0" encoding="utf-8"?>
+<p:sld xmlns:a="http://schemas.openxmlformats.org/drawingml/2006/main" xmlns:r="http://schemas.openxmlformats.org/officeDocument/2006/relationships" xmlns:p="http://schemas.openxmlformats.org/presentationml/2006/main">
+  <p:cSld>
+    <p:spTree>
+      <p:nvGrpSpPr>
+        <p:cNvPr id="1" name=""/>
+        <p:cNvGrpSpPr/>
+        <p:nvPr/>
+      </p:nvGrpSpPr>
+      <p:grpSpPr/>
+      <p:sp>
+        <p:nvSpPr>
+          <p:cNvPr id="2" name="标题 1"/>
+          <p:cNvSpPr>
+            <a:spLocks noGrp="1"/>
+          </p:cNvSpPr>
+          <p:nvPr>
+            <p:ph type="title"/>
+          </p:nvPr>
+        </p:nvSpPr>
+        <p:spPr/>
+        <p:txBody>
+          <a:bodyPr/>
+          <a:p>
+            <a:r>
+              <a:rPr lang="en-US" altLang="zh-CN">
+                <a:latin typeface="华文中宋" panose="02010600040101010101" charset="-122"/>
+                <a:ea typeface="华文中宋" panose="02010600040101010101" charset="-122"/>
+                <a:sym typeface="+mn-ea"/>
+              </a:rPr>
+              <a:t>Linux</a:t>
+            </a:r>
+            <a:r>
+              <a:rPr lang="zh-CN" altLang="en-US">
+                <a:latin typeface="华文中宋" panose="02010600040101010101" charset="-122"/>
+                <a:ea typeface="华文中宋" panose="02010600040101010101" charset="-122"/>
+                <a:sym typeface="+mn-ea"/>
+              </a:rPr>
+              <a:t>基本操作</a:t>
+            </a:r>
+            <a:endParaRPr lang="zh-CN" altLang="en-US">
+              <a:latin typeface="华文中宋" panose="02010600040101010101" charset="-122"/>
+              <a:ea typeface="华文中宋" panose="02010600040101010101" charset="-122"/>
+              <a:sym typeface="+mn-ea"/>
+            </a:endParaRPr>
+          </a:p>
+        </p:txBody>
+      </p:sp>
+      <p:sp>
+        <p:nvSpPr>
+          <p:cNvPr id="3" name="内容占位符 2"/>
+          <p:cNvSpPr>
+            <a:spLocks noGrp="1"/>
+          </p:cNvSpPr>
+          <p:nvPr>
+            <p:ph idx="1"/>
+          </p:nvPr>
+        </p:nvSpPr>
+        <p:spPr>
+          <a:xfrm>
+            <a:off x="838200" y="1825625"/>
+            <a:ext cx="10813415" cy="4351655"/>
+          </a:xfrm>
+        </p:spPr>
+        <p:txBody>
+          <a:bodyPr/>
+          <a:p>
+            <a:pPr marL="0" indent="0">
+              <a:buNone/>
+            </a:pPr>
+            <a:r>
+              <a:rPr lang="en-US" altLang="zh-CN">
+                <a:latin typeface="华文中宋" panose="02010600040101010101" charset="-122"/>
+                <a:ea typeface="华文中宋" panose="02010600040101010101" charset="-122"/>
+              </a:rPr>
+              <a:t>scp </a:t>
+            </a:r>
+            <a:r>
+              <a:rPr lang="zh-CN" altLang="en-US">
+                <a:latin typeface="华文中宋" panose="02010600040101010101" charset="-122"/>
+                <a:ea typeface="华文中宋" panose="02010600040101010101" charset="-122"/>
+              </a:rPr>
+              <a:t>源</a:t>
+            </a:r>
+            <a:r>
+              <a:rPr lang="en-US" altLang="zh-CN">
+                <a:latin typeface="华文中宋" panose="02010600040101010101" charset="-122"/>
+                <a:ea typeface="华文中宋" panose="02010600040101010101" charset="-122"/>
+              </a:rPr>
+              <a:t> </a:t>
+            </a:r>
+            <a:r>
+              <a:rPr lang="zh-CN" altLang="en-US">
+                <a:latin typeface="华文中宋" panose="02010600040101010101" charset="-122"/>
+                <a:ea typeface="华文中宋" panose="02010600040101010101" charset="-122"/>
+              </a:rPr>
+              <a:t>目标：远程复制</a:t>
+            </a:r>
+            <a:endParaRPr lang="zh-CN" altLang="en-US">
+              <a:latin typeface="华文中宋" panose="02010600040101010101" charset="-122"/>
+              <a:ea typeface="华文中宋" panose="02010600040101010101" charset="-122"/>
+            </a:endParaRPr>
+          </a:p>
+          <a:p>
+            <a:pPr marL="0" indent="0">
+              <a:buNone/>
+            </a:pPr>
+            <a:r>
+              <a:rPr lang="en-US" altLang="zh-CN">
+                <a:latin typeface="华文中宋" panose="02010600040101010101" charset="-122"/>
+                <a:ea typeface="华文中宋" panose="02010600040101010101" charset="-122"/>
+              </a:rPr>
+              <a:t>cd </a:t>
+            </a:r>
+            <a:r>
+              <a:rPr lang="zh-CN" altLang="en-US">
+                <a:latin typeface="华文中宋" panose="02010600040101010101" charset="-122"/>
+                <a:ea typeface="华文中宋" panose="02010600040101010101" charset="-122"/>
+              </a:rPr>
+              <a:t>目录：进入目录（</a:t>
+            </a:r>
+            <a:r>
+              <a:rPr lang="en-US" altLang="zh-CN">
+                <a:latin typeface="华文中宋" panose="02010600040101010101" charset="-122"/>
+                <a:ea typeface="华文中宋" panose="02010600040101010101" charset="-122"/>
+              </a:rPr>
+              <a:t>cd xxx; cd ..</a:t>
+            </a:r>
+            <a:r>
+              <a:rPr lang="zh-CN" altLang="en-US">
+                <a:latin typeface="华文中宋" panose="02010600040101010101" charset="-122"/>
+                <a:ea typeface="华文中宋" panose="02010600040101010101" charset="-122"/>
+              </a:rPr>
+              <a:t>）</a:t>
+            </a:r>
+            <a:endParaRPr lang="zh-CN" altLang="en-US">
+              <a:latin typeface="华文中宋" panose="02010600040101010101" charset="-122"/>
+              <a:ea typeface="华文中宋" panose="02010600040101010101" charset="-122"/>
+            </a:endParaRPr>
+          </a:p>
+          <a:p>
+            <a:pPr marL="0" indent="0">
+              <a:buNone/>
+            </a:pPr>
+            <a:r>
+              <a:rPr lang="en-US" altLang="zh-CN">
+                <a:latin typeface="华文中宋" panose="02010600040101010101" charset="-122"/>
+                <a:ea typeface="华文中宋" panose="02010600040101010101" charset="-122"/>
+              </a:rPr>
+              <a:t>mkdir </a:t>
+            </a:r>
+            <a:r>
+              <a:rPr lang="zh-CN" altLang="en-US">
+                <a:latin typeface="华文中宋" panose="02010600040101010101" charset="-122"/>
+                <a:ea typeface="华文中宋" panose="02010600040101010101" charset="-122"/>
+              </a:rPr>
+              <a:t>名称：新建目录</a:t>
+            </a:r>
+            <a:endParaRPr lang="zh-CN" altLang="en-US">
+              <a:latin typeface="华文中宋" panose="02010600040101010101" charset="-122"/>
+              <a:ea typeface="华文中宋" panose="02010600040101010101" charset="-122"/>
+            </a:endParaRPr>
+          </a:p>
+          <a:p>
+            <a:pPr marL="0" indent="0">
+              <a:buNone/>
+            </a:pPr>
+            <a:r>
+              <a:rPr lang="en-US" altLang="zh-CN">
+                <a:latin typeface="华文中宋" panose="02010600040101010101" charset="-122"/>
+                <a:ea typeface="华文中宋" panose="02010600040101010101" charset="-122"/>
+              </a:rPr>
+              <a:t>ls</a:t>
+            </a:r>
+            <a:r>
+              <a:rPr lang="zh-CN" altLang="en-US">
+                <a:latin typeface="华文中宋" panose="02010600040101010101" charset="-122"/>
+                <a:ea typeface="华文中宋" panose="02010600040101010101" charset="-122"/>
+              </a:rPr>
+              <a:t>：列出当前目录下文件及文件夹</a:t>
+            </a:r>
+            <a:endParaRPr lang="zh-CN" altLang="en-US">
+              <a:latin typeface="华文中宋" panose="02010600040101010101" charset="-122"/>
+              <a:ea typeface="华文中宋" panose="02010600040101010101" charset="-122"/>
+            </a:endParaRPr>
+          </a:p>
+          <a:p>
+            <a:pPr marL="0" indent="0">
+              <a:buNone/>
+            </a:pPr>
+            <a:endParaRPr lang="zh-CN" altLang="en-US">
+              <a:latin typeface="华文中宋" panose="02010600040101010101" charset="-122"/>
+              <a:ea typeface="华文中宋" panose="02010600040101010101" charset="-122"/>
+            </a:endParaRPr>
+          </a:p>
+          <a:p>
+            <a:pPr marL="0" indent="0">
+              <a:buNone/>
+            </a:pPr>
+            <a:r>
+              <a:rPr lang="zh-CN" altLang="en-US">
+                <a:latin typeface="华文中宋" panose="02010600040101010101" charset="-122"/>
+                <a:ea typeface="华文中宋" panose="02010600040101010101" charset="-122"/>
+              </a:rPr>
+              <a:t>更多操作需要时善用搜索即可</a:t>
+            </a:r>
+            <a:endParaRPr lang="zh-CN" altLang="en-US">
+              <a:latin typeface="华文中宋" panose="02010600040101010101" charset="-122"/>
+              <a:ea typeface="华文中宋" panose="02010600040101010101" charset="-122"/>
+            </a:endParaRPr>
+          </a:p>
+        </p:txBody>
+      </p:sp>
+    </p:spTree>
+  </p:cSld>
+  <p:clrMapOvr>
+    <a:masterClrMapping/>
+  </p:clrMapOvr>
+</p:sld>
+</file>
+
+<file path=ppt/slides/slide41.xml><?xml version="1.0" encoding="utf-8"?>
+<p:sld xmlns:a="http://schemas.openxmlformats.org/drawingml/2006/main" xmlns:r="http://schemas.openxmlformats.org/officeDocument/2006/relationships" xmlns:p="http://schemas.openxmlformats.org/presentationml/2006/main">
+  <p:cSld>
+    <p:spTree>
+      <p:nvGrpSpPr>
+        <p:cNvPr id="1" name=""/>
+        <p:cNvGrpSpPr/>
+        <p:nvPr/>
+      </p:nvGrpSpPr>
+      <p:grpSpPr/>
+      <p:sp>
+        <p:nvSpPr>
+          <p:cNvPr id="2" name="标题 1"/>
+          <p:cNvSpPr>
+            <a:spLocks noGrp="1"/>
+          </p:cNvSpPr>
+          <p:nvPr>
+            <p:ph type="title"/>
+          </p:nvPr>
+        </p:nvSpPr>
+        <p:spPr/>
+        <p:txBody>
+          <a:bodyPr/>
+          <a:p>
+            <a:r>
+              <a:rPr lang="zh-CN">
+                <a:latin typeface="华文中宋" panose="02010600040101010101" charset="-122"/>
+                <a:ea typeface="华文中宋" panose="02010600040101010101" charset="-122"/>
+                <a:sym typeface="+mn-ea"/>
+              </a:rPr>
+              <a:t>其实</a:t>
+            </a:r>
+            <a:r>
+              <a:rPr lang="en-US" altLang="zh-CN">
+                <a:latin typeface="华文中宋" panose="02010600040101010101" charset="-122"/>
+                <a:ea typeface="华文中宋" panose="02010600040101010101" charset="-122"/>
+                <a:sym typeface="+mn-ea"/>
+              </a:rPr>
+              <a:t>ICS</a:t>
+            </a:r>
+            <a:r>
+              <a:rPr lang="zh-CN" altLang="en-US">
+                <a:latin typeface="华文中宋" panose="02010600040101010101" charset="-122"/>
+                <a:ea typeface="华文中宋" panose="02010600040101010101" charset="-122"/>
+                <a:sym typeface="+mn-ea"/>
+              </a:rPr>
+              <a:t>并不难</a:t>
+            </a:r>
+            <a:endParaRPr lang="zh-CN" altLang="en-US">
+              <a:latin typeface="华文中宋" panose="02010600040101010101" charset="-122"/>
+              <a:ea typeface="华文中宋" panose="02010600040101010101" charset="-122"/>
+              <a:sym typeface="+mn-ea"/>
+            </a:endParaRPr>
+          </a:p>
+        </p:txBody>
+      </p:sp>
+      <p:pic>
+        <p:nvPicPr>
+          <p:cNvPr id="4" name="内容占位符 3"/>
+          <p:cNvPicPr>
+            <a:picLocks noChangeAspect="1"/>
+          </p:cNvPicPr>
+          <p:nvPr>
+            <p:ph idx="1"/>
+          </p:nvPr>
+        </p:nvPicPr>
+        <p:blipFill>
+          <a:blip r:embed="rId1"/>
+          <a:stretch>
+            <a:fillRect/>
+          </a:stretch>
+        </p:blipFill>
+        <p:spPr>
+          <a:xfrm>
+            <a:off x="838200" y="1800860"/>
+            <a:ext cx="10436860" cy="716915"/>
+          </a:xfrm>
+          <a:prstGeom prst="rect">
+            <a:avLst/>
+          </a:prstGeom>
+        </p:spPr>
+      </p:pic>
+    </p:spTree>
+  </p:cSld>
+  <p:clrMapOvr>
+    <a:masterClrMapping/>
+  </p:clrMapOvr>
+</p:sld>
+</file>
+
+<file path=ppt/slides/slide42.xml><?xml version="1.0" encoding="utf-8"?>
+<p:sld xmlns:a="http://schemas.openxmlformats.org/drawingml/2006/main" xmlns:r="http://schemas.openxmlformats.org/officeDocument/2006/relationships" xmlns:p="http://schemas.openxmlformats.org/presentationml/2006/main">
+  <p:cSld>
+    <p:spTree>
+      <p:nvGrpSpPr>
+        <p:cNvPr id="1" name=""/>
+        <p:cNvGrpSpPr/>
+        <p:nvPr/>
+      </p:nvGrpSpPr>
+      <p:grpSpPr/>
+      <p:sp>
+        <p:nvSpPr>
+          <p:cNvPr id="2" name="标题 1"/>
+          <p:cNvSpPr>
+            <a:spLocks noGrp="1"/>
+          </p:cNvSpPr>
+          <p:nvPr>
+            <p:ph type="title"/>
+          </p:nvPr>
+        </p:nvSpPr>
+        <p:spPr/>
+        <p:txBody>
+          <a:bodyPr/>
+          <a:p>
+            <a:r>
+              <a:rPr lang="zh-CN">
+                <a:latin typeface="华文中宋" panose="02010600040101010101" charset="-122"/>
+                <a:ea typeface="华文中宋" panose="02010600040101010101" charset="-122"/>
+                <a:sym typeface="+mn-ea"/>
+              </a:rPr>
+              <a:t>其实</a:t>
+            </a:r>
+            <a:r>
+              <a:rPr lang="en-US" altLang="zh-CN">
+                <a:latin typeface="华文中宋" panose="02010600040101010101" charset="-122"/>
+                <a:ea typeface="华文中宋" panose="02010600040101010101" charset="-122"/>
+                <a:sym typeface="+mn-ea"/>
+              </a:rPr>
+              <a:t>ICS</a:t>
+            </a:r>
+            <a:r>
+              <a:rPr lang="zh-CN" altLang="en-US">
+                <a:latin typeface="华文中宋" panose="02010600040101010101" charset="-122"/>
+                <a:ea typeface="华文中宋" panose="02010600040101010101" charset="-122"/>
+                <a:sym typeface="+mn-ea"/>
+              </a:rPr>
+              <a:t>并不难</a:t>
+            </a:r>
+            <a:endParaRPr lang="zh-CN" altLang="en-US">
+              <a:latin typeface="华文中宋" panose="02010600040101010101" charset="-122"/>
+              <a:ea typeface="华文中宋" panose="02010600040101010101" charset="-122"/>
+              <a:sym typeface="+mn-ea"/>
+            </a:endParaRPr>
+          </a:p>
+        </p:txBody>
+      </p:sp>
+      <p:pic>
+        <p:nvPicPr>
+          <p:cNvPr id="4" name="内容占位符 3"/>
+          <p:cNvPicPr>
+            <a:picLocks noChangeAspect="1"/>
+          </p:cNvPicPr>
+          <p:nvPr>
+            <p:ph idx="1"/>
+          </p:nvPr>
+        </p:nvPicPr>
+        <p:blipFill>
+          <a:blip r:embed="rId1"/>
+          <a:stretch>
+            <a:fillRect/>
+          </a:stretch>
+        </p:blipFill>
+        <p:spPr>
+          <a:xfrm>
+            <a:off x="838200" y="1800860"/>
+            <a:ext cx="10436860" cy="716915"/>
+          </a:xfrm>
+          <a:prstGeom prst="rect">
+            <a:avLst/>
+          </a:prstGeom>
+        </p:spPr>
+      </p:pic>
+      <p:pic>
+        <p:nvPicPr>
+          <p:cNvPr id="3" name="图片 2"/>
+          <p:cNvPicPr>
+            <a:picLocks noChangeAspect="1"/>
+          </p:cNvPicPr>
+          <p:nvPr/>
+        </p:nvPicPr>
+        <p:blipFill>
+          <a:blip r:embed="rId2"/>
+          <a:stretch>
+            <a:fillRect/>
+          </a:stretch>
+        </p:blipFill>
+        <p:spPr>
+          <a:xfrm>
+            <a:off x="1721485" y="2778760"/>
+            <a:ext cx="6030595" cy="1111885"/>
+          </a:xfrm>
+          <a:prstGeom prst="rect">
+            <a:avLst/>
+          </a:prstGeom>
+        </p:spPr>
+      </p:pic>
+    </p:spTree>
+  </p:cSld>
+  <p:clrMapOvr>
+    <a:masterClrMapping/>
+  </p:clrMapOvr>
+</p:sld>
+</file>
+
+<file path=ppt/slides/slide43.xml><?xml version="1.0" encoding="utf-8"?>
+<p:sld xmlns:a="http://schemas.openxmlformats.org/drawingml/2006/main" xmlns:r="http://schemas.openxmlformats.org/officeDocument/2006/relationships" xmlns:p="http://schemas.openxmlformats.org/presentationml/2006/main">
+  <p:cSld>
+    <p:spTree>
+      <p:nvGrpSpPr>
+        <p:cNvPr id="1" name=""/>
+        <p:cNvGrpSpPr/>
+        <p:nvPr/>
+      </p:nvGrpSpPr>
+      <p:grpSpPr/>
+      <p:sp>
+        <p:nvSpPr>
+          <p:cNvPr id="2" name="标题 1"/>
+          <p:cNvSpPr>
+            <a:spLocks noGrp="1"/>
+          </p:cNvSpPr>
+          <p:nvPr>
+            <p:ph type="title"/>
+          </p:nvPr>
+        </p:nvSpPr>
+        <p:spPr/>
+        <p:txBody>
+          <a:bodyPr/>
+          <a:p>
+            <a:r>
+              <a:rPr lang="zh-CN">
+                <a:latin typeface="华文中宋" panose="02010600040101010101" charset="-122"/>
+                <a:ea typeface="华文中宋" panose="02010600040101010101" charset="-122"/>
+                <a:sym typeface="+mn-ea"/>
+              </a:rPr>
+              <a:t>知识前瞻</a:t>
+            </a:r>
+            <a:endParaRPr lang="zh-CN">
+              <a:latin typeface="华文中宋" panose="02010600040101010101" charset="-122"/>
+              <a:ea typeface="华文中宋" panose="02010600040101010101" charset="-122"/>
+              <a:sym typeface="+mn-ea"/>
+            </a:endParaRPr>
+          </a:p>
+        </p:txBody>
+      </p:sp>
+      <p:sp>
+        <p:nvSpPr>
+          <p:cNvPr id="3" name="内容占位符 2"/>
+          <p:cNvSpPr>
+            <a:spLocks noGrp="1"/>
+          </p:cNvSpPr>
+          <p:nvPr>
+            <p:ph idx="1"/>
+          </p:nvPr>
+        </p:nvSpPr>
+        <p:spPr>
+          <a:xfrm>
+            <a:off x="838200" y="1825625"/>
+            <a:ext cx="10813415" cy="4351655"/>
+          </a:xfrm>
+        </p:spPr>
+        <p:txBody>
+          <a:bodyPr/>
+          <a:p>
+            <a:pPr marL="0" indent="0">
+              <a:buNone/>
+            </a:pPr>
+            <a:r>
+              <a:rPr lang="zh-CN">
+                <a:latin typeface="华文中宋" panose="02010600040101010101" charset="-122"/>
+                <a:ea typeface="华文中宋" panose="02010600040101010101" charset="-122"/>
+              </a:rPr>
+              <a:t>信息存储</a:t>
+            </a:r>
+            <a:endParaRPr lang="zh-CN">
+              <a:latin typeface="华文中宋" panose="02010600040101010101" charset="-122"/>
+              <a:ea typeface="华文中宋" panose="02010600040101010101" charset="-122"/>
+            </a:endParaRPr>
+          </a:p>
+          <a:p>
+            <a:pPr marL="0" indent="0">
+              <a:buNone/>
+            </a:pPr>
+            <a:r>
+              <a:rPr lang="en-US" altLang="zh-CN">
+                <a:latin typeface="华文中宋" panose="02010600040101010101" charset="-122"/>
+                <a:ea typeface="华文中宋" panose="02010600040101010101" charset="-122"/>
+              </a:rPr>
+              <a:t>- </a:t>
+            </a:r>
+            <a:r>
+              <a:rPr lang="zh-CN" altLang="en-US">
+                <a:latin typeface="华文中宋" panose="02010600040101010101" charset="-122"/>
+                <a:ea typeface="华文中宋" panose="02010600040101010101" charset="-122"/>
+              </a:rPr>
+              <a:t>不同机器的类型大小区别？</a:t>
+            </a:r>
+            <a:endParaRPr lang="zh-CN" altLang="en-US">
+              <a:latin typeface="华文中宋" panose="02010600040101010101" charset="-122"/>
+              <a:ea typeface="华文中宋" panose="02010600040101010101" charset="-122"/>
+            </a:endParaRPr>
+          </a:p>
+          <a:p>
+            <a:pPr marL="0" indent="0">
+              <a:buNone/>
+            </a:pPr>
+            <a:r>
+              <a:rPr lang="en-US" altLang="zh-CN">
+                <a:latin typeface="华文中宋" panose="02010600040101010101" charset="-122"/>
+                <a:ea typeface="华文中宋" panose="02010600040101010101" charset="-122"/>
+              </a:rPr>
+              <a:t>- </a:t>
+            </a:r>
+            <a:r>
+              <a:rPr lang="zh-CN" altLang="en-US">
+                <a:latin typeface="华文中宋" panose="02010600040101010101" charset="-122"/>
+                <a:ea typeface="华文中宋" panose="02010600040101010101" charset="-122"/>
+              </a:rPr>
+              <a:t>位运算、逻辑运算特殊规则？</a:t>
+            </a:r>
+            <a:endParaRPr lang="zh-CN" altLang="en-US">
+              <a:latin typeface="华文中宋" panose="02010600040101010101" charset="-122"/>
+              <a:ea typeface="华文中宋" panose="02010600040101010101" charset="-122"/>
+            </a:endParaRPr>
+          </a:p>
+        </p:txBody>
+      </p:sp>
+    </p:spTree>
+  </p:cSld>
+  <p:clrMapOvr>
+    <a:masterClrMapping/>
+  </p:clrMapOvr>
+</p:sld>
+</file>
+
+<file path=ppt/slides/slide44.xml><?xml version="1.0" encoding="utf-8"?>
+<p:sld xmlns:a="http://schemas.openxmlformats.org/drawingml/2006/main" xmlns:r="http://schemas.openxmlformats.org/officeDocument/2006/relationships" xmlns:p="http://schemas.openxmlformats.org/presentationml/2006/main">
+  <p:cSld>
+    <p:spTree>
+      <p:nvGrpSpPr>
+        <p:cNvPr id="1" name=""/>
+        <p:cNvGrpSpPr/>
+        <p:nvPr/>
+      </p:nvGrpSpPr>
+      <p:grpSpPr/>
+      <p:sp>
+        <p:nvSpPr>
+          <p:cNvPr id="2" name="标题 1"/>
+          <p:cNvSpPr>
+            <a:spLocks noGrp="1"/>
+          </p:cNvSpPr>
+          <p:nvPr>
+            <p:ph type="title"/>
+          </p:nvPr>
+        </p:nvSpPr>
+        <p:spPr/>
+        <p:txBody>
+          <a:bodyPr/>
+          <a:p>
+            <a:r>
+              <a:rPr lang="zh-CN">
+                <a:latin typeface="华文中宋" panose="02010600040101010101" charset="-122"/>
+                <a:ea typeface="华文中宋" panose="02010600040101010101" charset="-122"/>
+                <a:sym typeface="+mn-ea"/>
+              </a:rPr>
+              <a:t>知识前瞻</a:t>
+            </a:r>
+            <a:endParaRPr lang="zh-CN">
+              <a:latin typeface="华文中宋" panose="02010600040101010101" charset="-122"/>
+              <a:ea typeface="华文中宋" panose="02010600040101010101" charset="-122"/>
+              <a:sym typeface="+mn-ea"/>
+            </a:endParaRPr>
+          </a:p>
+        </p:txBody>
+      </p:sp>
+      <p:sp>
+        <p:nvSpPr>
+          <p:cNvPr id="3" name="内容占位符 2"/>
+          <p:cNvSpPr>
+            <a:spLocks noGrp="1"/>
+          </p:cNvSpPr>
+          <p:nvPr>
+            <p:ph idx="1"/>
+          </p:nvPr>
+        </p:nvSpPr>
+        <p:spPr>
+          <a:xfrm>
+            <a:off x="838200" y="1825625"/>
+            <a:ext cx="10813415" cy="4351655"/>
+          </a:xfrm>
+        </p:spPr>
+        <p:txBody>
+          <a:bodyPr/>
+          <a:p>
+            <a:pPr marL="0" indent="0">
+              <a:buNone/>
+            </a:pPr>
+            <a:r>
+              <a:rPr lang="zh-CN" altLang="en-US">
+                <a:latin typeface="华文中宋" panose="02010600040101010101" charset="-122"/>
+                <a:ea typeface="华文中宋" panose="02010600040101010101" charset="-122"/>
+              </a:rPr>
+              <a:t>整数</a:t>
+            </a:r>
+            <a:endParaRPr lang="zh-CN" altLang="en-US">
+              <a:latin typeface="华文中宋" panose="02010600040101010101" charset="-122"/>
+              <a:ea typeface="华文中宋" panose="02010600040101010101" charset="-122"/>
+            </a:endParaRPr>
+          </a:p>
+          <a:p>
+            <a:pPr marL="0" indent="0">
+              <a:buNone/>
+            </a:pPr>
+            <a:r>
+              <a:rPr lang="en-US" altLang="zh-CN">
+                <a:latin typeface="华文中宋" panose="02010600040101010101" charset="-122"/>
+                <a:ea typeface="华文中宋" panose="02010600040101010101" charset="-122"/>
+              </a:rPr>
+              <a:t>- </a:t>
+            </a:r>
+            <a:r>
+              <a:rPr lang="zh-CN" altLang="en-US">
+                <a:latin typeface="华文中宋" panose="02010600040101010101" charset="-122"/>
+                <a:ea typeface="华文中宋" panose="02010600040101010101" charset="-122"/>
+              </a:rPr>
+              <a:t>与单纯二进制的区别？</a:t>
+            </a:r>
+            <a:endParaRPr lang="zh-CN" altLang="en-US">
+              <a:latin typeface="华文中宋" panose="02010600040101010101" charset="-122"/>
+              <a:ea typeface="华文中宋" panose="02010600040101010101" charset="-122"/>
+            </a:endParaRPr>
+          </a:p>
+          <a:p>
+            <a:pPr marL="0" indent="0">
+              <a:buNone/>
+            </a:pPr>
+            <a:r>
+              <a:rPr lang="en-US" altLang="zh-CN">
+                <a:latin typeface="华文中宋" panose="02010600040101010101" charset="-122"/>
+                <a:ea typeface="华文中宋" panose="02010600040101010101" charset="-122"/>
+              </a:rPr>
+              <a:t>- </a:t>
+            </a:r>
+            <a:r>
+              <a:rPr lang="zh-CN" altLang="en-US">
+                <a:latin typeface="华文中宋" panose="02010600040101010101" charset="-122"/>
+                <a:ea typeface="华文中宋" panose="02010600040101010101" charset="-122"/>
+              </a:rPr>
+              <a:t>运算溢出的统一原则？</a:t>
+            </a:r>
+            <a:endParaRPr lang="zh-CN" altLang="en-US">
+              <a:latin typeface="华文中宋" panose="02010600040101010101" charset="-122"/>
+              <a:ea typeface="华文中宋" panose="02010600040101010101" charset="-122"/>
+            </a:endParaRPr>
+          </a:p>
+          <a:p>
+            <a:pPr marL="0" indent="0">
+              <a:buNone/>
+            </a:pPr>
+            <a:r>
+              <a:rPr lang="en-US" altLang="zh-CN">
+                <a:latin typeface="华文中宋" panose="02010600040101010101" charset="-122"/>
+                <a:ea typeface="华文中宋" panose="02010600040101010101" charset="-122"/>
+              </a:rPr>
+              <a:t>- </a:t>
+            </a:r>
+            <a:r>
+              <a:rPr lang="zh-CN" altLang="en-US">
+                <a:latin typeface="华文中宋" panose="02010600040101010101" charset="-122"/>
+                <a:ea typeface="华文中宋" panose="02010600040101010101" charset="-122"/>
+              </a:rPr>
+              <a:t>类型转换的统一原则？</a:t>
+            </a:r>
+            <a:endParaRPr lang="zh-CN" altLang="en-US">
+              <a:latin typeface="华文中宋" panose="02010600040101010101" charset="-122"/>
+              <a:ea typeface="华文中宋" panose="02010600040101010101" charset="-122"/>
+            </a:endParaRPr>
+          </a:p>
+          <a:p>
+            <a:pPr marL="0" indent="0">
+              <a:buNone/>
+            </a:pPr>
+            <a:r>
+              <a:rPr lang="en-US" altLang="zh-CN">
+                <a:latin typeface="华文中宋" panose="02010600040101010101" charset="-122"/>
+                <a:ea typeface="华文中宋" panose="02010600040101010101" charset="-122"/>
+              </a:rPr>
+              <a:t>- </a:t>
+            </a:r>
+            <a:r>
+              <a:rPr lang="zh-CN" altLang="en-US">
+                <a:latin typeface="华文中宋" panose="02010600040101010101" charset="-122"/>
+                <a:ea typeface="华文中宋" panose="02010600040101010101" charset="-122"/>
+              </a:rPr>
+              <a:t>某些行为的顺序？</a:t>
+            </a:r>
+            <a:endParaRPr lang="zh-CN" altLang="en-US">
+              <a:latin typeface="华文中宋" panose="02010600040101010101" charset="-122"/>
+              <a:ea typeface="华文中宋" panose="02010600040101010101" charset="-122"/>
+            </a:endParaRPr>
+          </a:p>
+          <a:p>
+            <a:pPr marL="0" indent="0">
+              <a:buNone/>
+            </a:pPr>
+            <a:r>
+              <a:rPr lang="en-US" altLang="zh-CN">
+                <a:latin typeface="华文中宋" panose="02010600040101010101" charset="-122"/>
+                <a:ea typeface="华文中宋" panose="02010600040101010101" charset="-122"/>
+              </a:rPr>
+              <a:t>- </a:t>
+            </a:r>
+            <a:r>
+              <a:rPr lang="zh-CN" altLang="en-US">
+                <a:latin typeface="华文中宋" panose="02010600040101010101" charset="-122"/>
+                <a:ea typeface="华文中宋" panose="02010600040101010101" charset="-122"/>
+              </a:rPr>
+              <a:t>运算律？</a:t>
+            </a:r>
+            <a:endParaRPr lang="zh-CN" altLang="en-US">
+              <a:latin typeface="华文中宋" panose="02010600040101010101" charset="-122"/>
+              <a:ea typeface="华文中宋" panose="02010600040101010101" charset="-122"/>
+            </a:endParaRPr>
+          </a:p>
+          <a:p>
+            <a:pPr marL="0" indent="0">
+              <a:buNone/>
+            </a:pPr>
+            <a:endParaRPr lang="zh-CN" altLang="en-US">
+              <a:latin typeface="华文中宋" panose="02010600040101010101" charset="-122"/>
+              <a:ea typeface="华文中宋" panose="02010600040101010101" charset="-122"/>
+            </a:endParaRPr>
+          </a:p>
+        </p:txBody>
+      </p:sp>
+    </p:spTree>
+  </p:cSld>
+  <p:clrMapOvr>
+    <a:masterClrMapping/>
+  </p:clrMapOvr>
+</p:sld>
+</file>
+
+<file path=ppt/slides/slide45.xml><?xml version="1.0" encoding="utf-8"?>
+<p:sld xmlns:a="http://schemas.openxmlformats.org/drawingml/2006/main" xmlns:r="http://schemas.openxmlformats.org/officeDocument/2006/relationships" xmlns:p="http://schemas.openxmlformats.org/presentationml/2006/main">
+  <p:cSld>
+    <p:spTree>
+      <p:nvGrpSpPr>
+        <p:cNvPr id="1" name=""/>
+        <p:cNvGrpSpPr/>
+        <p:nvPr/>
+      </p:nvGrpSpPr>
+      <p:grpSpPr/>
+      <p:sp>
+        <p:nvSpPr>
+          <p:cNvPr id="2" name="标题 1"/>
+          <p:cNvSpPr>
+            <a:spLocks noGrp="1"/>
+          </p:cNvSpPr>
+          <p:nvPr>
+            <p:ph type="title"/>
+          </p:nvPr>
+        </p:nvSpPr>
+        <p:spPr/>
+        <p:txBody>
+          <a:bodyPr/>
+          <a:p>
+            <a:r>
+              <a:rPr lang="zh-CN">
+                <a:latin typeface="华文中宋" panose="02010600040101010101" charset="-122"/>
+                <a:ea typeface="华文中宋" panose="02010600040101010101" charset="-122"/>
+                <a:sym typeface="+mn-ea"/>
+              </a:rPr>
+              <a:t>知识前瞻</a:t>
+            </a:r>
+            <a:endParaRPr lang="zh-CN">
+              <a:latin typeface="华文中宋" panose="02010600040101010101" charset="-122"/>
+              <a:ea typeface="华文中宋" panose="02010600040101010101" charset="-122"/>
+              <a:sym typeface="+mn-ea"/>
+            </a:endParaRPr>
+          </a:p>
+        </p:txBody>
+      </p:sp>
+      <p:sp>
+        <p:nvSpPr>
+          <p:cNvPr id="3" name="内容占位符 2"/>
+          <p:cNvSpPr>
+            <a:spLocks noGrp="1"/>
+          </p:cNvSpPr>
+          <p:nvPr>
+            <p:ph idx="1"/>
+          </p:nvPr>
+        </p:nvSpPr>
+        <p:spPr>
+          <a:xfrm>
+            <a:off x="838200" y="1825625"/>
+            <a:ext cx="10813415" cy="4351655"/>
+          </a:xfrm>
+        </p:spPr>
+        <p:txBody>
+          <a:bodyPr/>
+          <a:p>
+            <a:pPr marL="0" indent="0">
+              <a:buNone/>
+            </a:pPr>
+            <a:r>
+              <a:rPr lang="zh-CN" altLang="en-US">
+                <a:latin typeface="华文中宋" panose="02010600040101010101" charset="-122"/>
+                <a:ea typeface="华文中宋" panose="02010600040101010101" charset="-122"/>
+              </a:rPr>
+              <a:t>浮点数</a:t>
+            </a:r>
+            <a:endParaRPr lang="zh-CN" altLang="en-US">
+              <a:latin typeface="华文中宋" panose="02010600040101010101" charset="-122"/>
+              <a:ea typeface="华文中宋" panose="02010600040101010101" charset="-122"/>
+            </a:endParaRPr>
+          </a:p>
+          <a:p>
+            <a:pPr marL="0" indent="0">
+              <a:buNone/>
+            </a:pPr>
+            <a:r>
+              <a:rPr lang="en-US" altLang="zh-CN">
+                <a:latin typeface="华文中宋" panose="02010600040101010101" charset="-122"/>
+                <a:ea typeface="华文中宋" panose="02010600040101010101" charset="-122"/>
+              </a:rPr>
+              <a:t>- </a:t>
+            </a:r>
+            <a:r>
+              <a:rPr lang="zh-CN" altLang="en-US">
+                <a:latin typeface="华文中宋" panose="02010600040101010101" charset="-122"/>
+                <a:ea typeface="华文中宋" panose="02010600040101010101" charset="-122"/>
+              </a:rPr>
+              <a:t>不同部分的编码长度？</a:t>
+            </a:r>
+            <a:endParaRPr lang="zh-CN" altLang="en-US">
+              <a:latin typeface="华文中宋" panose="02010600040101010101" charset="-122"/>
+              <a:ea typeface="华文中宋" panose="02010600040101010101" charset="-122"/>
+            </a:endParaRPr>
+          </a:p>
+          <a:p>
+            <a:pPr marL="0" indent="0">
+              <a:buNone/>
+            </a:pPr>
+            <a:r>
+              <a:rPr lang="en-US" altLang="zh-CN">
+                <a:latin typeface="华文中宋" panose="02010600040101010101" charset="-122"/>
+                <a:ea typeface="华文中宋" panose="02010600040101010101" charset="-122"/>
+              </a:rPr>
+              <a:t>- </a:t>
+            </a:r>
+            <a:r>
+              <a:rPr lang="zh-CN" altLang="en-US">
+                <a:latin typeface="华文中宋" panose="02010600040101010101" charset="-122"/>
+                <a:ea typeface="华文中宋" panose="02010600040101010101" charset="-122"/>
+              </a:rPr>
+              <a:t>规则与特殊规则？</a:t>
+            </a:r>
+            <a:endParaRPr lang="zh-CN" altLang="en-US">
+              <a:latin typeface="华文中宋" panose="02010600040101010101" charset="-122"/>
+              <a:ea typeface="华文中宋" panose="02010600040101010101" charset="-122"/>
+            </a:endParaRPr>
+          </a:p>
+          <a:p>
+            <a:pPr marL="0" indent="0">
+              <a:buNone/>
+            </a:pPr>
+            <a:r>
+              <a:rPr lang="en-US" altLang="zh-CN">
+                <a:latin typeface="华文中宋" panose="02010600040101010101" charset="-122"/>
+                <a:ea typeface="华文中宋" panose="02010600040101010101" charset="-122"/>
+              </a:rPr>
+              <a:t>- </a:t>
+            </a:r>
+            <a:r>
+              <a:rPr lang="zh-CN" altLang="en-US">
+                <a:latin typeface="华文中宋" panose="02010600040101010101" charset="-122"/>
+                <a:ea typeface="华文中宋" panose="02010600040101010101" charset="-122"/>
+              </a:rPr>
+              <a:t>运算律？</a:t>
+            </a:r>
+            <a:endParaRPr lang="zh-CN" altLang="en-US">
+              <a:latin typeface="华文中宋" panose="02010600040101010101" charset="-122"/>
+              <a:ea typeface="华文中宋" panose="02010600040101010101" charset="-122"/>
+            </a:endParaRPr>
+          </a:p>
+        </p:txBody>
+      </p:sp>
+    </p:spTree>
+  </p:cSld>
+  <p:clrMapOvr>
+    <a:masterClrMapping/>
+  </p:clrMapOvr>
+</p:sld>
+</file>
+
+<file path=ppt/slides/slide46.xml><?xml version="1.0" encoding="utf-8"?>
+<p:sld xmlns:a="http://schemas.openxmlformats.org/drawingml/2006/main" xmlns:r="http://schemas.openxmlformats.org/officeDocument/2006/relationships" xmlns:p="http://schemas.openxmlformats.org/presentationml/2006/main">
+  <p:cSld>
+    <p:spTree>
+      <p:nvGrpSpPr>
+        <p:cNvPr id="1" name=""/>
+        <p:cNvGrpSpPr/>
+        <p:nvPr/>
+      </p:nvGrpSpPr>
+      <p:grpSpPr/>
+      <p:sp>
+        <p:nvSpPr>
+          <p:cNvPr id="2" name="标题 1"/>
+          <p:cNvSpPr>
+            <a:spLocks noGrp="1"/>
+          </p:cNvSpPr>
+          <p:nvPr>
+            <p:ph type="ctrTitle"/>
+          </p:nvPr>
+        </p:nvSpPr>
+        <p:spPr>
+          <a:xfrm>
+            <a:off x="1524000" y="898843"/>
+            <a:ext cx="9144000" cy="2387600"/>
+          </a:xfrm>
+        </p:spPr>
+        <p:txBody>
+          <a:bodyPr/>
+          <a:p>
+            <a:r>
+              <a:rPr lang="zh-CN">
+                <a:latin typeface="华文中宋" panose="02010600040101010101" charset="-122"/>
+                <a:ea typeface="华文中宋" panose="02010600040101010101" charset="-122"/>
+                <a:cs typeface="华文中宋" panose="02010600040101010101" charset="-122"/>
+              </a:rPr>
+              <a:t>谢谢！</a:t>
+            </a:r>
+            <a:endParaRPr lang="zh-CN">
+              <a:latin typeface="华文中宋" panose="02010600040101010101" charset="-122"/>
+              <a:ea typeface="华文中宋" panose="02010600040101010101" charset="-122"/>
+              <a:cs typeface="华文中宋" panose="02010600040101010101" charset="-122"/>
+            </a:endParaRPr>
+          </a:p>
+        </p:txBody>
+      </p:sp>
+      <p:sp>
+        <p:nvSpPr>
+          <p:cNvPr id="4" name="副标题 3"/>
+          <p:cNvSpPr/>
+          <p:nvPr>
+            <p:ph type="subTitle" idx="1"/>
+          </p:nvPr>
+        </p:nvSpPr>
+        <p:spPr/>
+        <p:txBody>
+          <a:bodyPr/>
+          <a:p>
+            <a:endParaRPr lang="zh-CN" altLang="en-US"/>
+          </a:p>
+        </p:txBody>
+      </p:sp>
+    </p:spTree>
+  </p:cSld>
+  <p:clrMapOvr>
+    <a:masterClrMapping/>
+  </p:clrMapOvr>
+</p:sld>
+</file>
+
+<file path=ppt/slides/slide5.xml><?xml version="1.0" encoding="utf-8"?>
+<p:sld xmlns:a="http://schemas.openxmlformats.org/drawingml/2006/main" xmlns:r="http://schemas.openxmlformats.org/officeDocument/2006/relationships" xmlns:p="http://schemas.openxmlformats.org/presentationml/2006/main">
+  <p:cSld>
+    <p:spTree>
+      <p:nvGrpSpPr>
+        <p:cNvPr id="1" name=""/>
+        <p:cNvGrpSpPr/>
+        <p:nvPr/>
+      </p:nvGrpSpPr>
+      <p:grpSpPr/>
+      <p:sp>
+        <p:nvSpPr>
+          <p:cNvPr id="2" name="标题 1"/>
+          <p:cNvSpPr>
+            <a:spLocks noGrp="1"/>
+          </p:cNvSpPr>
+          <p:nvPr>
+            <p:ph type="title"/>
+          </p:nvPr>
+        </p:nvSpPr>
+        <p:spPr/>
+        <p:txBody>
+          <a:bodyPr/>
+          <a:p>
+            <a:r>
+              <a:rPr lang="zh-CN" altLang="en-US">
+                <a:latin typeface="华文中宋" panose="02010600040101010101" charset="-122"/>
+                <a:ea typeface="华文中宋" panose="02010600040101010101" charset="-122"/>
+              </a:rPr>
+              <a:t>老师介绍（教师节快乐！！！）</a:t>
+            </a:r>
+            <a:endParaRPr lang="zh-CN" altLang="en-US">
+              <a:latin typeface="华文中宋" panose="02010600040101010101" charset="-122"/>
+              <a:ea typeface="华文中宋" panose="02010600040101010101" charset="-122"/>
+            </a:endParaRPr>
+          </a:p>
+        </p:txBody>
+      </p:sp>
+      <p:sp>
+        <p:nvSpPr>
+          <p:cNvPr id="3" name="内容占位符 2"/>
+          <p:cNvSpPr>
+            <a:spLocks noGrp="1"/>
+          </p:cNvSpPr>
+          <p:nvPr>
+            <p:ph idx="1"/>
+          </p:nvPr>
+        </p:nvSpPr>
+        <p:spPr/>
+        <p:txBody>
+          <a:bodyPr/>
+          <a:p>
+            <a:pPr marL="0" indent="0">
+              <a:buNone/>
+            </a:pPr>
+            <a:r>
+              <a:rPr lang="zh-CN" altLang="en-US">
+                <a:latin typeface="华文中宋" panose="02010600040101010101" charset="-122"/>
+                <a:ea typeface="华文中宋" panose="02010600040101010101" charset="-122"/>
+                <a:cs typeface="华文中宋" panose="02010600040101010101" charset="-122"/>
+              </a:rPr>
+              <a:t>张杰</a:t>
+            </a:r>
+            <a:r>
+              <a:rPr lang="en-US" altLang="zh-CN">
+                <a:latin typeface="华文中宋" panose="02010600040101010101" charset="-122"/>
+                <a:ea typeface="华文中宋" panose="02010600040101010101" charset="-122"/>
+                <a:cs typeface="华文中宋" panose="02010600040101010101" charset="-122"/>
+              </a:rPr>
+              <a:t> </a:t>
+            </a:r>
+            <a:r>
+              <a:rPr lang="zh-CN" altLang="en-US">
+                <a:latin typeface="华文中宋" panose="02010600040101010101" charset="-122"/>
+                <a:ea typeface="华文中宋" panose="02010600040101010101" charset="-122"/>
+                <a:cs typeface="华文中宋" panose="02010600040101010101" charset="-122"/>
+              </a:rPr>
+              <a:t>计算机学院</a:t>
+            </a:r>
+            <a:r>
+              <a:rPr lang="en-US" altLang="zh-CN">
+                <a:latin typeface="华文中宋" panose="02010600040101010101" charset="-122"/>
+                <a:ea typeface="华文中宋" panose="02010600040101010101" charset="-122"/>
+                <a:cs typeface="华文中宋" panose="02010600040101010101" charset="-122"/>
+              </a:rPr>
+              <a:t> </a:t>
+            </a:r>
+            <a:r>
+              <a:rPr lang="zh-CN" altLang="en-US">
+                <a:latin typeface="华文中宋" panose="02010600040101010101" charset="-122"/>
+                <a:ea typeface="华文中宋" panose="02010600040101010101" charset="-122"/>
+                <a:cs typeface="华文中宋" panose="02010600040101010101" charset="-122"/>
+              </a:rPr>
+              <a:t>助理教授</a:t>
+            </a:r>
+            <a:endParaRPr lang="zh-CN" altLang="en-US">
+              <a:latin typeface="华文中宋" panose="02010600040101010101" charset="-122"/>
+              <a:ea typeface="华文中宋" panose="02010600040101010101" charset="-122"/>
+              <a:cs typeface="华文中宋" panose="02010600040101010101" charset="-122"/>
+            </a:endParaRPr>
+          </a:p>
+          <a:p>
+            <a:pPr marL="0" indent="0">
+              <a:buNone/>
+            </a:pPr>
+            <a:r>
+              <a:rPr lang="en-US" altLang="zh-CN">
+                <a:latin typeface="华文中宋" panose="02010600040101010101" charset="-122"/>
+                <a:ea typeface="华文中宋" panose="02010600040101010101" charset="-122"/>
+                <a:cs typeface="华文中宋" panose="02010600040101010101" charset="-122"/>
+              </a:rPr>
+              <a:t>jiez@pku.edu.cn</a:t>
+            </a:r>
+            <a:endParaRPr lang="en-US" altLang="zh-CN">
+              <a:latin typeface="华文中宋" panose="02010600040101010101" charset="-122"/>
+              <a:ea typeface="华文中宋" panose="02010600040101010101" charset="-122"/>
+              <a:cs typeface="华文中宋" panose="02010600040101010101" charset="-122"/>
+            </a:endParaRPr>
+          </a:p>
+          <a:p>
+            <a:pPr marL="0" indent="0">
+              <a:buNone/>
+            </a:pPr>
+            <a:r>
+              <a:rPr lang="zh-CN" altLang="en-US">
+                <a:latin typeface="华文中宋" panose="02010600040101010101" charset="-122"/>
+                <a:ea typeface="华文中宋" panose="02010600040101010101" charset="-122"/>
+                <a:cs typeface="华文中宋" panose="02010600040101010101" charset="-122"/>
+              </a:rPr>
+              <a:t>研究领域：存储系统和专用处理器</a:t>
+            </a:r>
+            <a:endParaRPr lang="en-US" altLang="zh-CN">
+              <a:latin typeface="华文中宋" panose="02010600040101010101" charset="-122"/>
+              <a:ea typeface="华文中宋" panose="02010600040101010101" charset="-122"/>
+              <a:cs typeface="华文中宋" panose="02010600040101010101" charset="-122"/>
+            </a:endParaRPr>
+          </a:p>
+          <a:p>
+            <a:pPr marL="0" indent="0">
+              <a:buNone/>
+            </a:pPr>
+            <a:endParaRPr lang="en-US" altLang="zh-CN">
               <a:latin typeface="华文中宋" panose="02010600040101010101" charset="-122"/>
               <a:ea typeface="华文中宋" panose="02010600040101010101" charset="-122"/>
               <a:cs typeface="华文中宋" panose="02010600040101010101" charset="-122"/>
@@ -5164,6 +9466,595 @@
 </file>
 
 <file path=ppt/slides/slide6.xml><?xml version="1.0" encoding="utf-8"?>
+<p:sld xmlns:a="http://schemas.openxmlformats.org/drawingml/2006/main" xmlns:r="http://schemas.openxmlformats.org/officeDocument/2006/relationships" xmlns:p="http://schemas.openxmlformats.org/presentationml/2006/main">
+  <p:cSld>
+    <p:spTree>
+      <p:nvGrpSpPr>
+        <p:cNvPr id="1" name=""/>
+        <p:cNvGrpSpPr/>
+        <p:nvPr/>
+      </p:nvGrpSpPr>
+      <p:grpSpPr/>
+      <p:sp>
+        <p:nvSpPr>
+          <p:cNvPr id="2" name="标题 1"/>
+          <p:cNvSpPr>
+            <a:spLocks noGrp="1"/>
+          </p:cNvSpPr>
+          <p:nvPr>
+            <p:ph type="title"/>
+          </p:nvPr>
+        </p:nvSpPr>
+        <p:spPr/>
+        <p:txBody>
+          <a:bodyPr/>
+          <a:p>
+            <a:r>
+              <a:rPr lang="zh-CN" altLang="en-US">
+                <a:latin typeface="华文中宋" panose="02010600040101010101" charset="-122"/>
+                <a:ea typeface="华文中宋" panose="02010600040101010101" charset="-122"/>
+              </a:rPr>
+              <a:t>喜闻乐见的同学自我介绍环节</a:t>
+            </a:r>
+            <a:endParaRPr lang="zh-CN" altLang="en-US">
+              <a:latin typeface="华文中宋" panose="02010600040101010101" charset="-122"/>
+              <a:ea typeface="华文中宋" panose="02010600040101010101" charset="-122"/>
+            </a:endParaRPr>
+          </a:p>
+        </p:txBody>
+      </p:sp>
+      <p:sp>
+        <p:nvSpPr>
+          <p:cNvPr id="3" name="内容占位符 2"/>
+          <p:cNvSpPr>
+            <a:spLocks noGrp="1"/>
+          </p:cNvSpPr>
+          <p:nvPr>
+            <p:ph idx="1"/>
+          </p:nvPr>
+        </p:nvSpPr>
+        <p:spPr/>
+        <p:txBody>
+          <a:bodyPr/>
+          <a:p>
+            <a:pPr marL="0" indent="0">
+              <a:buNone/>
+            </a:pPr>
+            <a:r>
+              <a:rPr lang="zh-CN" altLang="en-US">
+                <a:latin typeface="华文中宋" panose="02010600040101010101" charset="-122"/>
+                <a:ea typeface="华文中宋" panose="02010600040101010101" charset="-122"/>
+                <a:cs typeface="华文中宋" panose="02010600040101010101" charset="-122"/>
+              </a:rPr>
+              <a:t>个人基本信息</a:t>
+            </a:r>
+            <a:endParaRPr lang="zh-CN" altLang="en-US">
+              <a:latin typeface="华文中宋" panose="02010600040101010101" charset="-122"/>
+              <a:ea typeface="华文中宋" panose="02010600040101010101" charset="-122"/>
+              <a:cs typeface="华文中宋" panose="02010600040101010101" charset="-122"/>
+            </a:endParaRPr>
+          </a:p>
+          <a:p>
+            <a:pPr marL="0" indent="0">
+              <a:buNone/>
+            </a:pPr>
+            <a:r>
+              <a:rPr lang="zh-CN" altLang="en-US">
+                <a:latin typeface="华文中宋" panose="02010600040101010101" charset="-122"/>
+                <a:ea typeface="华文中宋" panose="02010600040101010101" charset="-122"/>
+                <a:cs typeface="华文中宋" panose="02010600040101010101" charset="-122"/>
+              </a:rPr>
+              <a:t>对</a:t>
+            </a:r>
+            <a:r>
+              <a:rPr lang="en-US" altLang="zh-CN">
+                <a:latin typeface="华文中宋" panose="02010600040101010101" charset="-122"/>
+                <a:ea typeface="华文中宋" panose="02010600040101010101" charset="-122"/>
+                <a:cs typeface="华文中宋" panose="02010600040101010101" charset="-122"/>
+              </a:rPr>
+              <a:t>ICS</a:t>
+            </a:r>
+            <a:r>
+              <a:rPr lang="zh-CN" altLang="en-US">
+                <a:latin typeface="华文中宋" panose="02010600040101010101" charset="-122"/>
+                <a:ea typeface="华文中宋" panose="02010600040101010101" charset="-122"/>
+                <a:cs typeface="华文中宋" panose="02010600040101010101" charset="-122"/>
+              </a:rPr>
+              <a:t>的认识？</a:t>
+            </a:r>
+            <a:endParaRPr lang="zh-CN" altLang="en-US">
+              <a:latin typeface="华文中宋" panose="02010600040101010101" charset="-122"/>
+              <a:ea typeface="华文中宋" panose="02010600040101010101" charset="-122"/>
+              <a:cs typeface="华文中宋" panose="02010600040101010101" charset="-122"/>
+            </a:endParaRPr>
+          </a:p>
+          <a:p>
+            <a:pPr marL="0" indent="0">
+              <a:buNone/>
+            </a:pPr>
+            <a:r>
+              <a:rPr lang="zh-CN" altLang="en-US">
+                <a:latin typeface="华文中宋" panose="02010600040101010101" charset="-122"/>
+                <a:ea typeface="华文中宋" panose="02010600040101010101" charset="-122"/>
+                <a:cs typeface="华文中宋" panose="02010600040101010101" charset="-122"/>
+              </a:rPr>
+              <a:t>对小班的预期？</a:t>
+            </a:r>
+            <a:endParaRPr lang="zh-CN" altLang="en-US">
+              <a:latin typeface="华文中宋" panose="02010600040101010101" charset="-122"/>
+              <a:ea typeface="华文中宋" panose="02010600040101010101" charset="-122"/>
+              <a:cs typeface="华文中宋" panose="02010600040101010101" charset="-122"/>
+            </a:endParaRPr>
+          </a:p>
+          <a:p>
+            <a:pPr marL="0" indent="0">
+              <a:buNone/>
+            </a:pPr>
+            <a:endParaRPr lang="zh-CN" altLang="en-US">
+              <a:latin typeface="华文中宋" panose="02010600040101010101" charset="-122"/>
+              <a:ea typeface="华文中宋" panose="02010600040101010101" charset="-122"/>
+              <a:cs typeface="华文中宋" panose="02010600040101010101" charset="-122"/>
+            </a:endParaRPr>
+          </a:p>
+        </p:txBody>
+      </p:sp>
+    </p:spTree>
+  </p:cSld>
+  <p:clrMapOvr>
+    <a:masterClrMapping/>
+  </p:clrMapOvr>
+</p:sld>
+</file>
+
+<file path=ppt/slides/slide7.xml><?xml version="1.0" encoding="utf-8"?>
+<p:sld xmlns:a="http://schemas.openxmlformats.org/drawingml/2006/main" xmlns:r="http://schemas.openxmlformats.org/officeDocument/2006/relationships" xmlns:p="http://schemas.openxmlformats.org/presentationml/2006/main">
+  <p:cSld>
+    <p:spTree>
+      <p:nvGrpSpPr>
+        <p:cNvPr id="1" name=""/>
+        <p:cNvGrpSpPr/>
+        <p:nvPr/>
+      </p:nvGrpSpPr>
+      <p:grpSpPr/>
+      <p:sp>
+        <p:nvSpPr>
+          <p:cNvPr id="2" name="标题 1"/>
+          <p:cNvSpPr>
+            <a:spLocks noGrp="1"/>
+          </p:cNvSpPr>
+          <p:nvPr>
+            <p:ph type="title"/>
+          </p:nvPr>
+        </p:nvSpPr>
+        <p:spPr/>
+        <p:txBody>
+          <a:bodyPr/>
+          <a:p>
+            <a:r>
+              <a:rPr lang="zh-CN" altLang="en-US">
+                <a:latin typeface="华文中宋" panose="02010600040101010101" charset="-122"/>
+                <a:ea typeface="华文中宋" panose="02010600040101010101" charset="-122"/>
+              </a:rPr>
+              <a:t>小班课基本信息</a:t>
+            </a:r>
+            <a:endParaRPr lang="zh-CN" altLang="en-US">
+              <a:latin typeface="华文中宋" panose="02010600040101010101" charset="-122"/>
+              <a:ea typeface="华文中宋" panose="02010600040101010101" charset="-122"/>
+            </a:endParaRPr>
+          </a:p>
+        </p:txBody>
+      </p:sp>
+      <p:sp>
+        <p:nvSpPr>
+          <p:cNvPr id="3" name="内容占位符 2"/>
+          <p:cNvSpPr>
+            <a:spLocks noGrp="1"/>
+          </p:cNvSpPr>
+          <p:nvPr>
+            <p:ph idx="1"/>
+          </p:nvPr>
+        </p:nvSpPr>
+        <p:spPr/>
+        <p:txBody>
+          <a:bodyPr/>
+          <a:p>
+            <a:pPr marL="0" indent="0">
+              <a:buNone/>
+            </a:pPr>
+            <a:r>
+              <a:rPr lang="zh-CN" altLang="en-US">
+                <a:latin typeface="华文中宋" panose="02010600040101010101" charset="-122"/>
+                <a:ea typeface="华文中宋" panose="02010600040101010101" charset="-122"/>
+                <a:cs typeface="华文中宋" panose="02010600040101010101" charset="-122"/>
+              </a:rPr>
+              <a:t>小班编号：</a:t>
+            </a:r>
+            <a:r>
+              <a:rPr lang="en-US" altLang="zh-CN">
+                <a:latin typeface="华文中宋" panose="02010600040101010101" charset="-122"/>
+                <a:ea typeface="华文中宋" panose="02010600040101010101" charset="-122"/>
+                <a:cs typeface="华文中宋" panose="02010600040101010101" charset="-122"/>
+              </a:rPr>
+              <a:t>20 </a:t>
+            </a:r>
+            <a:endParaRPr lang="en-US" altLang="zh-CN">
+              <a:latin typeface="华文中宋" panose="02010600040101010101" charset="-122"/>
+              <a:ea typeface="华文中宋" panose="02010600040101010101" charset="-122"/>
+              <a:cs typeface="华文中宋" panose="02010600040101010101" charset="-122"/>
+            </a:endParaRPr>
+          </a:p>
+          <a:p>
+            <a:pPr marL="0" indent="0">
+              <a:buNone/>
+            </a:pPr>
+            <a:r>
+              <a:rPr lang="zh-CN" altLang="en-US">
+                <a:latin typeface="华文中宋" panose="02010600040101010101" charset="-122"/>
+                <a:ea typeface="华文中宋" panose="02010600040101010101" charset="-122"/>
+                <a:cs typeface="华文中宋" panose="02010600040101010101" charset="-122"/>
+              </a:rPr>
+              <a:t>老师：张杰</a:t>
+            </a:r>
+            <a:endParaRPr lang="en-US" altLang="zh-CN">
+              <a:latin typeface="华文中宋" panose="02010600040101010101" charset="-122"/>
+              <a:ea typeface="华文中宋" panose="02010600040101010101" charset="-122"/>
+              <a:cs typeface="华文中宋" panose="02010600040101010101" charset="-122"/>
+            </a:endParaRPr>
+          </a:p>
+          <a:p>
+            <a:pPr marL="0" indent="0">
+              <a:buNone/>
+            </a:pPr>
+            <a:r>
+              <a:rPr lang="zh-CN" altLang="en-US">
+                <a:latin typeface="华文中宋" panose="02010600040101010101" charset="-122"/>
+                <a:ea typeface="华文中宋" panose="02010600040101010101" charset="-122"/>
+                <a:cs typeface="华文中宋" panose="02010600040101010101" charset="-122"/>
+              </a:rPr>
+              <a:t>助教：刘梓安</a:t>
+            </a:r>
+            <a:endParaRPr lang="zh-CN" altLang="en-US">
+              <a:latin typeface="华文中宋" panose="02010600040101010101" charset="-122"/>
+              <a:ea typeface="华文中宋" panose="02010600040101010101" charset="-122"/>
+              <a:cs typeface="华文中宋" panose="02010600040101010101" charset="-122"/>
+            </a:endParaRPr>
+          </a:p>
+          <a:p>
+            <a:pPr marL="0" indent="0">
+              <a:buNone/>
+            </a:pPr>
+            <a:r>
+              <a:rPr lang="zh-CN" altLang="en-US">
+                <a:latin typeface="华文中宋" panose="02010600040101010101" charset="-122"/>
+                <a:ea typeface="华文中宋" panose="02010600040101010101" charset="-122"/>
+                <a:cs typeface="华文中宋" panose="02010600040101010101" charset="-122"/>
+              </a:rPr>
+              <a:t>上课地点：文史楼</a:t>
+            </a:r>
+            <a:r>
+              <a:rPr lang="en-US" altLang="zh-CN">
+                <a:latin typeface="华文中宋" panose="02010600040101010101" charset="-122"/>
+                <a:ea typeface="华文中宋" panose="02010600040101010101" charset="-122"/>
+                <a:cs typeface="华文中宋" panose="02010600040101010101" charset="-122"/>
+              </a:rPr>
+              <a:t> 102</a:t>
+            </a:r>
+            <a:endParaRPr lang="zh-CN" altLang="en-US">
+              <a:latin typeface="华文中宋" panose="02010600040101010101" charset="-122"/>
+              <a:ea typeface="华文中宋" panose="02010600040101010101" charset="-122"/>
+              <a:cs typeface="华文中宋" panose="02010600040101010101" charset="-122"/>
+            </a:endParaRPr>
+          </a:p>
+          <a:p>
+            <a:pPr marL="0" indent="0">
+              <a:buNone/>
+            </a:pPr>
+            <a:endParaRPr lang="zh-CN" altLang="en-US">
+              <a:latin typeface="华文中宋" panose="02010600040101010101" charset="-122"/>
+              <a:ea typeface="华文中宋" panose="02010600040101010101" charset="-122"/>
+              <a:cs typeface="华文中宋" panose="02010600040101010101" charset="-122"/>
+            </a:endParaRPr>
+          </a:p>
+        </p:txBody>
+      </p:sp>
+    </p:spTree>
+  </p:cSld>
+  <p:clrMapOvr>
+    <a:masterClrMapping/>
+  </p:clrMapOvr>
+</p:sld>
+</file>
+
+<file path=ppt/slides/slide8.xml><?xml version="1.0" encoding="utf-8"?>
+<p:sld xmlns:a="http://schemas.openxmlformats.org/drawingml/2006/main" xmlns:r="http://schemas.openxmlformats.org/officeDocument/2006/relationships" xmlns:p="http://schemas.openxmlformats.org/presentationml/2006/main">
+  <p:cSld>
+    <p:spTree>
+      <p:nvGrpSpPr>
+        <p:cNvPr id="1" name=""/>
+        <p:cNvGrpSpPr/>
+        <p:nvPr/>
+      </p:nvGrpSpPr>
+      <p:grpSpPr/>
+      <p:sp>
+        <p:nvSpPr>
+          <p:cNvPr id="2" name="标题 1"/>
+          <p:cNvSpPr>
+            <a:spLocks noGrp="1"/>
+          </p:cNvSpPr>
+          <p:nvPr>
+            <p:ph type="title"/>
+          </p:nvPr>
+        </p:nvSpPr>
+        <p:spPr/>
+        <p:txBody>
+          <a:bodyPr/>
+          <a:p>
+            <a:r>
+              <a:rPr lang="zh-CN" altLang="en-US">
+                <a:latin typeface="华文中宋" panose="02010600040101010101" charset="-122"/>
+                <a:ea typeface="华文中宋" panose="02010600040101010101" charset="-122"/>
+              </a:rPr>
+              <a:t>为什么需要小班课</a:t>
+            </a:r>
+            <a:endParaRPr lang="zh-CN" altLang="en-US">
+              <a:latin typeface="华文中宋" panose="02010600040101010101" charset="-122"/>
+              <a:ea typeface="华文中宋" panose="02010600040101010101" charset="-122"/>
+            </a:endParaRPr>
+          </a:p>
+        </p:txBody>
+      </p:sp>
+      <p:pic>
+        <p:nvPicPr>
+          <p:cNvPr id="4" name="内容占位符 3"/>
+          <p:cNvPicPr>
+            <a:picLocks noChangeAspect="1"/>
+          </p:cNvPicPr>
+          <p:nvPr>
+            <p:ph idx="1"/>
+          </p:nvPr>
+        </p:nvPicPr>
+        <p:blipFill>
+          <a:blip r:embed="rId1"/>
+          <a:stretch>
+            <a:fillRect/>
+          </a:stretch>
+        </p:blipFill>
+        <p:spPr>
+          <a:xfrm>
+            <a:off x="1430655" y="1691005"/>
+            <a:ext cx="7343775" cy="4144645"/>
+          </a:xfrm>
+          <a:prstGeom prst="rect">
+            <a:avLst/>
+          </a:prstGeom>
+        </p:spPr>
+      </p:pic>
+      <p:sp>
+        <p:nvSpPr>
+          <p:cNvPr id="8" name="内容占位符 2"/>
+          <p:cNvSpPr>
+            <a:spLocks noGrp="1"/>
+          </p:cNvSpPr>
+          <p:nvPr/>
+        </p:nvSpPr>
+        <p:spPr>
+          <a:xfrm>
+            <a:off x="1430655" y="6061075"/>
+            <a:ext cx="2745105" cy="409575"/>
+          </a:xfrm>
+          <a:prstGeom prst="rect">
+            <a:avLst/>
+          </a:prstGeom>
+        </p:spPr>
+        <p:txBody>
+          <a:bodyPr vert="horz" lIns="91440" tIns="45720" rIns="91440" bIns="45720" rtlCol="0">
+            <a:normAutofit/>
+          </a:bodyPr>
+          <a:lstStyle>
+            <a:lvl1pPr marL="228600" indent="-228600" algn="l" defTabSz="914400" rtl="0" eaLnBrk="1" latinLnBrk="0" hangingPunct="1">
+              <a:lnSpc>
+                <a:spcPct val="90000"/>
+              </a:lnSpc>
+              <a:spcBef>
+                <a:spcPts val="1000"/>
+              </a:spcBef>
+              <a:buFont typeface="Arial" panose="020B0604020202020204" pitchFamily="34" charset="0"/>
+              <a:buChar char="•"/>
+              <a:defRPr sz="2800" kern="1200">
+                <a:solidFill>
+                  <a:schemeClr val="tx1"/>
+                </a:solidFill>
+                <a:latin typeface="+mn-lt"/>
+                <a:ea typeface="+mn-ea"/>
+                <a:cs typeface="+mn-cs"/>
+              </a:defRPr>
+            </a:lvl1pPr>
+            <a:lvl2pPr marL="685800" indent="-228600" algn="l" defTabSz="914400" rtl="0" eaLnBrk="1" latinLnBrk="0" hangingPunct="1">
+              <a:lnSpc>
+                <a:spcPct val="90000"/>
+              </a:lnSpc>
+              <a:spcBef>
+                <a:spcPts val="500"/>
+              </a:spcBef>
+              <a:buFont typeface="Arial" panose="020B0604020202020204" pitchFamily="34" charset="0"/>
+              <a:buChar char="•"/>
+              <a:defRPr sz="2400" kern="1200">
+                <a:solidFill>
+                  <a:schemeClr val="tx1"/>
+                </a:solidFill>
+                <a:latin typeface="+mn-lt"/>
+                <a:ea typeface="+mn-ea"/>
+                <a:cs typeface="+mn-cs"/>
+              </a:defRPr>
+            </a:lvl2pPr>
+            <a:lvl3pPr marL="1143000" indent="-228600" algn="l" defTabSz="914400" rtl="0" eaLnBrk="1" latinLnBrk="0" hangingPunct="1">
+              <a:lnSpc>
+                <a:spcPct val="90000"/>
+              </a:lnSpc>
+              <a:spcBef>
+                <a:spcPts val="500"/>
+              </a:spcBef>
+              <a:buFont typeface="Arial" panose="020B0604020202020204" pitchFamily="34" charset="0"/>
+              <a:buChar char="•"/>
+              <a:defRPr sz="2000" kern="1200">
+                <a:solidFill>
+                  <a:schemeClr val="tx1"/>
+                </a:solidFill>
+                <a:latin typeface="+mn-lt"/>
+                <a:ea typeface="+mn-ea"/>
+                <a:cs typeface="+mn-cs"/>
+              </a:defRPr>
+            </a:lvl3pPr>
+            <a:lvl4pPr marL="1600200" indent="-228600" algn="l" defTabSz="914400" rtl="0" eaLnBrk="1" latinLnBrk="0" hangingPunct="1">
+              <a:lnSpc>
+                <a:spcPct val="90000"/>
+              </a:lnSpc>
+              <a:spcBef>
+                <a:spcPts val="500"/>
+              </a:spcBef>
+              <a:buFont typeface="Arial" panose="020B0604020202020204" pitchFamily="34" charset="0"/>
+              <a:buChar char="•"/>
+              <a:defRPr sz="1800" kern="1200">
+                <a:solidFill>
+                  <a:schemeClr val="tx1"/>
+                </a:solidFill>
+                <a:latin typeface="+mn-lt"/>
+                <a:ea typeface="+mn-ea"/>
+                <a:cs typeface="+mn-cs"/>
+              </a:defRPr>
+            </a:lvl4pPr>
+            <a:lvl5pPr marL="2057400" indent="-228600" algn="l" defTabSz="914400" rtl="0" eaLnBrk="1" latinLnBrk="0" hangingPunct="1">
+              <a:lnSpc>
+                <a:spcPct val="90000"/>
+              </a:lnSpc>
+              <a:spcBef>
+                <a:spcPts val="500"/>
+              </a:spcBef>
+              <a:buFont typeface="Arial" panose="020B0604020202020204" pitchFamily="34" charset="0"/>
+              <a:buChar char="•"/>
+              <a:defRPr sz="1800" kern="1200">
+                <a:solidFill>
+                  <a:schemeClr val="tx1"/>
+                </a:solidFill>
+                <a:latin typeface="+mn-lt"/>
+                <a:ea typeface="+mn-ea"/>
+                <a:cs typeface="+mn-cs"/>
+              </a:defRPr>
+            </a:lvl5pPr>
+            <a:lvl6pPr marL="2514600" indent="-228600" algn="l" defTabSz="914400" rtl="0" eaLnBrk="1" latinLnBrk="0" hangingPunct="1">
+              <a:lnSpc>
+                <a:spcPct val="90000"/>
+              </a:lnSpc>
+              <a:spcBef>
+                <a:spcPts val="500"/>
+              </a:spcBef>
+              <a:buFont typeface="Arial" panose="020B0604020202020204" pitchFamily="34" charset="0"/>
+              <a:buChar char="•"/>
+              <a:defRPr sz="1800" kern="1200">
+                <a:solidFill>
+                  <a:schemeClr val="tx1"/>
+                </a:solidFill>
+                <a:latin typeface="+mn-lt"/>
+                <a:ea typeface="+mn-ea"/>
+                <a:cs typeface="+mn-cs"/>
+              </a:defRPr>
+            </a:lvl6pPr>
+            <a:lvl7pPr marL="2971800" indent="-228600" algn="l" defTabSz="914400" rtl="0" eaLnBrk="1" latinLnBrk="0" hangingPunct="1">
+              <a:lnSpc>
+                <a:spcPct val="90000"/>
+              </a:lnSpc>
+              <a:spcBef>
+                <a:spcPts val="500"/>
+              </a:spcBef>
+              <a:buFont typeface="Arial" panose="020B0604020202020204" pitchFamily="34" charset="0"/>
+              <a:buChar char="•"/>
+              <a:defRPr sz="1800" kern="1200">
+                <a:solidFill>
+                  <a:schemeClr val="tx1"/>
+                </a:solidFill>
+                <a:latin typeface="+mn-lt"/>
+                <a:ea typeface="+mn-ea"/>
+                <a:cs typeface="+mn-cs"/>
+              </a:defRPr>
+            </a:lvl7pPr>
+            <a:lvl8pPr marL="3429000" indent="-228600" algn="l" defTabSz="914400" rtl="0" eaLnBrk="1" latinLnBrk="0" hangingPunct="1">
+              <a:lnSpc>
+                <a:spcPct val="90000"/>
+              </a:lnSpc>
+              <a:spcBef>
+                <a:spcPts val="500"/>
+              </a:spcBef>
+              <a:buFont typeface="Arial" panose="020B0604020202020204" pitchFamily="34" charset="0"/>
+              <a:buChar char="•"/>
+              <a:defRPr sz="1800" kern="1200">
+                <a:solidFill>
+                  <a:schemeClr val="tx1"/>
+                </a:solidFill>
+                <a:latin typeface="+mn-lt"/>
+                <a:ea typeface="+mn-ea"/>
+                <a:cs typeface="+mn-cs"/>
+              </a:defRPr>
+            </a:lvl8pPr>
+            <a:lvl9pPr marL="3886200" indent="-228600" algn="l" defTabSz="914400" rtl="0" eaLnBrk="1" latinLnBrk="0" hangingPunct="1">
+              <a:lnSpc>
+                <a:spcPct val="90000"/>
+              </a:lnSpc>
+              <a:spcBef>
+                <a:spcPts val="500"/>
+              </a:spcBef>
+              <a:buFont typeface="Arial" panose="020B0604020202020204" pitchFamily="34" charset="0"/>
+              <a:buChar char="•"/>
+              <a:defRPr sz="1800" kern="1200">
+                <a:solidFill>
+                  <a:schemeClr val="tx1"/>
+                </a:solidFill>
+                <a:latin typeface="+mn-lt"/>
+                <a:ea typeface="+mn-ea"/>
+                <a:cs typeface="+mn-cs"/>
+              </a:defRPr>
+            </a:lvl9pPr>
+          </a:lstStyle>
+          <a:p>
+            <a:pPr marL="0" indent="0">
+              <a:buNone/>
+            </a:pPr>
+            <a:r>
+              <a:rPr lang="zh-CN" sz="2000">
+                <a:solidFill>
+                  <a:srgbClr val="FF0000"/>
+                </a:solidFill>
+                <a:highlight>
+                  <a:srgbClr val="FFFF00"/>
+                </a:highlight>
+                <a:latin typeface="华文中宋" panose="02010600040101010101" charset="-122"/>
+                <a:ea typeface="华文中宋" panose="02010600040101010101" charset="-122"/>
+                <a:cs typeface="华文中宋" panose="02010600040101010101" charset="-122"/>
+              </a:rPr>
+              <a:t>注：不代表本人观点</a:t>
+            </a:r>
+            <a:endParaRPr lang="zh-CN" sz="2000">
+              <a:solidFill>
+                <a:srgbClr val="FF0000"/>
+              </a:solidFill>
+              <a:highlight>
+                <a:srgbClr val="FFFF00"/>
+              </a:highlight>
+              <a:latin typeface="华文中宋" panose="02010600040101010101" charset="-122"/>
+              <a:ea typeface="华文中宋" panose="02010600040101010101" charset="-122"/>
+              <a:cs typeface="华文中宋" panose="02010600040101010101" charset="-122"/>
+            </a:endParaRPr>
+          </a:p>
+        </p:txBody>
+      </p:sp>
+    </p:spTree>
+  </p:cSld>
+  <p:clrMapOvr>
+    <a:masterClrMapping/>
+  </p:clrMapOvr>
+</p:sld>
+</file>
+
+<file path=ppt/slides/slide9.xml><?xml version="1.0" encoding="utf-8"?>
 <p:sld xmlns:a="http://schemas.openxmlformats.org/drawingml/2006/main" xmlns:r="http://schemas.openxmlformats.org/officeDocument/2006/relationships" xmlns:p="http://schemas.openxmlformats.org/presentationml/2006/main">
   <p:cSld>
     <p:spTree>
@@ -5225,413 +10116,6 @@
           </a:prstGeom>
         </p:spPr>
       </p:pic>
-    </p:spTree>
-  </p:cSld>
-  <p:clrMapOvr>
-    <a:masterClrMapping/>
-  </p:clrMapOvr>
-</p:sld>
-</file>
-
-<file path=ppt/slides/slide7.xml><?xml version="1.0" encoding="utf-8"?>
-<p:sld xmlns:a="http://schemas.openxmlformats.org/drawingml/2006/main" xmlns:r="http://schemas.openxmlformats.org/officeDocument/2006/relationships" xmlns:p="http://schemas.openxmlformats.org/presentationml/2006/main">
-  <p:cSld>
-    <p:spTree>
-      <p:nvGrpSpPr>
-        <p:cNvPr id="1" name=""/>
-        <p:cNvGrpSpPr/>
-        <p:nvPr/>
-      </p:nvGrpSpPr>
-      <p:grpSpPr/>
-      <p:sp>
-        <p:nvSpPr>
-          <p:cNvPr id="2" name="标题 1"/>
-          <p:cNvSpPr>
-            <a:spLocks noGrp="1"/>
-          </p:cNvSpPr>
-          <p:nvPr>
-            <p:ph type="title"/>
-          </p:nvPr>
-        </p:nvSpPr>
-        <p:spPr/>
-        <p:txBody>
-          <a:bodyPr/>
-          <a:p>
-            <a:r>
-              <a:rPr lang="zh-CN" altLang="en-US">
-                <a:latin typeface="华文中宋" panose="02010600040101010101" charset="-122"/>
-                <a:ea typeface="华文中宋" panose="02010600040101010101" charset="-122"/>
-              </a:rPr>
-              <a:t>为什么需要小班课</a:t>
-            </a:r>
-            <a:endParaRPr lang="zh-CN" altLang="en-US">
-              <a:latin typeface="华文中宋" panose="02010600040101010101" charset="-122"/>
-              <a:ea typeface="华文中宋" panose="02010600040101010101" charset="-122"/>
-            </a:endParaRPr>
-          </a:p>
-        </p:txBody>
-      </p:sp>
-      <p:sp>
-        <p:nvSpPr>
-          <p:cNvPr id="3" name="内容占位符 2"/>
-          <p:cNvSpPr>
-            <a:spLocks noGrp="1"/>
-          </p:cNvSpPr>
-          <p:nvPr>
-            <p:ph idx="1"/>
-          </p:nvPr>
-        </p:nvSpPr>
-        <p:spPr/>
-        <p:txBody>
-          <a:bodyPr/>
-          <a:p>
-            <a:pPr marL="0" indent="0">
-              <a:buNone/>
-            </a:pPr>
-            <a:r>
-              <a:rPr lang="zh-CN" altLang="en-US">
-                <a:latin typeface="华文中宋" panose="02010600040101010101" charset="-122"/>
-                <a:ea typeface="华文中宋" panose="02010600040101010101" charset="-122"/>
-              </a:rPr>
-              <a:t>回顾课程内容，梳理主干知识，加深理解记忆</a:t>
-            </a:r>
-            <a:endParaRPr lang="zh-CN" altLang="en-US">
-              <a:latin typeface="华文中宋" panose="02010600040101010101" charset="-122"/>
-              <a:ea typeface="华文中宋" panose="02010600040101010101" charset="-122"/>
-            </a:endParaRPr>
-          </a:p>
-          <a:p>
-            <a:pPr marL="0" indent="0">
-              <a:buNone/>
-            </a:pPr>
-            <a:r>
-              <a:rPr lang="zh-CN" altLang="en-US">
-                <a:latin typeface="华文中宋" panose="02010600040101010101" charset="-122"/>
-                <a:ea typeface="华文中宋" panose="02010600040101010101" charset="-122"/>
-                <a:sym typeface="+mn-ea"/>
-              </a:rPr>
-              <a:t>强调重点，</a:t>
-            </a:r>
-            <a:r>
-              <a:rPr lang="zh-CN" altLang="en-US">
-                <a:latin typeface="华文中宋" panose="02010600040101010101" charset="-122"/>
-                <a:ea typeface="华文中宋" panose="02010600040101010101" charset="-122"/>
-              </a:rPr>
-              <a:t>关注部分细节，加强对知识掌握</a:t>
-            </a:r>
-            <a:endParaRPr lang="zh-CN" altLang="en-US">
-              <a:latin typeface="华文中宋" panose="02010600040101010101" charset="-122"/>
-              <a:ea typeface="华文中宋" panose="02010600040101010101" charset="-122"/>
-            </a:endParaRPr>
-          </a:p>
-          <a:p>
-            <a:pPr marL="0" indent="0">
-              <a:buNone/>
-            </a:pPr>
-            <a:r>
-              <a:rPr lang="zh-CN" altLang="en-US">
-                <a:latin typeface="华文中宋" panose="02010600040101010101" charset="-122"/>
-                <a:ea typeface="华文中宋" panose="02010600040101010101" charset="-122"/>
-              </a:rPr>
-              <a:t>同学间（含助教）互相交流的平台</a:t>
-            </a:r>
-            <a:endParaRPr lang="zh-CN" altLang="en-US">
-              <a:latin typeface="华文中宋" panose="02010600040101010101" charset="-122"/>
-              <a:ea typeface="华文中宋" panose="02010600040101010101" charset="-122"/>
-            </a:endParaRPr>
-          </a:p>
-        </p:txBody>
-      </p:sp>
-    </p:spTree>
-  </p:cSld>
-  <p:clrMapOvr>
-    <a:masterClrMapping/>
-  </p:clrMapOvr>
-</p:sld>
-</file>
-
-<file path=ppt/slides/slide8.xml><?xml version="1.0" encoding="utf-8"?>
-<p:sld xmlns:a="http://schemas.openxmlformats.org/drawingml/2006/main" xmlns:r="http://schemas.openxmlformats.org/officeDocument/2006/relationships" xmlns:p="http://schemas.openxmlformats.org/presentationml/2006/main">
-  <p:cSld>
-    <p:spTree>
-      <p:nvGrpSpPr>
-        <p:cNvPr id="1" name=""/>
-        <p:cNvGrpSpPr/>
-        <p:nvPr/>
-      </p:nvGrpSpPr>
-      <p:grpSpPr/>
-      <p:sp>
-        <p:nvSpPr>
-          <p:cNvPr id="2" name="标题 1"/>
-          <p:cNvSpPr>
-            <a:spLocks noGrp="1"/>
-          </p:cNvSpPr>
-          <p:nvPr>
-            <p:ph type="title"/>
-          </p:nvPr>
-        </p:nvSpPr>
-        <p:spPr/>
-        <p:txBody>
-          <a:bodyPr/>
-          <a:p>
-            <a:r>
-              <a:rPr lang="en-US" altLang="zh-CN">
-                <a:latin typeface="华文中宋" panose="02010600040101010101" charset="-122"/>
-                <a:ea typeface="华文中宋" panose="02010600040101010101" charset="-122"/>
-              </a:rPr>
-              <a:t>ICS</a:t>
-            </a:r>
-            <a:r>
-              <a:rPr lang="zh-CN" altLang="en-US">
-                <a:latin typeface="华文中宋" panose="02010600040101010101" charset="-122"/>
-                <a:ea typeface="华文中宋" panose="02010600040101010101" charset="-122"/>
-              </a:rPr>
-              <a:t>课程需要完成什么</a:t>
-            </a:r>
-            <a:endParaRPr lang="zh-CN" altLang="en-US">
-              <a:latin typeface="华文中宋" panose="02010600040101010101" charset="-122"/>
-              <a:ea typeface="华文中宋" panose="02010600040101010101" charset="-122"/>
-            </a:endParaRPr>
-          </a:p>
-        </p:txBody>
-      </p:sp>
-      <p:sp>
-        <p:nvSpPr>
-          <p:cNvPr id="3" name="内容占位符 2"/>
-          <p:cNvSpPr>
-            <a:spLocks noGrp="1"/>
-          </p:cNvSpPr>
-          <p:nvPr>
-            <p:ph idx="1"/>
-          </p:nvPr>
-        </p:nvSpPr>
-        <p:spPr/>
-        <p:txBody>
-          <a:bodyPr/>
-          <a:p>
-            <a:pPr marL="0" indent="0">
-              <a:buNone/>
-            </a:pPr>
-            <a:r>
-              <a:rPr lang="zh-CN" altLang="en-US">
-                <a:latin typeface="华文中宋" panose="02010600040101010101" charset="-122"/>
-                <a:ea typeface="华文中宋" panose="02010600040101010101" charset="-122"/>
-              </a:rPr>
-              <a:t>书面作业（约每节课一次，任务量小）</a:t>
-            </a:r>
-            <a:endParaRPr lang="zh-CN" altLang="en-US">
-              <a:latin typeface="华文中宋" panose="02010600040101010101" charset="-122"/>
-              <a:ea typeface="华文中宋" panose="02010600040101010101" charset="-122"/>
-            </a:endParaRPr>
-          </a:p>
-          <a:p>
-            <a:pPr marL="0" indent="0">
-              <a:buNone/>
-            </a:pPr>
-            <a:r>
-              <a:rPr lang="en-US" altLang="zh-CN">
-                <a:latin typeface="华文中宋" panose="02010600040101010101" charset="-122"/>
-                <a:ea typeface="华文中宋" panose="02010600040101010101" charset="-122"/>
-              </a:rPr>
-              <a:t>Lab</a:t>
-            </a:r>
-            <a:r>
-              <a:rPr lang="zh-CN" altLang="en-US">
-                <a:latin typeface="华文中宋" panose="02010600040101010101" charset="-122"/>
-                <a:ea typeface="华文中宋" panose="02010600040101010101" charset="-122"/>
-              </a:rPr>
-              <a:t>（共</a:t>
-            </a:r>
-            <a:r>
-              <a:rPr lang="en-US" altLang="zh-CN">
-                <a:latin typeface="华文中宋" panose="02010600040101010101" charset="-122"/>
-                <a:ea typeface="华文中宋" panose="02010600040101010101" charset="-122"/>
-              </a:rPr>
-              <a:t>8</a:t>
-            </a:r>
-            <a:r>
-              <a:rPr lang="zh-CN" altLang="en-US">
-                <a:latin typeface="华文中宋" panose="02010600040101010101" charset="-122"/>
-                <a:ea typeface="华文中宋" panose="02010600040101010101" charset="-122"/>
-              </a:rPr>
-              <a:t>个，任务量大）</a:t>
-            </a:r>
-            <a:endParaRPr lang="zh-CN" altLang="en-US">
-              <a:latin typeface="华文中宋" panose="02010600040101010101" charset="-122"/>
-              <a:ea typeface="华文中宋" panose="02010600040101010101" charset="-122"/>
-            </a:endParaRPr>
-          </a:p>
-          <a:p>
-            <a:pPr marL="0" indent="0">
-              <a:buNone/>
-            </a:pPr>
-            <a:r>
-              <a:rPr lang="zh-CN" altLang="en-US">
-                <a:latin typeface="华文中宋" panose="02010600040101010101" charset="-122"/>
-                <a:ea typeface="华文中宋" panose="02010600040101010101" charset="-122"/>
-              </a:rPr>
-              <a:t>小班任务</a:t>
-            </a:r>
-            <a:endParaRPr lang="zh-CN" altLang="en-US">
-              <a:latin typeface="华文中宋" panose="02010600040101010101" charset="-122"/>
-              <a:ea typeface="华文中宋" panose="02010600040101010101" charset="-122"/>
-            </a:endParaRPr>
-          </a:p>
-          <a:p>
-            <a:pPr marL="0" indent="0">
-              <a:buNone/>
-            </a:pPr>
-            <a:endParaRPr lang="zh-CN" altLang="en-US">
-              <a:latin typeface="华文中宋" panose="02010600040101010101" charset="-122"/>
-              <a:ea typeface="华文中宋" panose="02010600040101010101" charset="-122"/>
-            </a:endParaRPr>
-          </a:p>
-          <a:p>
-            <a:pPr marL="0" indent="0">
-              <a:buNone/>
-            </a:pPr>
-            <a:endParaRPr lang="zh-CN" altLang="en-US">
-              <a:latin typeface="华文中宋" panose="02010600040101010101" charset="-122"/>
-              <a:ea typeface="华文中宋" panose="02010600040101010101" charset="-122"/>
-            </a:endParaRPr>
-          </a:p>
-          <a:p>
-            <a:pPr marL="0" indent="0">
-              <a:buNone/>
-            </a:pPr>
-            <a:endParaRPr lang="zh-CN" altLang="en-US">
-              <a:latin typeface="华文中宋" panose="02010600040101010101" charset="-122"/>
-              <a:ea typeface="华文中宋" panose="02010600040101010101" charset="-122"/>
-            </a:endParaRPr>
-          </a:p>
-        </p:txBody>
-      </p:sp>
-    </p:spTree>
-  </p:cSld>
-  <p:clrMapOvr>
-    <a:masterClrMapping/>
-  </p:clrMapOvr>
-</p:sld>
-</file>
-
-<file path=ppt/slides/slide9.xml><?xml version="1.0" encoding="utf-8"?>
-<p:sld xmlns:a="http://schemas.openxmlformats.org/drawingml/2006/main" xmlns:r="http://schemas.openxmlformats.org/officeDocument/2006/relationships" xmlns:p="http://schemas.openxmlformats.org/presentationml/2006/main">
-  <p:cSld>
-    <p:spTree>
-      <p:nvGrpSpPr>
-        <p:cNvPr id="1" name=""/>
-        <p:cNvGrpSpPr/>
-        <p:nvPr/>
-      </p:nvGrpSpPr>
-      <p:grpSpPr/>
-      <p:sp>
-        <p:nvSpPr>
-          <p:cNvPr id="2" name="标题 1"/>
-          <p:cNvSpPr>
-            <a:spLocks noGrp="1"/>
-          </p:cNvSpPr>
-          <p:nvPr>
-            <p:ph type="title"/>
-          </p:nvPr>
-        </p:nvSpPr>
-        <p:spPr/>
-        <p:txBody>
-          <a:bodyPr/>
-          <a:p>
-            <a:r>
-              <a:rPr lang="en-US" altLang="zh-CN">
-                <a:latin typeface="华文中宋" panose="02010600040101010101" charset="-122"/>
-                <a:ea typeface="华文中宋" panose="02010600040101010101" charset="-122"/>
-              </a:rPr>
-              <a:t>ICS</a:t>
-            </a:r>
-            <a:r>
-              <a:rPr lang="zh-CN" altLang="en-US">
-                <a:latin typeface="华文中宋" panose="02010600040101010101" charset="-122"/>
-                <a:ea typeface="华文中宋" panose="02010600040101010101" charset="-122"/>
-              </a:rPr>
-              <a:t>小班任务</a:t>
-            </a:r>
-            <a:endParaRPr lang="zh-CN" altLang="en-US">
-              <a:latin typeface="华文中宋" panose="02010600040101010101" charset="-122"/>
-              <a:ea typeface="华文中宋" panose="02010600040101010101" charset="-122"/>
-            </a:endParaRPr>
-          </a:p>
-        </p:txBody>
-      </p:sp>
-      <p:sp>
-        <p:nvSpPr>
-          <p:cNvPr id="3" name="内容占位符 2"/>
-          <p:cNvSpPr>
-            <a:spLocks noGrp="1"/>
-          </p:cNvSpPr>
-          <p:nvPr>
-            <p:ph idx="1"/>
-          </p:nvPr>
-        </p:nvSpPr>
-        <p:spPr>
-          <a:xfrm>
-            <a:off x="838200" y="1825625"/>
-            <a:ext cx="10813415" cy="4351655"/>
-          </a:xfrm>
-        </p:spPr>
-        <p:txBody>
-          <a:bodyPr/>
-          <a:p>
-            <a:pPr marL="0" indent="0">
-              <a:buNone/>
-            </a:pPr>
-            <a:r>
-              <a:rPr lang="zh-CN" altLang="en-US">
-                <a:latin typeface="华文中宋" panose="02010600040101010101" charset="-122"/>
-                <a:ea typeface="华文中宋" panose="02010600040101010101" charset="-122"/>
-              </a:rPr>
-              <a:t>同学回课</a:t>
-            </a:r>
-            <a:r>
-              <a:rPr lang="en-US" altLang="zh-CN">
-                <a:latin typeface="华文中宋" panose="02010600040101010101" charset="-122"/>
-                <a:ea typeface="华文中宋" panose="02010600040101010101" charset="-122"/>
-              </a:rPr>
-              <a:t>+</a:t>
-            </a:r>
-            <a:r>
-              <a:rPr lang="zh-CN" altLang="en-US">
-                <a:latin typeface="华文中宋" panose="02010600040101010101" charset="-122"/>
-                <a:ea typeface="华文中宋" panose="02010600040101010101" charset="-122"/>
-              </a:rPr>
-              <a:t>助教讲授</a:t>
-            </a:r>
-            <a:r>
-              <a:rPr lang="en-US" altLang="zh-CN">
-                <a:latin typeface="华文中宋" panose="02010600040101010101" charset="-122"/>
-                <a:ea typeface="华文中宋" panose="02010600040101010101" charset="-122"/>
-              </a:rPr>
-              <a:t>+</a:t>
-            </a:r>
-            <a:r>
-              <a:rPr lang="zh-CN" altLang="en-US">
-                <a:latin typeface="华文中宋" panose="02010600040101010101" charset="-122"/>
-                <a:ea typeface="华文中宋" panose="02010600040101010101" charset="-122"/>
-              </a:rPr>
-              <a:t>老师指导</a:t>
-            </a:r>
-            <a:endParaRPr lang="zh-CN" altLang="en-US">
-              <a:latin typeface="华文中宋" panose="02010600040101010101" charset="-122"/>
-              <a:ea typeface="华文中宋" panose="02010600040101010101" charset="-122"/>
-            </a:endParaRPr>
-          </a:p>
-          <a:p>
-            <a:pPr marL="0" indent="0">
-              <a:buNone/>
-            </a:pPr>
-            <a:endParaRPr lang="zh-CN" altLang="en-US">
-              <a:latin typeface="华文中宋" panose="02010600040101010101" charset="-122"/>
-              <a:ea typeface="华文中宋" panose="02010600040101010101" charset="-122"/>
-            </a:endParaRPr>
-          </a:p>
-        </p:txBody>
-      </p:sp>
     </p:spTree>
   </p:cSld>
   <p:clrMapOvr>
